--- a/Poster.pptx
+++ b/Poster.pptx
@@ -5,8 +5,7 @@
     <p:sldMasterId id="2147483672" r:id="rId1"/>
   </p:sldMasterIdLst>
   <p:sldIdLst>
-    <p:sldId id="258" r:id="rId2"/>
-    <p:sldId id="259" r:id="rId3"/>
+    <p:sldId id="259" r:id="rId2"/>
   </p:sldIdLst>
   <p:sldSz cx="32918400" cy="21945600"/>
   <p:notesSz cx="6858000" cy="9144000"/>
@@ -244,7 +243,7 @@
           <a:p>
             <a:fld id="{7220ECE3-515B-1A46-8D83-30082E4C106D}" type="datetimeFigureOut">
               <a:rPr lang="en-US" smtClean="0"/>
-              <a:t>8/4/18</a:t>
+              <a:t>12/10/2018</a:t>
             </a:fld>
             <a:endParaRPr lang="en-US"/>
           </a:p>
@@ -414,7 +413,7 @@
           <a:p>
             <a:fld id="{7220ECE3-515B-1A46-8D83-30082E4C106D}" type="datetimeFigureOut">
               <a:rPr lang="en-US" smtClean="0"/>
-              <a:t>8/4/18</a:t>
+              <a:t>12/10/2018</a:t>
             </a:fld>
             <a:endParaRPr lang="en-US"/>
           </a:p>
@@ -594,7 +593,7 @@
           <a:p>
             <a:fld id="{7220ECE3-515B-1A46-8D83-30082E4C106D}" type="datetimeFigureOut">
               <a:rPr lang="en-US" smtClean="0"/>
-              <a:t>8/4/18</a:t>
+              <a:t>12/10/2018</a:t>
             </a:fld>
             <a:endParaRPr lang="en-US"/>
           </a:p>
@@ -764,7 +763,7 @@
           <a:p>
             <a:fld id="{7220ECE3-515B-1A46-8D83-30082E4C106D}" type="datetimeFigureOut">
               <a:rPr lang="en-US" smtClean="0"/>
-              <a:t>8/4/18</a:t>
+              <a:t>12/10/2018</a:t>
             </a:fld>
             <a:endParaRPr lang="en-US"/>
           </a:p>
@@ -1008,7 +1007,7 @@
           <a:p>
             <a:fld id="{7220ECE3-515B-1A46-8D83-30082E4C106D}" type="datetimeFigureOut">
               <a:rPr lang="en-US" smtClean="0"/>
-              <a:t>8/4/18</a:t>
+              <a:t>12/10/2018</a:t>
             </a:fld>
             <a:endParaRPr lang="en-US"/>
           </a:p>
@@ -1240,7 +1239,7 @@
           <a:p>
             <a:fld id="{7220ECE3-515B-1A46-8D83-30082E4C106D}" type="datetimeFigureOut">
               <a:rPr lang="en-US" smtClean="0"/>
-              <a:t>8/4/18</a:t>
+              <a:t>12/10/2018</a:t>
             </a:fld>
             <a:endParaRPr lang="en-US"/>
           </a:p>
@@ -1607,7 +1606,7 @@
           <a:p>
             <a:fld id="{7220ECE3-515B-1A46-8D83-30082E4C106D}" type="datetimeFigureOut">
               <a:rPr lang="en-US" smtClean="0"/>
-              <a:t>8/4/18</a:t>
+              <a:t>12/10/2018</a:t>
             </a:fld>
             <a:endParaRPr lang="en-US"/>
           </a:p>
@@ -1725,7 +1724,7 @@
           <a:p>
             <a:fld id="{7220ECE3-515B-1A46-8D83-30082E4C106D}" type="datetimeFigureOut">
               <a:rPr lang="en-US" smtClean="0"/>
-              <a:t>8/4/18</a:t>
+              <a:t>12/10/2018</a:t>
             </a:fld>
             <a:endParaRPr lang="en-US"/>
           </a:p>
@@ -1820,7 +1819,7 @@
           <a:p>
             <a:fld id="{7220ECE3-515B-1A46-8D83-30082E4C106D}" type="datetimeFigureOut">
               <a:rPr lang="en-US" smtClean="0"/>
-              <a:t>8/4/18</a:t>
+              <a:t>12/10/2018</a:t>
             </a:fld>
             <a:endParaRPr lang="en-US"/>
           </a:p>
@@ -2097,7 +2096,7 @@
           <a:p>
             <a:fld id="{7220ECE3-515B-1A46-8D83-30082E4C106D}" type="datetimeFigureOut">
               <a:rPr lang="en-US" smtClean="0"/>
-              <a:t>8/4/18</a:t>
+              <a:t>12/10/2018</a:t>
             </a:fld>
             <a:endParaRPr lang="en-US"/>
           </a:p>
@@ -2354,7 +2353,7 @@
           <a:p>
             <a:fld id="{7220ECE3-515B-1A46-8D83-30082E4C106D}" type="datetimeFigureOut">
               <a:rPr lang="en-US" smtClean="0"/>
-              <a:t>8/4/18</a:t>
+              <a:t>12/10/2018</a:t>
             </a:fld>
             <a:endParaRPr lang="en-US"/>
           </a:p>
@@ -2568,7 +2567,7 @@
             <a:fld id="{7220ECE3-515B-1A46-8D83-30082E4C106D}" type="datetimeFigureOut">
               <a:rPr lang="en-US" smtClean="0"/>
               <a:pPr/>
-              <a:t>8/4/18</a:t>
+              <a:t>12/10/2018</a:t>
             </a:fld>
             <a:endParaRPr lang="en-US" dirty="0"/>
           </a:p>
@@ -2958,2569 +2957,6 @@
 </file>
 
 <file path=ppt/slides/slide1.xml><?xml version="1.0" encoding="utf-8"?>
-<p:sld xmlns:a="http://schemas.openxmlformats.org/drawingml/2006/main" xmlns:r="http://schemas.openxmlformats.org/officeDocument/2006/relationships" xmlns:p="http://schemas.openxmlformats.org/presentationml/2006/main">
-  <p:cSld>
-    <p:spTree>
-      <p:nvGrpSpPr>
-        <p:cNvPr id="1" name=""/>
-        <p:cNvGrpSpPr/>
-        <p:nvPr/>
-      </p:nvGrpSpPr>
-      <p:grpSpPr>
-        <a:xfrm>
-          <a:off x="0" y="0"/>
-          <a:ext cx="0" cy="0"/>
-          <a:chOff x="0" y="0"/>
-          <a:chExt cx="0" cy="0"/>
-        </a:xfrm>
-      </p:grpSpPr>
-      <p:grpSp>
-        <p:nvGrpSpPr>
-          <p:cNvPr id="5" name="Group 4">
-            <a:extLst>
-              <a:ext uri="{FF2B5EF4-FFF2-40B4-BE49-F238E27FC236}">
-                <a16:creationId xmlns:a16="http://schemas.microsoft.com/office/drawing/2014/main" id="{B1FCBBA5-5FFD-8E40-8E57-7FEB28E04E9C}"/>
-              </a:ext>
-            </a:extLst>
-          </p:cNvPr>
-          <p:cNvGrpSpPr/>
-          <p:nvPr/>
-        </p:nvGrpSpPr>
-        <p:grpSpPr>
-          <a:xfrm>
-            <a:off x="0" y="0"/>
-            <a:ext cx="32932736" cy="21947339"/>
-            <a:chOff x="0" y="0"/>
-            <a:chExt cx="32932736" cy="21947339"/>
-          </a:xfrm>
-        </p:grpSpPr>
-        <p:grpSp>
-          <p:nvGrpSpPr>
-            <p:cNvPr id="3" name="Group 2">
-              <a:extLst>
-                <a:ext uri="{FF2B5EF4-FFF2-40B4-BE49-F238E27FC236}">
-                  <a16:creationId xmlns:a16="http://schemas.microsoft.com/office/drawing/2014/main" id="{7104F926-B903-7548-99B5-3B19D90E570B}"/>
-                </a:ext>
-              </a:extLst>
-            </p:cNvPr>
-            <p:cNvGrpSpPr/>
-            <p:nvPr/>
-          </p:nvGrpSpPr>
-          <p:grpSpPr>
-            <a:xfrm>
-              <a:off x="184169" y="3805305"/>
-              <a:ext cx="4685371" cy="18142034"/>
-              <a:chOff x="184169" y="3805305"/>
-              <a:chExt cx="4685371" cy="18142034"/>
-            </a:xfrm>
-          </p:grpSpPr>
-          <p:sp>
-            <p:nvSpPr>
-              <p:cNvPr id="8" name="Rectangle 7">
-                <a:extLst>
-                  <a:ext uri="{FF2B5EF4-FFF2-40B4-BE49-F238E27FC236}">
-                    <a16:creationId xmlns:a16="http://schemas.microsoft.com/office/drawing/2014/main" id="{0797F685-70E8-2A46-8CB6-8504357FE563}"/>
-                  </a:ext>
-                </a:extLst>
-              </p:cNvPr>
-              <p:cNvSpPr/>
-              <p:nvPr/>
-            </p:nvSpPr>
-            <p:spPr>
-              <a:xfrm>
-                <a:off x="184169" y="3805305"/>
-                <a:ext cx="4518211" cy="17863971"/>
-              </a:xfrm>
-              <a:prstGeom prst="rect">
-                <a:avLst/>
-              </a:prstGeom>
-              <a:solidFill>
-                <a:srgbClr val="2E2D29"/>
-              </a:solidFill>
-              <a:ln>
-                <a:solidFill>
-                  <a:srgbClr val="4D4F53"/>
-                </a:solidFill>
-              </a:ln>
-            </p:spPr>
-            <p:style>
-              <a:lnRef idx="2">
-                <a:schemeClr val="accent1">
-                  <a:shade val="50000"/>
-                </a:schemeClr>
-              </a:lnRef>
-              <a:fillRef idx="1">
-                <a:schemeClr val="accent1"/>
-              </a:fillRef>
-              <a:effectRef idx="0">
-                <a:schemeClr val="accent1"/>
-              </a:effectRef>
-              <a:fontRef idx="minor">
-                <a:schemeClr val="lt1"/>
-              </a:fontRef>
-            </p:style>
-            <p:txBody>
-              <a:bodyPr rot="0" spcFirstLastPara="0" vertOverflow="overflow" horzOverflow="overflow" vert="horz" wrap="square" lIns="60960" tIns="30480" rIns="60960" bIns="30480" numCol="1" spcCol="0" rtlCol="0" fromWordArt="0" anchor="ctr" anchorCtr="0" forceAA="0" compatLnSpc="1">
-                <a:prstTxWarp prst="textNoShape">
-                  <a:avLst/>
-                </a:prstTxWarp>
-                <a:noAutofit/>
-              </a:bodyPr>
-              <a:lstStyle/>
-              <a:p>
-                <a:pPr algn="ctr"/>
-                <a:endParaRPr lang="en-US" sz="3456" dirty="0">
-                  <a:solidFill>
-                    <a:srgbClr val="2E2D29"/>
-                  </a:solidFill>
-                  <a:latin typeface="Source Sans Pro Regular"/>
-                </a:endParaRPr>
-              </a:p>
-            </p:txBody>
-          </p:sp>
-          <p:sp>
-            <p:nvSpPr>
-              <p:cNvPr id="9" name="Rectangle 8">
-                <a:extLst>
-                  <a:ext uri="{FF2B5EF4-FFF2-40B4-BE49-F238E27FC236}">
-                    <a16:creationId xmlns:a16="http://schemas.microsoft.com/office/drawing/2014/main" id="{D502E10E-E6EB-444E-A542-2CB61CF3C1DE}"/>
-                  </a:ext>
-                </a:extLst>
-              </p:cNvPr>
-              <p:cNvSpPr/>
-              <p:nvPr/>
-            </p:nvSpPr>
-            <p:spPr>
-              <a:xfrm>
-                <a:off x="351329" y="3976633"/>
-                <a:ext cx="4518211" cy="17837909"/>
-              </a:xfrm>
-              <a:prstGeom prst="rect">
-                <a:avLst/>
-              </a:prstGeom>
-              <a:solidFill>
-                <a:srgbClr val="D2C295"/>
-              </a:solidFill>
-              <a:ln>
-                <a:solidFill>
-                  <a:srgbClr val="D2C295"/>
-                </a:solidFill>
-              </a:ln>
-            </p:spPr>
-            <p:style>
-              <a:lnRef idx="2">
-                <a:schemeClr val="accent1">
-                  <a:shade val="50000"/>
-                </a:schemeClr>
-              </a:lnRef>
-              <a:fillRef idx="1">
-                <a:schemeClr val="accent1"/>
-              </a:fillRef>
-              <a:effectRef idx="0">
-                <a:schemeClr val="accent1"/>
-              </a:effectRef>
-              <a:fontRef idx="minor">
-                <a:schemeClr val="lt1"/>
-              </a:fontRef>
-            </p:style>
-            <p:txBody>
-              <a:bodyPr rot="0" spcFirstLastPara="0" vertOverflow="overflow" horzOverflow="overflow" vert="horz" wrap="square" lIns="60960" tIns="30480" rIns="60960" bIns="30480" numCol="1" spcCol="0" rtlCol="0" fromWordArt="0" anchor="ctr" anchorCtr="0" forceAA="0" compatLnSpc="1">
-                <a:prstTxWarp prst="textNoShape">
-                  <a:avLst/>
-                </a:prstTxWarp>
-                <a:noAutofit/>
-              </a:bodyPr>
-              <a:lstStyle/>
-              <a:p>
-                <a:pPr algn="ctr"/>
-                <a:endParaRPr lang="en-US" sz="3456" dirty="0">
-                  <a:latin typeface="Source Sans Pro Regular"/>
-                </a:endParaRPr>
-              </a:p>
-            </p:txBody>
-          </p:sp>
-          <p:pic>
-            <p:nvPicPr>
-              <p:cNvPr id="16" name="Picture 15">
-                <a:extLst>
-                  <a:ext uri="{FF2B5EF4-FFF2-40B4-BE49-F238E27FC236}">
-                    <a16:creationId xmlns:a16="http://schemas.microsoft.com/office/drawing/2014/main" id="{A13AF7A4-3FB3-6848-9949-21F17362FB18}"/>
-                  </a:ext>
-                </a:extLst>
-              </p:cNvPr>
-              <p:cNvPicPr>
-                <a:picLocks noChangeAspect="1"/>
-              </p:cNvPicPr>
-              <p:nvPr/>
-            </p:nvPicPr>
-            <p:blipFill>
-              <a:blip r:embed="rId2"/>
-              <a:stretch>
-                <a:fillRect/>
-              </a:stretch>
-            </p:blipFill>
-            <p:spPr>
-              <a:xfrm>
-                <a:off x="1808206" y="20064893"/>
-                <a:ext cx="2823669" cy="1882446"/>
-              </a:xfrm>
-              <a:prstGeom prst="rect">
-                <a:avLst/>
-              </a:prstGeom>
-            </p:spPr>
-          </p:pic>
-          <p:pic>
-            <p:nvPicPr>
-              <p:cNvPr id="17" name="Picture 16">
-                <a:extLst>
-                  <a:ext uri="{FF2B5EF4-FFF2-40B4-BE49-F238E27FC236}">
-                    <a16:creationId xmlns:a16="http://schemas.microsoft.com/office/drawing/2014/main" id="{695DB488-0812-0940-926E-7442904866A0}"/>
-                  </a:ext>
-                </a:extLst>
-              </p:cNvPr>
-              <p:cNvPicPr>
-                <a:picLocks noChangeAspect="1"/>
-              </p:cNvPicPr>
-              <p:nvPr/>
-            </p:nvPicPr>
-            <p:blipFill>
-              <a:blip r:embed="rId3"/>
-              <a:stretch>
-                <a:fillRect/>
-              </a:stretch>
-            </p:blipFill>
-            <p:spPr>
-              <a:xfrm>
-                <a:off x="859588" y="20342958"/>
-                <a:ext cx="878114" cy="1326318"/>
-              </a:xfrm>
-              <a:prstGeom prst="rect">
-                <a:avLst/>
-              </a:prstGeom>
-            </p:spPr>
-          </p:pic>
-        </p:grpSp>
-        <p:grpSp>
-          <p:nvGrpSpPr>
-            <p:cNvPr id="2" name="Group 1">
-              <a:extLst>
-                <a:ext uri="{FF2B5EF4-FFF2-40B4-BE49-F238E27FC236}">
-                  <a16:creationId xmlns:a16="http://schemas.microsoft.com/office/drawing/2014/main" id="{E65289D0-6A96-F346-AA11-CE21CA77B6E5}"/>
-                </a:ext>
-              </a:extLst>
-            </p:cNvPr>
-            <p:cNvGrpSpPr/>
-            <p:nvPr/>
-          </p:nvGrpSpPr>
-          <p:grpSpPr>
-            <a:xfrm>
-              <a:off x="0" y="0"/>
-              <a:ext cx="32932736" cy="4029235"/>
-              <a:chOff x="0" y="0"/>
-              <a:chExt cx="32932736" cy="4029235"/>
-            </a:xfrm>
-          </p:grpSpPr>
-          <p:sp>
-            <p:nvSpPr>
-              <p:cNvPr id="20" name="Rectangle 19">
-                <a:extLst>
-                  <a:ext uri="{FF2B5EF4-FFF2-40B4-BE49-F238E27FC236}">
-                    <a16:creationId xmlns:a16="http://schemas.microsoft.com/office/drawing/2014/main" id="{95F77903-2A48-8D4E-8934-DF62F455D999}"/>
-                  </a:ext>
-                </a:extLst>
-              </p:cNvPr>
-              <p:cNvSpPr/>
-              <p:nvPr/>
-            </p:nvSpPr>
-            <p:spPr>
-              <a:xfrm>
-                <a:off x="29605212" y="3504869"/>
-                <a:ext cx="3327523" cy="524366"/>
-              </a:xfrm>
-              <a:prstGeom prst="rect">
-                <a:avLst/>
-              </a:prstGeom>
-              <a:solidFill>
-                <a:srgbClr val="D2C295"/>
-              </a:solidFill>
-              <a:ln>
-                <a:solidFill>
-                  <a:srgbClr val="D2C295"/>
-                </a:solidFill>
-              </a:ln>
-            </p:spPr>
-            <p:style>
-              <a:lnRef idx="2">
-                <a:schemeClr val="accent1">
-                  <a:shade val="50000"/>
-                </a:schemeClr>
-              </a:lnRef>
-              <a:fillRef idx="1">
-                <a:schemeClr val="accent1"/>
-              </a:fillRef>
-              <a:effectRef idx="0">
-                <a:schemeClr val="accent1"/>
-              </a:effectRef>
-              <a:fontRef idx="minor">
-                <a:schemeClr val="lt1"/>
-              </a:fontRef>
-            </p:style>
-            <p:txBody>
-              <a:bodyPr rot="0" spcFirstLastPara="0" vertOverflow="overflow" horzOverflow="overflow" vert="horz" wrap="square" lIns="60960" tIns="30480" rIns="60960" bIns="30480" numCol="1" spcCol="0" rtlCol="0" fromWordArt="0" anchor="ctr" anchorCtr="0" forceAA="0" compatLnSpc="1">
-                <a:prstTxWarp prst="textNoShape">
-                  <a:avLst/>
-                </a:prstTxWarp>
-                <a:noAutofit/>
-              </a:bodyPr>
-              <a:lstStyle/>
-              <a:p>
-                <a:pPr algn="ctr"/>
-                <a:endParaRPr lang="en-US" sz="3456" dirty="0">
-                  <a:latin typeface="Crimson Roman"/>
-                </a:endParaRPr>
-              </a:p>
-            </p:txBody>
-          </p:sp>
-          <p:sp>
-            <p:nvSpPr>
-              <p:cNvPr id="4" name="Rectangle 3">
-                <a:extLst>
-                  <a:ext uri="{FF2B5EF4-FFF2-40B4-BE49-F238E27FC236}">
-                    <a16:creationId xmlns:a16="http://schemas.microsoft.com/office/drawing/2014/main" id="{E13EDE96-696B-6940-8005-05A86EBF74DF}"/>
-                  </a:ext>
-                </a:extLst>
-              </p:cNvPr>
-              <p:cNvSpPr/>
-              <p:nvPr/>
-            </p:nvSpPr>
-            <p:spPr>
-              <a:xfrm>
-                <a:off x="0" y="0"/>
-                <a:ext cx="32918400" cy="3546764"/>
-              </a:xfrm>
-              <a:prstGeom prst="rect">
-                <a:avLst/>
-              </a:prstGeom>
-              <a:solidFill>
-                <a:srgbClr val="8C1515"/>
-              </a:solidFill>
-              <a:ln>
-                <a:solidFill>
-                  <a:srgbClr val="8C1515"/>
-                </a:solidFill>
-              </a:ln>
-            </p:spPr>
-            <p:style>
-              <a:lnRef idx="2">
-                <a:schemeClr val="accent1">
-                  <a:shade val="50000"/>
-                </a:schemeClr>
-              </a:lnRef>
-              <a:fillRef idx="1">
-                <a:schemeClr val="accent1"/>
-              </a:fillRef>
-              <a:effectRef idx="0">
-                <a:schemeClr val="accent1"/>
-              </a:effectRef>
-              <a:fontRef idx="minor">
-                <a:schemeClr val="lt1"/>
-              </a:fontRef>
-            </p:style>
-            <p:txBody>
-              <a:bodyPr rot="0" spcFirstLastPara="0" vertOverflow="overflow" horzOverflow="overflow" vert="horz" wrap="square" lIns="60960" tIns="30480" rIns="60960" bIns="30480" numCol="1" spcCol="0" rtlCol="0" fromWordArt="0" anchor="ctr" anchorCtr="0" forceAA="0" compatLnSpc="1">
-                <a:prstTxWarp prst="textNoShape">
-                  <a:avLst/>
-                </a:prstTxWarp>
-                <a:noAutofit/>
-              </a:bodyPr>
-              <a:lstStyle/>
-              <a:p>
-                <a:pPr algn="ctr"/>
-                <a:endParaRPr lang="en-US" sz="3456" dirty="0">
-                  <a:latin typeface="Source Sans Pro Regular"/>
-                </a:endParaRPr>
-              </a:p>
-            </p:txBody>
-          </p:sp>
-          <p:pic>
-            <p:nvPicPr>
-              <p:cNvPr id="6" name="Picture 5">
-                <a:extLst>
-                  <a:ext uri="{FF2B5EF4-FFF2-40B4-BE49-F238E27FC236}">
-                    <a16:creationId xmlns:a16="http://schemas.microsoft.com/office/drawing/2014/main" id="{27BCE93A-187E-B343-BE0A-8DD846761F9A}"/>
-                  </a:ext>
-                </a:extLst>
-              </p:cNvPr>
-              <p:cNvPicPr>
-                <a:picLocks noChangeAspect="1"/>
-              </p:cNvPicPr>
-              <p:nvPr/>
-            </p:nvPicPr>
-            <p:blipFill>
-              <a:blip r:embed="rId4"/>
-              <a:stretch>
-                <a:fillRect/>
-              </a:stretch>
-            </p:blipFill>
-            <p:spPr>
-              <a:xfrm>
-                <a:off x="457412" y="283854"/>
-                <a:ext cx="2979057" cy="2979057"/>
-              </a:xfrm>
-              <a:prstGeom prst="rect">
-                <a:avLst/>
-              </a:prstGeom>
-            </p:spPr>
-          </p:pic>
-          <p:sp>
-            <p:nvSpPr>
-              <p:cNvPr id="7" name="Rectangle 6">
-                <a:extLst>
-                  <a:ext uri="{FF2B5EF4-FFF2-40B4-BE49-F238E27FC236}">
-                    <a16:creationId xmlns:a16="http://schemas.microsoft.com/office/drawing/2014/main" id="{6C9FFE2E-2CCF-D245-A379-D37BD4B4B164}"/>
-                  </a:ext>
-                </a:extLst>
-              </p:cNvPr>
-              <p:cNvSpPr/>
-              <p:nvPr/>
-            </p:nvSpPr>
-            <p:spPr>
-              <a:xfrm>
-                <a:off x="3436469" y="3439189"/>
-                <a:ext cx="29496267" cy="220850"/>
-              </a:xfrm>
-              <a:prstGeom prst="rect">
-                <a:avLst/>
-              </a:prstGeom>
-              <a:solidFill>
-                <a:srgbClr val="D2C295"/>
-              </a:solidFill>
-              <a:ln>
-                <a:solidFill>
-                  <a:srgbClr val="D2C295"/>
-                </a:solidFill>
-              </a:ln>
-            </p:spPr>
-            <p:style>
-              <a:lnRef idx="2">
-                <a:schemeClr val="accent1">
-                  <a:shade val="50000"/>
-                </a:schemeClr>
-              </a:lnRef>
-              <a:fillRef idx="1">
-                <a:schemeClr val="accent1"/>
-              </a:fillRef>
-              <a:effectRef idx="0">
-                <a:schemeClr val="accent1"/>
-              </a:effectRef>
-              <a:fontRef idx="minor">
-                <a:schemeClr val="lt1"/>
-              </a:fontRef>
-            </p:style>
-            <p:txBody>
-              <a:bodyPr rot="0" spcFirstLastPara="0" vertOverflow="overflow" horzOverflow="overflow" vert="horz" wrap="square" lIns="60960" tIns="30480" rIns="60960" bIns="30480" numCol="1" spcCol="0" rtlCol="0" fromWordArt="0" anchor="ctr" anchorCtr="0" forceAA="0" compatLnSpc="1">
-                <a:prstTxWarp prst="textNoShape">
-                  <a:avLst/>
-                </a:prstTxWarp>
-                <a:noAutofit/>
-              </a:bodyPr>
-              <a:lstStyle/>
-              <a:p>
-                <a:pPr algn="ctr"/>
-                <a:endParaRPr lang="en-US" sz="3456" dirty="0">
-                  <a:latin typeface="Source Sans Pro Regular"/>
-                </a:endParaRPr>
-              </a:p>
-            </p:txBody>
-          </p:sp>
-          <p:sp>
-            <p:nvSpPr>
-              <p:cNvPr id="21" name="Right Triangle 20">
-                <a:extLst>
-                  <a:ext uri="{FF2B5EF4-FFF2-40B4-BE49-F238E27FC236}">
-                    <a16:creationId xmlns:a16="http://schemas.microsoft.com/office/drawing/2014/main" id="{5D381EAB-DAA8-7143-8C05-0E75D5DAEDF0}"/>
-                  </a:ext>
-                </a:extLst>
-              </p:cNvPr>
-              <p:cNvSpPr/>
-              <p:nvPr/>
-            </p:nvSpPr>
-            <p:spPr>
-              <a:xfrm rot="10800000">
-                <a:off x="28935002" y="3554978"/>
-                <a:ext cx="670209" cy="474257"/>
-              </a:xfrm>
-              <a:prstGeom prst="rtTriangle">
-                <a:avLst/>
-              </a:prstGeom>
-              <a:solidFill>
-                <a:srgbClr val="D2C295"/>
-              </a:solidFill>
-              <a:ln>
-                <a:solidFill>
-                  <a:srgbClr val="D2C295"/>
-                </a:solidFill>
-              </a:ln>
-            </p:spPr>
-            <p:style>
-              <a:lnRef idx="2">
-                <a:schemeClr val="accent1">
-                  <a:shade val="50000"/>
-                </a:schemeClr>
-              </a:lnRef>
-              <a:fillRef idx="1">
-                <a:schemeClr val="accent1"/>
-              </a:fillRef>
-              <a:effectRef idx="0">
-                <a:schemeClr val="accent1"/>
-              </a:effectRef>
-              <a:fontRef idx="minor">
-                <a:schemeClr val="lt1"/>
-              </a:fontRef>
-            </p:style>
-            <p:txBody>
-              <a:bodyPr rot="0" spcFirstLastPara="0" vertOverflow="overflow" horzOverflow="overflow" vert="horz" wrap="square" lIns="60960" tIns="30480" rIns="60960" bIns="30480" numCol="1" spcCol="0" rtlCol="0" fromWordArt="0" anchor="ctr" anchorCtr="0" forceAA="0" compatLnSpc="1">
-                <a:prstTxWarp prst="textNoShape">
-                  <a:avLst/>
-                </a:prstTxWarp>
-                <a:noAutofit/>
-              </a:bodyPr>
-              <a:lstStyle/>
-              <a:p>
-                <a:pPr algn="ctr"/>
-                <a:endParaRPr lang="en-US" sz="3456" dirty="0">
-                  <a:latin typeface="Crimson Roman"/>
-                </a:endParaRPr>
-              </a:p>
-            </p:txBody>
-          </p:sp>
-          <p:sp>
-            <p:nvSpPr>
-              <p:cNvPr id="23" name="Rectangle 22">
-                <a:extLst>
-                  <a:ext uri="{FF2B5EF4-FFF2-40B4-BE49-F238E27FC236}">
-                    <a16:creationId xmlns:a16="http://schemas.microsoft.com/office/drawing/2014/main" id="{6CAEEF71-545E-9340-B1EC-95922F8011E4}"/>
-                  </a:ext>
-                </a:extLst>
-              </p:cNvPr>
-              <p:cNvSpPr/>
-              <p:nvPr/>
-            </p:nvSpPr>
-            <p:spPr>
-              <a:xfrm>
-                <a:off x="29745888" y="2979414"/>
-                <a:ext cx="3022723" cy="904554"/>
-              </a:xfrm>
-              <a:prstGeom prst="rect">
-                <a:avLst/>
-              </a:prstGeom>
-              <a:solidFill>
-                <a:schemeClr val="bg1"/>
-              </a:solidFill>
-              <a:ln>
-                <a:solidFill>
-                  <a:schemeClr val="bg1"/>
-                </a:solidFill>
-              </a:ln>
-            </p:spPr>
-            <p:style>
-              <a:lnRef idx="2">
-                <a:schemeClr val="accent1">
-                  <a:shade val="50000"/>
-                </a:schemeClr>
-              </a:lnRef>
-              <a:fillRef idx="1">
-                <a:schemeClr val="accent1"/>
-              </a:fillRef>
-              <a:effectRef idx="0">
-                <a:schemeClr val="accent1"/>
-              </a:effectRef>
-              <a:fontRef idx="minor">
-                <a:schemeClr val="lt1"/>
-              </a:fontRef>
-            </p:style>
-            <p:txBody>
-              <a:bodyPr rot="0" spcFirstLastPara="0" vertOverflow="overflow" horzOverflow="overflow" vert="horz" wrap="square" lIns="60960" tIns="30480" rIns="60960" bIns="30480" numCol="1" spcCol="0" rtlCol="0" fromWordArt="0" anchor="ctr" anchorCtr="0" forceAA="0" compatLnSpc="1">
-                <a:prstTxWarp prst="textNoShape">
-                  <a:avLst/>
-                </a:prstTxWarp>
-                <a:noAutofit/>
-              </a:bodyPr>
-              <a:lstStyle/>
-              <a:p>
-                <a:pPr algn="ctr"/>
-                <a:endParaRPr lang="en-US" sz="3456" dirty="0">
-                  <a:solidFill>
-                    <a:srgbClr val="8C1515"/>
-                  </a:solidFill>
-                  <a:latin typeface="Crimson Roman"/>
-                </a:endParaRPr>
-              </a:p>
-            </p:txBody>
-          </p:sp>
-        </p:grpSp>
-      </p:grpSp>
-      <p:sp>
-        <p:nvSpPr>
-          <p:cNvPr id="11" name="TextBox 10">
-            <a:extLst>
-              <a:ext uri="{FF2B5EF4-FFF2-40B4-BE49-F238E27FC236}">
-                <a16:creationId xmlns:a16="http://schemas.microsoft.com/office/drawing/2014/main" id="{2F80E265-3791-4345-A501-7B4BF1893D75}"/>
-              </a:ext>
-            </a:extLst>
-          </p:cNvPr>
-          <p:cNvSpPr txBox="1"/>
-          <p:nvPr/>
-        </p:nvSpPr>
-        <p:spPr>
-          <a:xfrm>
-            <a:off x="7685170" y="597483"/>
-            <a:ext cx="21270830" cy="1015663"/>
-          </a:xfrm>
-          <a:prstGeom prst="rect">
-            <a:avLst/>
-          </a:prstGeom>
-          <a:noFill/>
-        </p:spPr>
-        <p:txBody>
-          <a:bodyPr wrap="square" rtlCol="0">
-            <a:spAutoFit/>
-          </a:bodyPr>
-          <a:lstStyle/>
-          <a:p>
-            <a:pPr algn="ctr"/>
-            <a:r>
-              <a:rPr lang="en-US" sz="6000" dirty="0">
-                <a:solidFill>
-                  <a:schemeClr val="bg1"/>
-                </a:solidFill>
-                <a:latin typeface="Source Sans Pro Regular"/>
-              </a:rPr>
-              <a:t>Poster Title: Poster Subtitle</a:t>
-            </a:r>
-          </a:p>
-        </p:txBody>
-      </p:sp>
-      <p:pic>
-        <p:nvPicPr>
-          <p:cNvPr id="29" name="Picture 28">
-            <a:extLst>
-              <a:ext uri="{FF2B5EF4-FFF2-40B4-BE49-F238E27FC236}">
-                <a16:creationId xmlns:a16="http://schemas.microsoft.com/office/drawing/2014/main" id="{B19BC31B-934D-3C4C-92EA-65DAC8D4002F}"/>
-              </a:ext>
-            </a:extLst>
-          </p:cNvPr>
-          <p:cNvPicPr>
-            <a:picLocks noChangeAspect="1"/>
-          </p:cNvPicPr>
-          <p:nvPr/>
-        </p:nvPicPr>
-        <p:blipFill>
-          <a:blip r:embed="rId5"/>
-          <a:stretch>
-            <a:fillRect/>
-          </a:stretch>
-        </p:blipFill>
-        <p:spPr>
-          <a:xfrm>
-            <a:off x="29605212" y="2562532"/>
-            <a:ext cx="1982155" cy="1321437"/>
-          </a:xfrm>
-          <a:prstGeom prst="rect">
-            <a:avLst/>
-          </a:prstGeom>
-        </p:spPr>
-      </p:pic>
-      <p:sp>
-        <p:nvSpPr>
-          <p:cNvPr id="30" name="TextBox 29">
-            <a:extLst>
-              <a:ext uri="{FF2B5EF4-FFF2-40B4-BE49-F238E27FC236}">
-                <a16:creationId xmlns:a16="http://schemas.microsoft.com/office/drawing/2014/main" id="{BD540356-4E6F-C942-B0D3-E8EF1A743056}"/>
-              </a:ext>
-            </a:extLst>
-          </p:cNvPr>
-          <p:cNvSpPr txBox="1"/>
-          <p:nvPr/>
-        </p:nvSpPr>
-        <p:spPr>
-          <a:xfrm>
-            <a:off x="29827899" y="3413404"/>
-            <a:ext cx="3752491" cy="471989"/>
-          </a:xfrm>
-          <a:prstGeom prst="rect">
-            <a:avLst/>
-          </a:prstGeom>
-          <a:noFill/>
-        </p:spPr>
-        <p:txBody>
-          <a:bodyPr wrap="square" rtlCol="0">
-            <a:spAutoFit/>
-          </a:bodyPr>
-          <a:lstStyle/>
-          <a:p>
-            <a:r>
-              <a:rPr lang="en-US" sz="2467" dirty="0">
-                <a:solidFill>
-                  <a:srgbClr val="2E2D29"/>
-                </a:solidFill>
-                <a:latin typeface="Source Sans Pro Regular"/>
-              </a:rPr>
-              <a:t>Department Name</a:t>
-            </a:r>
-          </a:p>
-        </p:txBody>
-      </p:sp>
-      <p:sp>
-        <p:nvSpPr>
-          <p:cNvPr id="35" name="TextBox 34">
-            <a:extLst>
-              <a:ext uri="{FF2B5EF4-FFF2-40B4-BE49-F238E27FC236}">
-                <a16:creationId xmlns:a16="http://schemas.microsoft.com/office/drawing/2014/main" id="{79751C98-07D4-9E4F-B8EA-2EC69A53E599}"/>
-              </a:ext>
-            </a:extLst>
-          </p:cNvPr>
-          <p:cNvSpPr txBox="1"/>
-          <p:nvPr/>
-        </p:nvSpPr>
-        <p:spPr>
-          <a:xfrm>
-            <a:off x="7575442" y="1551479"/>
-            <a:ext cx="21270830" cy="707886"/>
-          </a:xfrm>
-          <a:prstGeom prst="rect">
-            <a:avLst/>
-          </a:prstGeom>
-          <a:noFill/>
-        </p:spPr>
-        <p:txBody>
-          <a:bodyPr wrap="square" rtlCol="0">
-            <a:spAutoFit/>
-          </a:bodyPr>
-          <a:lstStyle/>
-          <a:p>
-            <a:pPr algn="ctr"/>
-            <a:r>
-              <a:rPr lang="en-US" sz="4000" i="1" dirty="0">
-                <a:solidFill>
-                  <a:schemeClr val="bg1"/>
-                </a:solidFill>
-                <a:latin typeface="Source Sans Pro Italic"/>
-              </a:rPr>
-              <a:t>First1 Last1,</a:t>
-            </a:r>
-            <a:r>
-              <a:rPr lang="en-US" sz="4000" i="1" baseline="30000" dirty="0">
-                <a:solidFill>
-                  <a:schemeClr val="bg1"/>
-                </a:solidFill>
-                <a:latin typeface="Source Sans Pro Italic"/>
-              </a:rPr>
-              <a:t>1</a:t>
-            </a:r>
-            <a:r>
-              <a:rPr lang="en-US" sz="4000" i="1" dirty="0">
-                <a:solidFill>
-                  <a:schemeClr val="bg1"/>
-                </a:solidFill>
-                <a:latin typeface="Source Sans Pro Italic"/>
-              </a:rPr>
-              <a:t> First2 Last2,</a:t>
-            </a:r>
-            <a:r>
-              <a:rPr lang="en-US" sz="4000" i="1" baseline="30000" dirty="0">
-                <a:solidFill>
-                  <a:schemeClr val="bg1"/>
-                </a:solidFill>
-                <a:latin typeface="Source Sans Pro Italic"/>
-              </a:rPr>
-              <a:t>1</a:t>
-            </a:r>
-            <a:r>
-              <a:rPr lang="en-US" sz="4000" i="1" dirty="0">
-                <a:solidFill>
-                  <a:schemeClr val="bg1"/>
-                </a:solidFill>
-                <a:latin typeface="Source Sans Pro Italic"/>
-              </a:rPr>
-              <a:t> First3, Last3</a:t>
-            </a:r>
-            <a:r>
-              <a:rPr lang="en-US" sz="4000" i="1" baseline="30000" dirty="0">
-                <a:solidFill>
-                  <a:schemeClr val="bg1"/>
-                </a:solidFill>
-                <a:latin typeface="Source Sans Pro Italic"/>
-              </a:rPr>
-              <a:t>1,2</a:t>
-            </a:r>
-            <a:endParaRPr lang="en-US" sz="4000" i="1" dirty="0">
-              <a:solidFill>
-                <a:schemeClr val="bg1"/>
-              </a:solidFill>
-              <a:latin typeface="Source Sans Pro Italic"/>
-            </a:endParaRPr>
-          </a:p>
-        </p:txBody>
-      </p:sp>
-      <p:sp>
-        <p:nvSpPr>
-          <p:cNvPr id="38" name="TextBox 37">
-            <a:extLst>
-              <a:ext uri="{FF2B5EF4-FFF2-40B4-BE49-F238E27FC236}">
-                <a16:creationId xmlns:a16="http://schemas.microsoft.com/office/drawing/2014/main" id="{A62F6516-278F-9C49-A513-1A5BCF3A0D49}"/>
-              </a:ext>
-            </a:extLst>
-          </p:cNvPr>
-          <p:cNvSpPr txBox="1"/>
-          <p:nvPr/>
-        </p:nvSpPr>
-        <p:spPr>
-          <a:xfrm>
-            <a:off x="7685169" y="2357702"/>
-            <a:ext cx="21270830" cy="523220"/>
-          </a:xfrm>
-          <a:prstGeom prst="rect">
-            <a:avLst/>
-          </a:prstGeom>
-          <a:noFill/>
-        </p:spPr>
-        <p:txBody>
-          <a:bodyPr wrap="square" rtlCol="0">
-            <a:spAutoFit/>
-          </a:bodyPr>
-          <a:lstStyle/>
-          <a:p>
-            <a:pPr algn="ctr"/>
-            <a:r>
-              <a:rPr lang="en-US" sz="2800" i="1" baseline="30000" dirty="0">
-                <a:solidFill>
-                  <a:schemeClr val="bg1"/>
-                </a:solidFill>
-                <a:latin typeface="Source Sans Pro Italic"/>
-              </a:rPr>
-              <a:t>1</a:t>
-            </a:r>
-            <a:r>
-              <a:rPr lang="en-US" sz="2800" i="1" dirty="0">
-                <a:solidFill>
-                  <a:schemeClr val="bg1"/>
-                </a:solidFill>
-                <a:latin typeface="Source Sans Pro Italic"/>
-              </a:rPr>
-              <a:t>Example Lab, Department Name, Stanford University</a:t>
-            </a:r>
-          </a:p>
-        </p:txBody>
-      </p:sp>
-      <p:sp>
-        <p:nvSpPr>
-          <p:cNvPr id="39" name="TextBox 38">
-            <a:extLst>
-              <a:ext uri="{FF2B5EF4-FFF2-40B4-BE49-F238E27FC236}">
-                <a16:creationId xmlns:a16="http://schemas.microsoft.com/office/drawing/2014/main" id="{49741301-AFA9-8F45-BB67-4B379BDD3140}"/>
-              </a:ext>
-            </a:extLst>
-          </p:cNvPr>
-          <p:cNvSpPr txBox="1"/>
-          <p:nvPr/>
-        </p:nvSpPr>
-        <p:spPr>
-          <a:xfrm>
-            <a:off x="7685169" y="2762098"/>
-            <a:ext cx="21270830" cy="523220"/>
-          </a:xfrm>
-          <a:prstGeom prst="rect">
-            <a:avLst/>
-          </a:prstGeom>
-          <a:noFill/>
-        </p:spPr>
-        <p:txBody>
-          <a:bodyPr wrap="square" rtlCol="0">
-            <a:spAutoFit/>
-          </a:bodyPr>
-          <a:lstStyle/>
-          <a:p>
-            <a:pPr algn="ctr"/>
-            <a:r>
-              <a:rPr lang="en-US" sz="2800" i="1" baseline="30000" dirty="0">
-                <a:solidFill>
-                  <a:schemeClr val="bg1"/>
-                </a:solidFill>
-                <a:latin typeface="Source Sans Pro Italic"/>
-              </a:rPr>
-              <a:t>2</a:t>
-            </a:r>
-            <a:r>
-              <a:rPr lang="en-US" sz="2800" i="1" dirty="0">
-                <a:solidFill>
-                  <a:schemeClr val="bg1"/>
-                </a:solidFill>
-                <a:latin typeface="Source Sans Pro Italic"/>
-              </a:rPr>
-              <a:t>Example Lab, Department Name2, Other University</a:t>
-            </a:r>
-          </a:p>
-        </p:txBody>
-      </p:sp>
-      <p:grpSp>
-        <p:nvGrpSpPr>
-          <p:cNvPr id="42" name="Group 41">
-            <a:extLst>
-              <a:ext uri="{FF2B5EF4-FFF2-40B4-BE49-F238E27FC236}">
-                <a16:creationId xmlns:a16="http://schemas.microsoft.com/office/drawing/2014/main" id="{5D9385D0-847E-CE47-8068-2F8A9105E2D8}"/>
-              </a:ext>
-            </a:extLst>
-          </p:cNvPr>
-          <p:cNvGrpSpPr/>
-          <p:nvPr/>
-        </p:nvGrpSpPr>
-        <p:grpSpPr>
-          <a:xfrm>
-            <a:off x="457412" y="4072888"/>
-            <a:ext cx="4282017" cy="786660"/>
-            <a:chOff x="786384" y="6038994"/>
-            <a:chExt cx="6423026" cy="1179990"/>
-          </a:xfrm>
-        </p:grpSpPr>
-        <p:sp>
-          <p:nvSpPr>
-            <p:cNvPr id="36" name="TextBox 35">
-              <a:extLst>
-                <a:ext uri="{FF2B5EF4-FFF2-40B4-BE49-F238E27FC236}">
-                  <a16:creationId xmlns:a16="http://schemas.microsoft.com/office/drawing/2014/main" id="{3E725EB2-7D3F-ED4F-81F1-E175A9EFEE04}"/>
-                </a:ext>
-              </a:extLst>
-            </p:cNvPr>
-            <p:cNvSpPr txBox="1"/>
-            <p:nvPr/>
-          </p:nvSpPr>
-          <p:spPr>
-            <a:xfrm>
-              <a:off x="786384" y="6038994"/>
-              <a:ext cx="6423026" cy="969497"/>
-            </a:xfrm>
-            <a:prstGeom prst="rect">
-              <a:avLst/>
-            </a:prstGeom>
-            <a:noFill/>
-          </p:spPr>
-          <p:txBody>
-            <a:bodyPr wrap="square" rtlCol="0">
-              <a:spAutoFit/>
-            </a:bodyPr>
-            <a:lstStyle/>
-            <a:p>
-              <a:r>
-                <a:rPr lang="en-US" sz="3600" dirty="0">
-                  <a:solidFill>
-                    <a:srgbClr val="2E2D29"/>
-                  </a:solidFill>
-                  <a:latin typeface="Source Sans Pro Regular"/>
-                </a:rPr>
-                <a:t>Abstract</a:t>
-              </a:r>
-            </a:p>
-          </p:txBody>
-        </p:sp>
-        <p:sp>
-          <p:nvSpPr>
-            <p:cNvPr id="40" name="Rectangle 39">
-              <a:extLst>
-                <a:ext uri="{FF2B5EF4-FFF2-40B4-BE49-F238E27FC236}">
-                  <a16:creationId xmlns:a16="http://schemas.microsoft.com/office/drawing/2014/main" id="{6255ED3F-C51A-D249-86CE-02DB75D21191}"/>
-                </a:ext>
-              </a:extLst>
-            </p:cNvPr>
-            <p:cNvSpPr/>
-            <p:nvPr/>
-          </p:nvSpPr>
-          <p:spPr>
-            <a:xfrm>
-              <a:off x="797497" y="7173264"/>
-              <a:ext cx="6400800" cy="45720"/>
-            </a:xfrm>
-            <a:prstGeom prst="rect">
-              <a:avLst/>
-            </a:prstGeom>
-            <a:solidFill>
-              <a:srgbClr val="8C1515"/>
-            </a:solidFill>
-            <a:ln>
-              <a:solidFill>
-                <a:srgbClr val="8C1515"/>
-              </a:solidFill>
-            </a:ln>
-          </p:spPr>
-          <p:style>
-            <a:lnRef idx="2">
-              <a:schemeClr val="accent1">
-                <a:shade val="50000"/>
-              </a:schemeClr>
-            </a:lnRef>
-            <a:fillRef idx="1">
-              <a:schemeClr val="accent1"/>
-            </a:fillRef>
-            <a:effectRef idx="0">
-              <a:schemeClr val="accent1"/>
-            </a:effectRef>
-            <a:fontRef idx="minor">
-              <a:schemeClr val="lt1"/>
-            </a:fontRef>
-          </p:style>
-          <p:txBody>
-            <a:bodyPr rot="0" spcFirstLastPara="0" vertOverflow="overflow" horzOverflow="overflow" vert="horz" wrap="square" lIns="60960" tIns="30480" rIns="60960" bIns="30480" numCol="1" spcCol="0" rtlCol="0" fromWordArt="0" anchor="ctr" anchorCtr="0" forceAA="0" compatLnSpc="1">
-              <a:prstTxWarp prst="textNoShape">
-                <a:avLst/>
-              </a:prstTxWarp>
-              <a:noAutofit/>
-            </a:bodyPr>
-            <a:lstStyle/>
-            <a:p>
-              <a:pPr algn="ctr"/>
-              <a:endParaRPr lang="en-US" sz="3456"/>
-            </a:p>
-          </p:txBody>
-        </p:sp>
-      </p:grpSp>
-      <p:grpSp>
-        <p:nvGrpSpPr>
-          <p:cNvPr id="43" name="Group 42">
-            <a:extLst>
-              <a:ext uri="{FF2B5EF4-FFF2-40B4-BE49-F238E27FC236}">
-                <a16:creationId xmlns:a16="http://schemas.microsoft.com/office/drawing/2014/main" id="{59E66EC5-27A1-F246-97E4-7334E77992EB}"/>
-              </a:ext>
-            </a:extLst>
-          </p:cNvPr>
-          <p:cNvGrpSpPr/>
-          <p:nvPr/>
-        </p:nvGrpSpPr>
-        <p:grpSpPr>
-          <a:xfrm>
-            <a:off x="5228233" y="4076127"/>
-            <a:ext cx="6459864" cy="784322"/>
-            <a:chOff x="7655317" y="6043852"/>
-            <a:chExt cx="9689796" cy="1176483"/>
-          </a:xfrm>
-        </p:grpSpPr>
-        <p:sp>
-          <p:nvSpPr>
-            <p:cNvPr id="10" name="TextBox 9">
-              <a:extLst>
-                <a:ext uri="{FF2B5EF4-FFF2-40B4-BE49-F238E27FC236}">
-                  <a16:creationId xmlns:a16="http://schemas.microsoft.com/office/drawing/2014/main" id="{C2C6E47B-ACAE-754C-9334-40DA8E355574}"/>
-                </a:ext>
-              </a:extLst>
-            </p:cNvPr>
-            <p:cNvSpPr txBox="1"/>
-            <p:nvPr/>
-          </p:nvSpPr>
-          <p:spPr>
-            <a:xfrm>
-              <a:off x="7655317" y="6043852"/>
-              <a:ext cx="6047810" cy="969497"/>
-            </a:xfrm>
-            <a:prstGeom prst="rect">
-              <a:avLst/>
-            </a:prstGeom>
-            <a:noFill/>
-          </p:spPr>
-          <p:txBody>
-            <a:bodyPr wrap="none" rtlCol="0">
-              <a:spAutoFit/>
-            </a:bodyPr>
-            <a:lstStyle/>
-            <a:p>
-              <a:r>
-                <a:rPr lang="en-US" sz="3600" dirty="0">
-                  <a:solidFill>
-                    <a:srgbClr val="2E2D29"/>
-                  </a:solidFill>
-                  <a:latin typeface="Source Sans Pro Regular"/>
-                </a:rPr>
-                <a:t>Example Section 1</a:t>
-              </a:r>
-            </a:p>
-          </p:txBody>
-        </p:sp>
-        <p:sp>
-          <p:nvSpPr>
-            <p:cNvPr id="41" name="Rectangle 40">
-              <a:extLst>
-                <a:ext uri="{FF2B5EF4-FFF2-40B4-BE49-F238E27FC236}">
-                  <a16:creationId xmlns:a16="http://schemas.microsoft.com/office/drawing/2014/main" id="{836C4253-AF2A-0649-880D-4CF0DD13ED66}"/>
-                </a:ext>
-              </a:extLst>
-            </p:cNvPr>
-            <p:cNvSpPr/>
-            <p:nvPr/>
-          </p:nvSpPr>
-          <p:spPr>
-            <a:xfrm>
-              <a:off x="7743913" y="7174616"/>
-              <a:ext cx="9601200" cy="45719"/>
-            </a:xfrm>
-            <a:prstGeom prst="rect">
-              <a:avLst/>
-            </a:prstGeom>
-            <a:solidFill>
-              <a:srgbClr val="8C1515"/>
-            </a:solidFill>
-            <a:ln>
-              <a:solidFill>
-                <a:srgbClr val="8C1515"/>
-              </a:solidFill>
-            </a:ln>
-          </p:spPr>
-          <p:style>
-            <a:lnRef idx="2">
-              <a:schemeClr val="accent1">
-                <a:shade val="50000"/>
-              </a:schemeClr>
-            </a:lnRef>
-            <a:fillRef idx="1">
-              <a:schemeClr val="accent1"/>
-            </a:fillRef>
-            <a:effectRef idx="0">
-              <a:schemeClr val="accent1"/>
-            </a:effectRef>
-            <a:fontRef idx="minor">
-              <a:schemeClr val="lt1"/>
-            </a:fontRef>
-          </p:style>
-          <p:txBody>
-            <a:bodyPr rot="0" spcFirstLastPara="0" vertOverflow="overflow" horzOverflow="overflow" vert="horz" wrap="square" lIns="60960" tIns="30480" rIns="60960" bIns="30480" numCol="1" spcCol="0" rtlCol="0" fromWordArt="0" anchor="ctr" anchorCtr="0" forceAA="0" compatLnSpc="1">
-              <a:prstTxWarp prst="textNoShape">
-                <a:avLst/>
-              </a:prstTxWarp>
-              <a:noAutofit/>
-            </a:bodyPr>
-            <a:lstStyle/>
-            <a:p>
-              <a:pPr algn="ctr"/>
-              <a:endParaRPr lang="en-US" sz="3456"/>
-            </a:p>
-          </p:txBody>
-        </p:sp>
-      </p:grpSp>
-      <p:grpSp>
-        <p:nvGrpSpPr>
-          <p:cNvPr id="59" name="Group 58">
-            <a:extLst>
-              <a:ext uri="{FF2B5EF4-FFF2-40B4-BE49-F238E27FC236}">
-                <a16:creationId xmlns:a16="http://schemas.microsoft.com/office/drawing/2014/main" id="{B87CBB44-7DE5-5548-B81A-51C0EB0F73A1}"/>
-              </a:ext>
-            </a:extLst>
-          </p:cNvPr>
-          <p:cNvGrpSpPr/>
-          <p:nvPr/>
-        </p:nvGrpSpPr>
-        <p:grpSpPr>
-          <a:xfrm>
-            <a:off x="19173937" y="4068981"/>
-            <a:ext cx="6459864" cy="784322"/>
-            <a:chOff x="7655317" y="6043852"/>
-            <a:chExt cx="9689796" cy="1176483"/>
-          </a:xfrm>
-        </p:grpSpPr>
-        <p:sp>
-          <p:nvSpPr>
-            <p:cNvPr id="60" name="TextBox 59">
-              <a:extLst>
-                <a:ext uri="{FF2B5EF4-FFF2-40B4-BE49-F238E27FC236}">
-                  <a16:creationId xmlns:a16="http://schemas.microsoft.com/office/drawing/2014/main" id="{FFFFBD0E-6F24-974E-BB47-80BDDE067A36}"/>
-                </a:ext>
-              </a:extLst>
-            </p:cNvPr>
-            <p:cNvSpPr txBox="1"/>
-            <p:nvPr/>
-          </p:nvSpPr>
-          <p:spPr>
-            <a:xfrm>
-              <a:off x="7655317" y="6043852"/>
-              <a:ext cx="6047810" cy="969497"/>
-            </a:xfrm>
-            <a:prstGeom prst="rect">
-              <a:avLst/>
-            </a:prstGeom>
-            <a:noFill/>
-          </p:spPr>
-          <p:txBody>
-            <a:bodyPr wrap="none" rtlCol="0">
-              <a:spAutoFit/>
-            </a:bodyPr>
-            <a:lstStyle/>
-            <a:p>
-              <a:r>
-                <a:rPr lang="en-US" sz="3600" dirty="0">
-                  <a:solidFill>
-                    <a:srgbClr val="2E2D29"/>
-                  </a:solidFill>
-                  <a:latin typeface="Source Sans Pro Regular"/>
-                </a:rPr>
-                <a:t>Example Section 3</a:t>
-              </a:r>
-            </a:p>
-          </p:txBody>
-        </p:sp>
-        <p:sp>
-          <p:nvSpPr>
-            <p:cNvPr id="61" name="Rectangle 60">
-              <a:extLst>
-                <a:ext uri="{FF2B5EF4-FFF2-40B4-BE49-F238E27FC236}">
-                  <a16:creationId xmlns:a16="http://schemas.microsoft.com/office/drawing/2014/main" id="{0BB4974C-B405-474C-BF4E-36ABCEBCC520}"/>
-                </a:ext>
-              </a:extLst>
-            </p:cNvPr>
-            <p:cNvSpPr/>
-            <p:nvPr/>
-          </p:nvSpPr>
-          <p:spPr>
-            <a:xfrm>
-              <a:off x="7743913" y="7174616"/>
-              <a:ext cx="9601200" cy="45719"/>
-            </a:xfrm>
-            <a:prstGeom prst="rect">
-              <a:avLst/>
-            </a:prstGeom>
-            <a:solidFill>
-              <a:srgbClr val="8C1515"/>
-            </a:solidFill>
-            <a:ln>
-              <a:solidFill>
-                <a:srgbClr val="8C1515"/>
-              </a:solidFill>
-            </a:ln>
-          </p:spPr>
-          <p:style>
-            <a:lnRef idx="2">
-              <a:schemeClr val="accent1">
-                <a:shade val="50000"/>
-              </a:schemeClr>
-            </a:lnRef>
-            <a:fillRef idx="1">
-              <a:schemeClr val="accent1"/>
-            </a:fillRef>
-            <a:effectRef idx="0">
-              <a:schemeClr val="accent1"/>
-            </a:effectRef>
-            <a:fontRef idx="minor">
-              <a:schemeClr val="lt1"/>
-            </a:fontRef>
-          </p:style>
-          <p:txBody>
-            <a:bodyPr rot="0" spcFirstLastPara="0" vertOverflow="overflow" horzOverflow="overflow" vert="horz" wrap="square" lIns="60960" tIns="30480" rIns="60960" bIns="30480" numCol="1" spcCol="0" rtlCol="0" fromWordArt="0" anchor="ctr" anchorCtr="0" forceAA="0" compatLnSpc="1">
-              <a:prstTxWarp prst="textNoShape">
-                <a:avLst/>
-              </a:prstTxWarp>
-              <a:noAutofit/>
-            </a:bodyPr>
-            <a:lstStyle/>
-            <a:p>
-              <a:pPr algn="ctr"/>
-              <a:endParaRPr lang="en-US" sz="3456"/>
-            </a:p>
-          </p:txBody>
-        </p:sp>
-      </p:grpSp>
-      <p:grpSp>
-        <p:nvGrpSpPr>
-          <p:cNvPr id="62" name="Group 61">
-            <a:extLst>
-              <a:ext uri="{FF2B5EF4-FFF2-40B4-BE49-F238E27FC236}">
-                <a16:creationId xmlns:a16="http://schemas.microsoft.com/office/drawing/2014/main" id="{ACEA14DE-8F9D-3540-BDEA-CF05B502484E}"/>
-              </a:ext>
-            </a:extLst>
-          </p:cNvPr>
-          <p:cNvGrpSpPr/>
-          <p:nvPr/>
-        </p:nvGrpSpPr>
-        <p:grpSpPr>
-          <a:xfrm>
-            <a:off x="12201085" y="4067624"/>
-            <a:ext cx="6459864" cy="784322"/>
-            <a:chOff x="7655317" y="6043852"/>
-            <a:chExt cx="9689796" cy="1176483"/>
-          </a:xfrm>
-        </p:grpSpPr>
-        <p:sp>
-          <p:nvSpPr>
-            <p:cNvPr id="63" name="TextBox 62">
-              <a:extLst>
-                <a:ext uri="{FF2B5EF4-FFF2-40B4-BE49-F238E27FC236}">
-                  <a16:creationId xmlns:a16="http://schemas.microsoft.com/office/drawing/2014/main" id="{8B2B66A7-16CD-6549-BB01-B0174853116D}"/>
-                </a:ext>
-              </a:extLst>
-            </p:cNvPr>
-            <p:cNvSpPr txBox="1"/>
-            <p:nvPr/>
-          </p:nvSpPr>
-          <p:spPr>
-            <a:xfrm>
-              <a:off x="7655317" y="6043852"/>
-              <a:ext cx="6047810" cy="969497"/>
-            </a:xfrm>
-            <a:prstGeom prst="rect">
-              <a:avLst/>
-            </a:prstGeom>
-            <a:noFill/>
-          </p:spPr>
-          <p:txBody>
-            <a:bodyPr wrap="none" rtlCol="0">
-              <a:spAutoFit/>
-            </a:bodyPr>
-            <a:lstStyle/>
-            <a:p>
-              <a:r>
-                <a:rPr lang="en-US" sz="3600" dirty="0">
-                  <a:solidFill>
-                    <a:srgbClr val="2E2D29"/>
-                  </a:solidFill>
-                  <a:latin typeface="Source Sans Pro Regular"/>
-                </a:rPr>
-                <a:t>Example Section 2</a:t>
-              </a:r>
-            </a:p>
-          </p:txBody>
-        </p:sp>
-        <p:sp>
-          <p:nvSpPr>
-            <p:cNvPr id="64" name="Rectangle 63">
-              <a:extLst>
-                <a:ext uri="{FF2B5EF4-FFF2-40B4-BE49-F238E27FC236}">
-                  <a16:creationId xmlns:a16="http://schemas.microsoft.com/office/drawing/2014/main" id="{953C88DA-D030-304B-8222-63AF4DAA0C0C}"/>
-                </a:ext>
-              </a:extLst>
-            </p:cNvPr>
-            <p:cNvSpPr/>
-            <p:nvPr/>
-          </p:nvSpPr>
-          <p:spPr>
-            <a:xfrm>
-              <a:off x="7743913" y="7174616"/>
-              <a:ext cx="9601200" cy="45719"/>
-            </a:xfrm>
-            <a:prstGeom prst="rect">
-              <a:avLst/>
-            </a:prstGeom>
-            <a:solidFill>
-              <a:srgbClr val="8C1515"/>
-            </a:solidFill>
-            <a:ln>
-              <a:solidFill>
-                <a:srgbClr val="8C1515"/>
-              </a:solidFill>
-            </a:ln>
-          </p:spPr>
-          <p:style>
-            <a:lnRef idx="2">
-              <a:schemeClr val="accent1">
-                <a:shade val="50000"/>
-              </a:schemeClr>
-            </a:lnRef>
-            <a:fillRef idx="1">
-              <a:schemeClr val="accent1"/>
-            </a:fillRef>
-            <a:effectRef idx="0">
-              <a:schemeClr val="accent1"/>
-            </a:effectRef>
-            <a:fontRef idx="minor">
-              <a:schemeClr val="lt1"/>
-            </a:fontRef>
-          </p:style>
-          <p:txBody>
-            <a:bodyPr rot="0" spcFirstLastPara="0" vertOverflow="overflow" horzOverflow="overflow" vert="horz" wrap="square" lIns="60960" tIns="30480" rIns="60960" bIns="30480" numCol="1" spcCol="0" rtlCol="0" fromWordArt="0" anchor="ctr" anchorCtr="0" forceAA="0" compatLnSpc="1">
-              <a:prstTxWarp prst="textNoShape">
-                <a:avLst/>
-              </a:prstTxWarp>
-              <a:noAutofit/>
-            </a:bodyPr>
-            <a:lstStyle/>
-            <a:p>
-              <a:pPr algn="ctr"/>
-              <a:endParaRPr lang="en-US" sz="3456"/>
-            </a:p>
-          </p:txBody>
-        </p:sp>
-      </p:grpSp>
-      <p:sp>
-        <p:nvSpPr>
-          <p:cNvPr id="75" name="TextBox 74">
-            <a:extLst>
-              <a:ext uri="{FF2B5EF4-FFF2-40B4-BE49-F238E27FC236}">
-                <a16:creationId xmlns:a16="http://schemas.microsoft.com/office/drawing/2014/main" id="{54EEA09E-11F0-A54C-9909-790F4A6B807C}"/>
-              </a:ext>
-            </a:extLst>
-          </p:cNvPr>
-          <p:cNvSpPr txBox="1"/>
-          <p:nvPr/>
-        </p:nvSpPr>
-        <p:spPr>
-          <a:xfrm>
-            <a:off x="527715" y="5082822"/>
-            <a:ext cx="4167054" cy="14496276"/>
-          </a:xfrm>
-          <a:prstGeom prst="rect">
-            <a:avLst/>
-          </a:prstGeom>
-          <a:noFill/>
-        </p:spPr>
-        <p:txBody>
-          <a:bodyPr wrap="square" rtlCol="0">
-            <a:spAutoFit/>
-          </a:bodyPr>
-          <a:lstStyle/>
-          <a:p>
-            <a:r>
-              <a:rPr lang="en-US" sz="2400" dirty="0"/>
-              <a:t>Lorem ipsum dolor sit </a:t>
-            </a:r>
-            <a:r>
-              <a:rPr lang="en-US" sz="2400" dirty="0" err="1"/>
-              <a:t>amet</a:t>
-            </a:r>
-            <a:r>
-              <a:rPr lang="en-US" sz="2400" dirty="0"/>
-              <a:t>, </a:t>
-            </a:r>
-            <a:r>
-              <a:rPr lang="en-US" sz="2400" dirty="0" err="1"/>
-              <a:t>consectetur</a:t>
-            </a:r>
-            <a:r>
-              <a:rPr lang="en-US" sz="2400" dirty="0"/>
-              <a:t> </a:t>
-            </a:r>
-            <a:r>
-              <a:rPr lang="en-US" sz="2400" dirty="0" err="1"/>
-              <a:t>adipiscing</a:t>
-            </a:r>
-            <a:r>
-              <a:rPr lang="en-US" sz="2400" dirty="0"/>
-              <a:t> </a:t>
-            </a:r>
-            <a:r>
-              <a:rPr lang="en-US" sz="2400" dirty="0" err="1"/>
-              <a:t>elit</a:t>
-            </a:r>
-            <a:r>
-              <a:rPr lang="en-US" sz="2400" dirty="0"/>
-              <a:t>. </a:t>
-            </a:r>
-            <a:r>
-              <a:rPr lang="en-US" sz="2400" dirty="0" err="1"/>
-              <a:t>Etiam</a:t>
-            </a:r>
-            <a:r>
-              <a:rPr lang="en-US" sz="2400" dirty="0"/>
-              <a:t> </a:t>
-            </a:r>
-            <a:r>
-              <a:rPr lang="en-US" sz="2400" dirty="0" err="1"/>
-              <a:t>eget</a:t>
-            </a:r>
-            <a:r>
-              <a:rPr lang="en-US" sz="2400" dirty="0"/>
-              <a:t> </a:t>
-            </a:r>
-            <a:r>
-              <a:rPr lang="en-US" sz="2400" dirty="0" err="1"/>
-              <a:t>enim</a:t>
-            </a:r>
-            <a:r>
-              <a:rPr lang="en-US" sz="2400" dirty="0"/>
-              <a:t> </a:t>
-            </a:r>
-            <a:r>
-              <a:rPr lang="en-US" sz="2400" dirty="0" err="1"/>
-              <a:t>nec</a:t>
-            </a:r>
-            <a:r>
-              <a:rPr lang="en-US" sz="2400" dirty="0"/>
-              <a:t> ex </a:t>
-            </a:r>
-            <a:r>
-              <a:rPr lang="en-US" sz="2400" dirty="0" err="1"/>
-              <a:t>laoreet</a:t>
-            </a:r>
-            <a:r>
-              <a:rPr lang="en-US" sz="2400" dirty="0"/>
-              <a:t> </a:t>
-            </a:r>
-            <a:r>
-              <a:rPr lang="en-US" sz="2400" dirty="0" err="1"/>
-              <a:t>tempor</a:t>
-            </a:r>
-            <a:r>
-              <a:rPr lang="en-US" sz="2400" dirty="0"/>
-              <a:t> a </a:t>
-            </a:r>
-            <a:r>
-              <a:rPr lang="en-US" sz="2400" dirty="0" err="1"/>
-              <a:t>vel</a:t>
-            </a:r>
-            <a:r>
-              <a:rPr lang="en-US" sz="2400" dirty="0"/>
-              <a:t> </a:t>
-            </a:r>
-            <a:r>
-              <a:rPr lang="en-US" sz="2400" dirty="0" err="1"/>
-              <a:t>augue</a:t>
-            </a:r>
-            <a:r>
-              <a:rPr lang="en-US" sz="2400" dirty="0"/>
-              <a:t>. </a:t>
-            </a:r>
-            <a:r>
-              <a:rPr lang="en-US" sz="2400" dirty="0" err="1"/>
-              <a:t>Nullam</a:t>
-            </a:r>
-            <a:r>
-              <a:rPr lang="en-US" sz="2400" dirty="0"/>
-              <a:t> </a:t>
-            </a:r>
-            <a:r>
-              <a:rPr lang="en-US" sz="2400" dirty="0" err="1"/>
-              <a:t>consectetur</a:t>
-            </a:r>
-            <a:r>
-              <a:rPr lang="en-US" sz="2400" dirty="0"/>
-              <a:t> </a:t>
-            </a:r>
-            <a:r>
-              <a:rPr lang="en-US" sz="2400" dirty="0" err="1"/>
-              <a:t>nibh</a:t>
-            </a:r>
-            <a:r>
-              <a:rPr lang="en-US" sz="2400" dirty="0"/>
-              <a:t> </a:t>
-            </a:r>
-            <a:r>
-              <a:rPr lang="en-US" sz="2400" dirty="0" err="1"/>
-              <a:t>placerat</a:t>
-            </a:r>
-            <a:r>
-              <a:rPr lang="en-US" sz="2400" dirty="0"/>
-              <a:t>, </a:t>
-            </a:r>
-            <a:r>
-              <a:rPr lang="en-US" sz="2400" dirty="0" err="1"/>
-              <a:t>finibus</a:t>
-            </a:r>
-            <a:r>
-              <a:rPr lang="en-US" sz="2400" dirty="0"/>
-              <a:t> </a:t>
-            </a:r>
-            <a:r>
-              <a:rPr lang="en-US" sz="2400" dirty="0" err="1"/>
-              <a:t>felis</a:t>
-            </a:r>
-            <a:r>
-              <a:rPr lang="en-US" sz="2400" dirty="0"/>
-              <a:t> </a:t>
-            </a:r>
-            <a:r>
-              <a:rPr lang="en-US" sz="2400" dirty="0" err="1"/>
-              <a:t>placerat</a:t>
-            </a:r>
-            <a:r>
-              <a:rPr lang="en-US" sz="2400" dirty="0"/>
-              <a:t>, </a:t>
-            </a:r>
-            <a:r>
-              <a:rPr lang="en-US" sz="2400" dirty="0" err="1"/>
-              <a:t>blandit</a:t>
-            </a:r>
-            <a:r>
-              <a:rPr lang="en-US" sz="2400" dirty="0"/>
-              <a:t> </a:t>
-            </a:r>
-            <a:r>
-              <a:rPr lang="en-US" sz="2400" dirty="0" err="1"/>
-              <a:t>enim</a:t>
-            </a:r>
-            <a:r>
-              <a:rPr lang="en-US" sz="2400" dirty="0"/>
-              <a:t>. </a:t>
-            </a:r>
-            <a:r>
-              <a:rPr lang="en-US" sz="2400" dirty="0" err="1"/>
-              <a:t>Curabitur</a:t>
-            </a:r>
-            <a:r>
-              <a:rPr lang="en-US" sz="2400" dirty="0"/>
-              <a:t> </a:t>
-            </a:r>
-            <a:r>
-              <a:rPr lang="en-US" sz="2400" dirty="0" err="1"/>
-              <a:t>sed</a:t>
-            </a:r>
-            <a:r>
-              <a:rPr lang="en-US" sz="2400" dirty="0"/>
-              <a:t> </a:t>
-            </a:r>
-            <a:r>
-              <a:rPr lang="en-US" sz="2400" dirty="0" err="1"/>
-              <a:t>enim</a:t>
-            </a:r>
-            <a:r>
-              <a:rPr lang="en-US" sz="2400" dirty="0"/>
-              <a:t> </a:t>
-            </a:r>
-            <a:r>
-              <a:rPr lang="en-US" sz="2400" dirty="0" err="1"/>
-              <a:t>tellus</a:t>
-            </a:r>
-            <a:r>
-              <a:rPr lang="en-US" sz="2400" dirty="0"/>
-              <a:t>. </a:t>
-            </a:r>
-            <a:r>
-              <a:rPr lang="en-US" sz="2400" dirty="0" err="1"/>
-              <a:t>Sed</a:t>
-            </a:r>
-            <a:r>
-              <a:rPr lang="en-US" sz="2400" dirty="0"/>
-              <a:t> </a:t>
-            </a:r>
-            <a:r>
-              <a:rPr lang="en-US" sz="2400" dirty="0" err="1"/>
-              <a:t>posuere</a:t>
-            </a:r>
-            <a:r>
-              <a:rPr lang="en-US" sz="2400" dirty="0"/>
-              <a:t> </a:t>
-            </a:r>
-            <a:r>
-              <a:rPr lang="en-US" sz="2400" dirty="0" err="1"/>
-              <a:t>elementum</a:t>
-            </a:r>
-            <a:r>
-              <a:rPr lang="en-US" sz="2400" dirty="0"/>
-              <a:t> pulvinar. </a:t>
-            </a:r>
-            <a:r>
-              <a:rPr lang="en-US" sz="2400" dirty="0" err="1"/>
-              <a:t>Fusce</a:t>
-            </a:r>
-            <a:r>
-              <a:rPr lang="en-US" sz="2400" dirty="0"/>
-              <a:t> </a:t>
-            </a:r>
-            <a:r>
-              <a:rPr lang="en-US" sz="2400" dirty="0" err="1"/>
-              <a:t>sed</a:t>
-            </a:r>
-            <a:r>
-              <a:rPr lang="en-US" sz="2400" dirty="0"/>
-              <a:t> </a:t>
-            </a:r>
-            <a:r>
-              <a:rPr lang="en-US" sz="2400" dirty="0" err="1"/>
-              <a:t>aliquet</a:t>
-            </a:r>
-            <a:r>
-              <a:rPr lang="en-US" sz="2400" dirty="0"/>
-              <a:t> ante, id </a:t>
-            </a:r>
-            <a:r>
-              <a:rPr lang="en-US" sz="2400" dirty="0" err="1"/>
-              <a:t>imperdiet</a:t>
-            </a:r>
-            <a:r>
-              <a:rPr lang="en-US" sz="2400" dirty="0"/>
-              <a:t> magna. </a:t>
-            </a:r>
-            <a:r>
-              <a:rPr lang="en-US" sz="2400" dirty="0" err="1"/>
-              <a:t>Nulla</a:t>
-            </a:r>
-            <a:r>
-              <a:rPr lang="en-US" sz="2400" dirty="0"/>
-              <a:t> </a:t>
-            </a:r>
-            <a:r>
-              <a:rPr lang="en-US" sz="2400" dirty="0" err="1"/>
-              <a:t>facilisi</a:t>
-            </a:r>
-            <a:r>
-              <a:rPr lang="en-US" sz="2400" dirty="0"/>
-              <a:t>. Ut </a:t>
-            </a:r>
-            <a:r>
-              <a:rPr lang="en-US" sz="2400" dirty="0" err="1"/>
-              <a:t>viverra</a:t>
-            </a:r>
-            <a:r>
-              <a:rPr lang="en-US" sz="2400" dirty="0"/>
-              <a:t> </a:t>
-            </a:r>
-            <a:r>
-              <a:rPr lang="en-US" sz="2400" dirty="0" err="1"/>
-              <a:t>scelerisque</a:t>
-            </a:r>
-            <a:r>
-              <a:rPr lang="en-US" sz="2400" dirty="0"/>
-              <a:t> </a:t>
-            </a:r>
-            <a:r>
-              <a:rPr lang="en-US" sz="2400" dirty="0" err="1"/>
-              <a:t>nulla</a:t>
-            </a:r>
-            <a:r>
-              <a:rPr lang="en-US" sz="2400" dirty="0"/>
-              <a:t> vitae </a:t>
-            </a:r>
-            <a:r>
-              <a:rPr lang="en-US" sz="2400" dirty="0" err="1"/>
-              <a:t>faucibus</a:t>
-            </a:r>
-            <a:r>
-              <a:rPr lang="en-US" sz="2400" dirty="0"/>
-              <a:t>. Lorem ipsum dolor sit </a:t>
-            </a:r>
-            <a:r>
-              <a:rPr lang="en-US" sz="2400" dirty="0" err="1"/>
-              <a:t>amet</a:t>
-            </a:r>
-            <a:r>
-              <a:rPr lang="en-US" sz="2400" dirty="0"/>
-              <a:t>, </a:t>
-            </a:r>
-            <a:r>
-              <a:rPr lang="en-US" sz="2400" dirty="0" err="1"/>
-              <a:t>consectetur</a:t>
-            </a:r>
-            <a:r>
-              <a:rPr lang="en-US" sz="2400" dirty="0"/>
-              <a:t> </a:t>
-            </a:r>
-            <a:r>
-              <a:rPr lang="en-US" sz="2400" dirty="0" err="1"/>
-              <a:t>adipiscing</a:t>
-            </a:r>
-            <a:r>
-              <a:rPr lang="en-US" sz="2400" dirty="0"/>
-              <a:t> </a:t>
-            </a:r>
-            <a:r>
-              <a:rPr lang="en-US" sz="2400" dirty="0" err="1"/>
-              <a:t>elit</a:t>
-            </a:r>
-            <a:r>
-              <a:rPr lang="en-US" sz="2400" dirty="0"/>
-              <a:t>. </a:t>
-            </a:r>
-            <a:r>
-              <a:rPr lang="en-US" sz="2400" dirty="0" err="1"/>
-              <a:t>Praesent</a:t>
-            </a:r>
-            <a:r>
-              <a:rPr lang="en-US" sz="2400" dirty="0"/>
-              <a:t> </a:t>
-            </a:r>
-            <a:r>
-              <a:rPr lang="en-US" sz="2400" dirty="0" err="1"/>
-              <a:t>eget</a:t>
-            </a:r>
-            <a:r>
-              <a:rPr lang="en-US" sz="2400" dirty="0"/>
-              <a:t> </a:t>
-            </a:r>
-            <a:r>
-              <a:rPr lang="en-US" sz="2400" dirty="0" err="1"/>
-              <a:t>lobortis</a:t>
-            </a:r>
-            <a:r>
-              <a:rPr lang="en-US" sz="2400" dirty="0"/>
-              <a:t> </a:t>
-            </a:r>
-            <a:r>
-              <a:rPr lang="en-US" sz="2400" dirty="0" err="1"/>
-              <a:t>orci</a:t>
-            </a:r>
-            <a:r>
-              <a:rPr lang="en-US" sz="2400" dirty="0"/>
-              <a:t>. Nunc </a:t>
-            </a:r>
-            <a:r>
-              <a:rPr lang="en-US" sz="2400" dirty="0" err="1"/>
-              <a:t>nec</a:t>
-            </a:r>
-            <a:r>
-              <a:rPr lang="en-US" sz="2400" dirty="0"/>
-              <a:t> </a:t>
-            </a:r>
-            <a:r>
-              <a:rPr lang="en-US" sz="2400" dirty="0" err="1"/>
-              <a:t>lacus</a:t>
-            </a:r>
-            <a:r>
-              <a:rPr lang="en-US" sz="2400" dirty="0"/>
-              <a:t> non </a:t>
-            </a:r>
-            <a:r>
-              <a:rPr lang="en-US" sz="2400" dirty="0" err="1"/>
-              <a:t>nulla</a:t>
-            </a:r>
-            <a:r>
-              <a:rPr lang="en-US" sz="2400" dirty="0"/>
-              <a:t> </a:t>
-            </a:r>
-            <a:r>
-              <a:rPr lang="en-US" sz="2400" dirty="0" err="1"/>
-              <a:t>vulputate</a:t>
-            </a:r>
-            <a:r>
-              <a:rPr lang="en-US" sz="2400" dirty="0"/>
-              <a:t> </a:t>
-            </a:r>
-            <a:r>
-              <a:rPr lang="en-US" sz="2400" dirty="0" err="1"/>
-              <a:t>finibus</a:t>
-            </a:r>
-            <a:r>
-              <a:rPr lang="en-US" sz="2400" dirty="0"/>
-              <a:t> et a </a:t>
-            </a:r>
-            <a:r>
-              <a:rPr lang="en-US" sz="2400" dirty="0" err="1"/>
-              <a:t>purus</a:t>
-            </a:r>
-            <a:r>
-              <a:rPr lang="en-US" sz="2400" dirty="0"/>
-              <a:t>. </a:t>
-            </a:r>
-            <a:r>
-              <a:rPr lang="en-US" sz="2400" dirty="0" err="1"/>
-              <a:t>Pellentesque</a:t>
-            </a:r>
-            <a:r>
-              <a:rPr lang="en-US" sz="2400" dirty="0"/>
-              <a:t> </a:t>
-            </a:r>
-            <a:r>
-              <a:rPr lang="en-US" sz="2400" dirty="0" err="1"/>
-              <a:t>ut</a:t>
-            </a:r>
-            <a:r>
-              <a:rPr lang="en-US" sz="2400" dirty="0"/>
-              <a:t> </a:t>
-            </a:r>
-            <a:r>
-              <a:rPr lang="en-US" sz="2400" dirty="0" err="1"/>
-              <a:t>sapien</a:t>
-            </a:r>
-            <a:r>
-              <a:rPr lang="en-US" sz="2400" dirty="0"/>
-              <a:t> in </a:t>
-            </a:r>
-            <a:r>
-              <a:rPr lang="en-US" sz="2400" dirty="0" err="1"/>
-              <a:t>eros</a:t>
-            </a:r>
-            <a:r>
-              <a:rPr lang="en-US" sz="2400" dirty="0"/>
-              <a:t> </a:t>
-            </a:r>
-            <a:r>
-              <a:rPr lang="en-US" sz="2400" dirty="0" err="1"/>
-              <a:t>pretium</a:t>
-            </a:r>
-            <a:r>
-              <a:rPr lang="en-US" sz="2400" dirty="0"/>
-              <a:t> </a:t>
-            </a:r>
-            <a:r>
-              <a:rPr lang="en-US" sz="2400" dirty="0" err="1"/>
-              <a:t>porttitor</a:t>
-            </a:r>
-            <a:r>
-              <a:rPr lang="en-US" sz="2400" dirty="0"/>
-              <a:t>. </a:t>
-            </a:r>
-            <a:r>
-              <a:rPr lang="en-US" sz="2400" dirty="0" err="1"/>
-              <a:t>Nullam</a:t>
-            </a:r>
-            <a:r>
-              <a:rPr lang="en-US" sz="2400" dirty="0"/>
-              <a:t> </a:t>
-            </a:r>
-            <a:r>
-              <a:rPr lang="en-US" sz="2400" dirty="0" err="1"/>
-              <a:t>odio</a:t>
-            </a:r>
-            <a:r>
-              <a:rPr lang="en-US" sz="2400" dirty="0"/>
-              <a:t> </a:t>
-            </a:r>
-            <a:r>
-              <a:rPr lang="en-US" sz="2400" dirty="0" err="1"/>
-              <a:t>enim</a:t>
-            </a:r>
-            <a:r>
-              <a:rPr lang="en-US" sz="2400" dirty="0"/>
-              <a:t>, </a:t>
-            </a:r>
-            <a:r>
-              <a:rPr lang="en-US" sz="2400" dirty="0" err="1"/>
-              <a:t>elementum</a:t>
-            </a:r>
-            <a:r>
-              <a:rPr lang="en-US" sz="2400" dirty="0"/>
-              <a:t> sit </a:t>
-            </a:r>
-            <a:r>
-              <a:rPr lang="en-US" sz="2400" dirty="0" err="1"/>
-              <a:t>amet</a:t>
-            </a:r>
-            <a:r>
-              <a:rPr lang="en-US" sz="2400" dirty="0"/>
-              <a:t> cursus </a:t>
-            </a:r>
-            <a:r>
-              <a:rPr lang="en-US" sz="2400" dirty="0" err="1"/>
-              <a:t>nec</a:t>
-            </a:r>
-            <a:r>
-              <a:rPr lang="en-US" sz="2400" dirty="0"/>
-              <a:t>, </a:t>
-            </a:r>
-            <a:r>
-              <a:rPr lang="en-US" sz="2400" dirty="0" err="1"/>
-              <a:t>vehicula</a:t>
-            </a:r>
-            <a:r>
-              <a:rPr lang="en-US" sz="2400" dirty="0"/>
-              <a:t> vitae dui.</a:t>
-            </a:r>
-          </a:p>
-          <a:p>
-            <a:r>
-              <a:rPr lang="en-US" sz="2400" dirty="0" err="1"/>
-              <a:t>Suspendisse</a:t>
-            </a:r>
-            <a:r>
-              <a:rPr lang="en-US" sz="2400" dirty="0"/>
-              <a:t> </a:t>
-            </a:r>
-            <a:r>
-              <a:rPr lang="en-US" sz="2400" dirty="0" err="1"/>
-              <a:t>metus</a:t>
-            </a:r>
-            <a:r>
-              <a:rPr lang="en-US" sz="2400" dirty="0"/>
-              <a:t> ante, </a:t>
-            </a:r>
-            <a:r>
-              <a:rPr lang="en-US" sz="2400" dirty="0" err="1"/>
-              <a:t>laoreet</a:t>
-            </a:r>
-            <a:r>
-              <a:rPr lang="en-US" sz="2400" dirty="0"/>
-              <a:t> </a:t>
-            </a:r>
-            <a:r>
-              <a:rPr lang="en-US" sz="2400" dirty="0" err="1"/>
-              <a:t>nec</a:t>
-            </a:r>
-            <a:r>
-              <a:rPr lang="en-US" sz="2400" dirty="0"/>
-              <a:t> </a:t>
-            </a:r>
-            <a:r>
-              <a:rPr lang="en-US" sz="2400" dirty="0" err="1"/>
-              <a:t>urna</a:t>
-            </a:r>
-            <a:r>
-              <a:rPr lang="en-US" sz="2400" dirty="0"/>
-              <a:t> </a:t>
-            </a:r>
-            <a:r>
-              <a:rPr lang="en-US" sz="2400" dirty="0" err="1"/>
-              <a:t>eu</a:t>
-            </a:r>
-            <a:r>
-              <a:rPr lang="en-US" sz="2400" dirty="0"/>
-              <a:t>, convallis </a:t>
-            </a:r>
-            <a:r>
-              <a:rPr lang="en-US" sz="2400" dirty="0" err="1"/>
-              <a:t>hendrerit</a:t>
-            </a:r>
-            <a:r>
-              <a:rPr lang="en-US" sz="2400" dirty="0"/>
-              <a:t> libero. Duis ac </a:t>
-            </a:r>
-            <a:r>
-              <a:rPr lang="en-US" sz="2400" dirty="0" err="1"/>
-              <a:t>nisl</a:t>
-            </a:r>
-            <a:r>
-              <a:rPr lang="en-US" sz="2400" dirty="0"/>
-              <a:t> </a:t>
-            </a:r>
-            <a:r>
-              <a:rPr lang="en-US" sz="2400" dirty="0" err="1"/>
-              <a:t>risus</a:t>
-            </a:r>
-            <a:r>
-              <a:rPr lang="en-US" sz="2400" dirty="0"/>
-              <a:t>. </a:t>
-            </a:r>
-            <a:r>
-              <a:rPr lang="en-US" sz="2400" dirty="0" err="1"/>
-              <a:t>Sed</a:t>
-            </a:r>
-            <a:r>
-              <a:rPr lang="en-US" sz="2400" dirty="0"/>
-              <a:t> </a:t>
-            </a:r>
-            <a:r>
-              <a:rPr lang="en-US" sz="2400" dirty="0" err="1"/>
-              <a:t>luctus</a:t>
-            </a:r>
-            <a:r>
-              <a:rPr lang="en-US" sz="2400" dirty="0"/>
-              <a:t> </a:t>
-            </a:r>
-            <a:r>
-              <a:rPr lang="en-US" sz="2400" dirty="0" err="1"/>
-              <a:t>nulla</a:t>
-            </a:r>
-            <a:r>
-              <a:rPr lang="en-US" sz="2400" dirty="0"/>
-              <a:t> non </a:t>
-            </a:r>
-            <a:r>
-              <a:rPr lang="en-US" sz="2400" dirty="0" err="1"/>
-              <a:t>erat</a:t>
-            </a:r>
-            <a:r>
-              <a:rPr lang="en-US" sz="2400" dirty="0"/>
-              <a:t> pulvinar, </a:t>
-            </a:r>
-            <a:r>
-              <a:rPr lang="en-US" sz="2400" dirty="0" err="1"/>
-              <a:t>vel</a:t>
-            </a:r>
-            <a:r>
-              <a:rPr lang="en-US" sz="2400" dirty="0"/>
-              <a:t> </a:t>
-            </a:r>
-            <a:r>
-              <a:rPr lang="en-US" sz="2400" dirty="0" err="1"/>
-              <a:t>porttitor</a:t>
-            </a:r>
-            <a:r>
-              <a:rPr lang="en-US" sz="2400" dirty="0"/>
-              <a:t> </a:t>
-            </a:r>
-            <a:r>
-              <a:rPr lang="en-US" sz="2400" dirty="0" err="1"/>
-              <a:t>tellus</a:t>
-            </a:r>
-            <a:r>
-              <a:rPr lang="en-US" sz="2400" dirty="0"/>
-              <a:t> </a:t>
-            </a:r>
-            <a:r>
-              <a:rPr lang="en-US" sz="2400" dirty="0" err="1"/>
-              <a:t>pretium</a:t>
-            </a:r>
-            <a:r>
-              <a:rPr lang="en-US" sz="2400" dirty="0"/>
-              <a:t>. In fermentum </a:t>
-            </a:r>
-            <a:r>
-              <a:rPr lang="en-US" sz="2400" dirty="0" err="1"/>
-              <a:t>arcu</a:t>
-            </a:r>
-            <a:r>
-              <a:rPr lang="en-US" sz="2400" dirty="0"/>
-              <a:t> </a:t>
-            </a:r>
-            <a:r>
-              <a:rPr lang="en-US" sz="2400" dirty="0" err="1"/>
-              <a:t>ut</a:t>
-            </a:r>
-            <a:r>
-              <a:rPr lang="en-US" sz="2400" dirty="0"/>
-              <a:t> mi </a:t>
-            </a:r>
-            <a:r>
-              <a:rPr lang="en-US" sz="2400" dirty="0" err="1"/>
-              <a:t>mollis</a:t>
-            </a:r>
-            <a:r>
-              <a:rPr lang="en-US" sz="2400" dirty="0"/>
-              <a:t>, </a:t>
-            </a:r>
-            <a:r>
-              <a:rPr lang="en-US" sz="2400" dirty="0" err="1"/>
-              <a:t>nec</a:t>
-            </a:r>
-            <a:r>
-              <a:rPr lang="en-US" sz="2400" dirty="0"/>
-              <a:t> </a:t>
-            </a:r>
-            <a:r>
-              <a:rPr lang="en-US" sz="2400" dirty="0" err="1"/>
-              <a:t>iaculis</a:t>
-            </a:r>
-            <a:r>
-              <a:rPr lang="en-US" sz="2400" dirty="0"/>
-              <a:t> ipsum </a:t>
-            </a:r>
-            <a:r>
-              <a:rPr lang="en-US" sz="2400" dirty="0" err="1"/>
-              <a:t>rhoncus</a:t>
-            </a:r>
-            <a:r>
-              <a:rPr lang="en-US" sz="2400" dirty="0"/>
-              <a:t>. </a:t>
-            </a:r>
-            <a:r>
-              <a:rPr lang="en-US" sz="2400" dirty="0" err="1"/>
-              <a:t>Donec</a:t>
-            </a:r>
-            <a:r>
-              <a:rPr lang="en-US" sz="2400" dirty="0"/>
-              <a:t> cursus libero non </a:t>
-            </a:r>
-            <a:r>
-              <a:rPr lang="en-US" sz="2400" dirty="0" err="1"/>
-              <a:t>eros</a:t>
-            </a:r>
-            <a:r>
-              <a:rPr lang="en-US" sz="2400" dirty="0"/>
-              <a:t> </a:t>
-            </a:r>
-            <a:r>
-              <a:rPr lang="en-US" sz="2400" dirty="0" err="1"/>
-              <a:t>scelerisque</a:t>
-            </a:r>
-            <a:r>
-              <a:rPr lang="en-US" sz="2400" dirty="0"/>
-              <a:t> </a:t>
-            </a:r>
-            <a:r>
-              <a:rPr lang="en-US" sz="2400" dirty="0" err="1"/>
-              <a:t>euismod</a:t>
-            </a:r>
-            <a:r>
-              <a:rPr lang="en-US" sz="2400" dirty="0"/>
-              <a:t>. Nunc </a:t>
-            </a:r>
-            <a:r>
-              <a:rPr lang="en-US" sz="2400" dirty="0" err="1"/>
-              <a:t>diam</a:t>
-            </a:r>
-            <a:r>
-              <a:rPr lang="en-US" sz="2400" dirty="0"/>
-              <a:t> </a:t>
-            </a:r>
-            <a:r>
-              <a:rPr lang="en-US" sz="2400" dirty="0" err="1"/>
-              <a:t>arcu</a:t>
-            </a:r>
-            <a:r>
-              <a:rPr lang="en-US" sz="2400" dirty="0"/>
-              <a:t>, </a:t>
-            </a:r>
-            <a:r>
-              <a:rPr lang="en-US" sz="2400" dirty="0" err="1"/>
-              <a:t>aliquet</a:t>
-            </a:r>
-            <a:r>
-              <a:rPr lang="en-US" sz="2400" dirty="0"/>
-              <a:t> </a:t>
-            </a:r>
-            <a:r>
-              <a:rPr lang="en-US" sz="2400" dirty="0" err="1"/>
-              <a:t>eu</a:t>
-            </a:r>
-            <a:r>
-              <a:rPr lang="en-US" sz="2400" dirty="0"/>
-              <a:t> gravida vitae, </a:t>
-            </a:r>
-            <a:r>
-              <a:rPr lang="en-US" sz="2400" dirty="0" err="1"/>
-              <a:t>feugiat</a:t>
-            </a:r>
-            <a:r>
-              <a:rPr lang="en-US" sz="2400" dirty="0"/>
-              <a:t> </a:t>
-            </a:r>
-            <a:r>
-              <a:rPr lang="en-US" sz="2400" dirty="0" err="1"/>
-              <a:t>ut</a:t>
-            </a:r>
-            <a:r>
-              <a:rPr lang="en-US" sz="2400" dirty="0"/>
-              <a:t> </a:t>
-            </a:r>
-            <a:r>
-              <a:rPr lang="en-US" sz="2400" dirty="0" err="1"/>
-              <a:t>nulla</a:t>
-            </a:r>
-            <a:r>
-              <a:rPr lang="en-US" sz="2400" dirty="0"/>
-              <a:t>. Class </a:t>
-            </a:r>
-            <a:r>
-              <a:rPr lang="en-US" sz="2400" dirty="0" err="1"/>
-              <a:t>aptent</a:t>
-            </a:r>
-            <a:r>
-              <a:rPr lang="en-US" sz="2400" dirty="0"/>
-              <a:t> </a:t>
-            </a:r>
-            <a:r>
-              <a:rPr lang="en-US" sz="2400" dirty="0" err="1"/>
-              <a:t>taciti</a:t>
-            </a:r>
-            <a:r>
-              <a:rPr lang="en-US" sz="2400" dirty="0"/>
-              <a:t> </a:t>
-            </a:r>
-            <a:r>
-              <a:rPr lang="en-US" sz="2400" dirty="0" err="1"/>
-              <a:t>sociosqu</a:t>
-            </a:r>
-            <a:r>
-              <a:rPr lang="en-US" sz="2400" dirty="0"/>
-              <a:t> ad </a:t>
-            </a:r>
-            <a:r>
-              <a:rPr lang="en-US" sz="2400" dirty="0" err="1"/>
-              <a:t>litora</a:t>
-            </a:r>
-            <a:r>
-              <a:rPr lang="en-US" sz="2400" dirty="0"/>
-              <a:t> </a:t>
-            </a:r>
-            <a:r>
-              <a:rPr lang="en-US" sz="2400" dirty="0" err="1"/>
-              <a:t>torquent</a:t>
-            </a:r>
-            <a:r>
-              <a:rPr lang="en-US" sz="2400" dirty="0"/>
-              <a:t> per </a:t>
-            </a:r>
-            <a:r>
-              <a:rPr lang="en-US" sz="2400" dirty="0" err="1"/>
-              <a:t>conubia</a:t>
-            </a:r>
-            <a:r>
-              <a:rPr lang="en-US" sz="2400" dirty="0"/>
-              <a:t> nostra, per </a:t>
-            </a:r>
-            <a:r>
-              <a:rPr lang="en-US" sz="2400" dirty="0" err="1"/>
-              <a:t>inceptos</a:t>
-            </a:r>
-            <a:r>
-              <a:rPr lang="en-US" sz="2400" dirty="0"/>
-              <a:t> </a:t>
-            </a:r>
-            <a:r>
-              <a:rPr lang="en-US" sz="2400" dirty="0" err="1"/>
-              <a:t>himenaeos</a:t>
-            </a:r>
-            <a:r>
-              <a:rPr lang="en-US" sz="2400" dirty="0"/>
-              <a:t>.</a:t>
-            </a:r>
-          </a:p>
-          <a:p>
-            <a:r>
-              <a:rPr lang="en-US" sz="2400" dirty="0" err="1"/>
-              <a:t>Aenean</a:t>
-            </a:r>
-            <a:r>
-              <a:rPr lang="en-US" sz="2400" dirty="0"/>
-              <a:t> </a:t>
-            </a:r>
-            <a:r>
-              <a:rPr lang="en-US" sz="2400" dirty="0" err="1"/>
-              <a:t>mattis</a:t>
-            </a:r>
-            <a:r>
-              <a:rPr lang="en-US" sz="2400" dirty="0"/>
-              <a:t> </a:t>
-            </a:r>
-            <a:r>
-              <a:rPr lang="en-US" sz="2400" dirty="0" err="1"/>
-              <a:t>eros</a:t>
-            </a:r>
-            <a:r>
-              <a:rPr lang="en-US" sz="2400" dirty="0"/>
-              <a:t> vitae </a:t>
-            </a:r>
-            <a:r>
-              <a:rPr lang="en-US" sz="2400" dirty="0" err="1"/>
-              <a:t>neque</a:t>
-            </a:r>
-            <a:r>
-              <a:rPr lang="en-US" sz="2400" dirty="0"/>
-              <a:t> </a:t>
-            </a:r>
-            <a:r>
-              <a:rPr lang="en-US" sz="2400" dirty="0" err="1"/>
-              <a:t>varius</a:t>
-            </a:r>
-            <a:r>
-              <a:rPr lang="en-US" sz="2400" dirty="0"/>
-              <a:t> </a:t>
-            </a:r>
-            <a:r>
-              <a:rPr lang="en-US" sz="2400" dirty="0" err="1"/>
-              <a:t>commodo</a:t>
-            </a:r>
-            <a:r>
-              <a:rPr lang="en-US" sz="2400" dirty="0"/>
-              <a:t> </a:t>
-            </a:r>
-            <a:r>
-              <a:rPr lang="en-US" sz="2400" dirty="0" err="1"/>
-              <a:t>ut</a:t>
-            </a:r>
-            <a:r>
-              <a:rPr lang="en-US" sz="2400" dirty="0"/>
-              <a:t> </a:t>
-            </a:r>
-            <a:r>
-              <a:rPr lang="en-US" sz="2400" dirty="0" err="1"/>
-              <a:t>sed</a:t>
-            </a:r>
-            <a:r>
-              <a:rPr lang="en-US" sz="2400" dirty="0"/>
-              <a:t> </a:t>
-            </a:r>
-            <a:r>
-              <a:rPr lang="en-US" sz="2400" dirty="0" err="1"/>
-              <a:t>quam</a:t>
-            </a:r>
-            <a:r>
-              <a:rPr lang="en-US" sz="2400" dirty="0"/>
-              <a:t>. </a:t>
-            </a:r>
-            <a:r>
-              <a:rPr lang="en-US" sz="2400" dirty="0" err="1"/>
-              <a:t>Etiam</a:t>
-            </a:r>
-            <a:r>
-              <a:rPr lang="en-US" sz="2400" dirty="0"/>
-              <a:t> </a:t>
-            </a:r>
-            <a:r>
-              <a:rPr lang="en-US" sz="2400" dirty="0" err="1"/>
-              <a:t>ut</a:t>
-            </a:r>
-            <a:r>
-              <a:rPr lang="en-US" sz="2400" dirty="0"/>
-              <a:t> </a:t>
-            </a:r>
-            <a:r>
-              <a:rPr lang="en-US" sz="2400" dirty="0" err="1"/>
-              <a:t>purus</a:t>
-            </a:r>
-            <a:r>
-              <a:rPr lang="en-US" sz="2400" dirty="0"/>
-              <a:t> </a:t>
-            </a:r>
-            <a:r>
-              <a:rPr lang="en-US" sz="2400" dirty="0" err="1"/>
-              <a:t>vel</a:t>
-            </a:r>
-            <a:r>
-              <a:rPr lang="en-US" sz="2400" dirty="0"/>
-              <a:t> </a:t>
-            </a:r>
-            <a:r>
-              <a:rPr lang="en-US" sz="2400" dirty="0" err="1"/>
-              <a:t>urna</a:t>
-            </a:r>
-            <a:r>
-              <a:rPr lang="en-US" sz="2400" dirty="0"/>
-              <a:t> </a:t>
-            </a:r>
-            <a:r>
-              <a:rPr lang="en-US" sz="2400" dirty="0" err="1"/>
-              <a:t>facilisis</a:t>
-            </a:r>
-            <a:r>
-              <a:rPr lang="en-US" sz="2400" dirty="0"/>
-              <a:t> </a:t>
-            </a:r>
-            <a:r>
-              <a:rPr lang="en-US" sz="2400" dirty="0" err="1"/>
-              <a:t>porttitor</a:t>
-            </a:r>
-            <a:r>
-              <a:rPr lang="en-US" sz="2400" dirty="0"/>
-              <a:t> in </a:t>
-            </a:r>
-            <a:r>
-              <a:rPr lang="en-US" sz="2400" dirty="0" err="1"/>
-              <a:t>sed</a:t>
-            </a:r>
-            <a:r>
-              <a:rPr lang="en-US" sz="2400" dirty="0"/>
-              <a:t> </a:t>
-            </a:r>
-            <a:r>
-              <a:rPr lang="en-US" sz="2400" dirty="0" err="1"/>
-              <a:t>odio</a:t>
-            </a:r>
-            <a:r>
-              <a:rPr lang="en-US" sz="2400" dirty="0"/>
-              <a:t>. </a:t>
-            </a:r>
-            <a:endParaRPr lang="en-US" sz="1600" dirty="0">
-              <a:solidFill>
-                <a:srgbClr val="2E2D29"/>
-              </a:solidFill>
-            </a:endParaRPr>
-          </a:p>
-        </p:txBody>
-      </p:sp>
-      <p:grpSp>
-        <p:nvGrpSpPr>
-          <p:cNvPr id="31" name="Group 30">
-            <a:extLst>
-              <a:ext uri="{FF2B5EF4-FFF2-40B4-BE49-F238E27FC236}">
-                <a16:creationId xmlns:a16="http://schemas.microsoft.com/office/drawing/2014/main" id="{E7DCD689-79D4-A443-A29D-0550C182692F}"/>
-              </a:ext>
-            </a:extLst>
-          </p:cNvPr>
-          <p:cNvGrpSpPr/>
-          <p:nvPr/>
-        </p:nvGrpSpPr>
-        <p:grpSpPr>
-          <a:xfrm>
-            <a:off x="26146789" y="4078081"/>
-            <a:ext cx="6459864" cy="784322"/>
-            <a:chOff x="7655317" y="6043852"/>
-            <a:chExt cx="9689796" cy="1176483"/>
-          </a:xfrm>
-        </p:grpSpPr>
-        <p:sp>
-          <p:nvSpPr>
-            <p:cNvPr id="32" name="TextBox 31">
-              <a:extLst>
-                <a:ext uri="{FF2B5EF4-FFF2-40B4-BE49-F238E27FC236}">
-                  <a16:creationId xmlns:a16="http://schemas.microsoft.com/office/drawing/2014/main" id="{CBFA0416-6A49-EE41-AE72-9C7DF37F06DF}"/>
-                </a:ext>
-              </a:extLst>
-            </p:cNvPr>
-            <p:cNvSpPr txBox="1"/>
-            <p:nvPr/>
-          </p:nvSpPr>
-          <p:spPr>
-            <a:xfrm>
-              <a:off x="7655317" y="6043852"/>
-              <a:ext cx="6047810" cy="969497"/>
-            </a:xfrm>
-            <a:prstGeom prst="rect">
-              <a:avLst/>
-            </a:prstGeom>
-            <a:noFill/>
-          </p:spPr>
-          <p:txBody>
-            <a:bodyPr wrap="none" rtlCol="0">
-              <a:spAutoFit/>
-            </a:bodyPr>
-            <a:lstStyle/>
-            <a:p>
-              <a:r>
-                <a:rPr lang="en-US" sz="3600" dirty="0">
-                  <a:solidFill>
-                    <a:srgbClr val="2E2D29"/>
-                  </a:solidFill>
-                  <a:latin typeface="Source Sans Pro Regular"/>
-                </a:rPr>
-                <a:t>Example Section 4</a:t>
-              </a:r>
-            </a:p>
-          </p:txBody>
-        </p:sp>
-        <p:sp>
-          <p:nvSpPr>
-            <p:cNvPr id="33" name="Rectangle 32">
-              <a:extLst>
-                <a:ext uri="{FF2B5EF4-FFF2-40B4-BE49-F238E27FC236}">
-                  <a16:creationId xmlns:a16="http://schemas.microsoft.com/office/drawing/2014/main" id="{5469B8E9-C40F-1948-BE8A-E5B431E4BC2C}"/>
-                </a:ext>
-              </a:extLst>
-            </p:cNvPr>
-            <p:cNvSpPr/>
-            <p:nvPr/>
-          </p:nvSpPr>
-          <p:spPr>
-            <a:xfrm>
-              <a:off x="7743913" y="7174616"/>
-              <a:ext cx="9601200" cy="45719"/>
-            </a:xfrm>
-            <a:prstGeom prst="rect">
-              <a:avLst/>
-            </a:prstGeom>
-            <a:solidFill>
-              <a:srgbClr val="8C1515"/>
-            </a:solidFill>
-            <a:ln>
-              <a:solidFill>
-                <a:srgbClr val="8C1515"/>
-              </a:solidFill>
-            </a:ln>
-          </p:spPr>
-          <p:style>
-            <a:lnRef idx="2">
-              <a:schemeClr val="accent1">
-                <a:shade val="50000"/>
-              </a:schemeClr>
-            </a:lnRef>
-            <a:fillRef idx="1">
-              <a:schemeClr val="accent1"/>
-            </a:fillRef>
-            <a:effectRef idx="0">
-              <a:schemeClr val="accent1"/>
-            </a:effectRef>
-            <a:fontRef idx="minor">
-              <a:schemeClr val="lt1"/>
-            </a:fontRef>
-          </p:style>
-          <p:txBody>
-            <a:bodyPr rot="0" spcFirstLastPara="0" vertOverflow="overflow" horzOverflow="overflow" vert="horz" wrap="square" lIns="60960" tIns="30480" rIns="60960" bIns="30480" numCol="1" spcCol="0" rtlCol="0" fromWordArt="0" anchor="ctr" anchorCtr="0" forceAA="0" compatLnSpc="1">
-              <a:prstTxWarp prst="textNoShape">
-                <a:avLst/>
-              </a:prstTxWarp>
-              <a:noAutofit/>
-            </a:bodyPr>
-            <a:lstStyle/>
-            <a:p>
-              <a:pPr algn="ctr"/>
-              <a:endParaRPr lang="en-US" sz="3456"/>
-            </a:p>
-          </p:txBody>
-        </p:sp>
-      </p:grpSp>
-    </p:spTree>
-    <p:extLst>
-      <p:ext uri="{BB962C8B-B14F-4D97-AF65-F5344CB8AC3E}">
-        <p14:creationId xmlns:p14="http://schemas.microsoft.com/office/powerpoint/2010/main" val="1386278785"/>
-      </p:ext>
-    </p:extLst>
-  </p:cSld>
-  <p:clrMapOvr>
-    <a:masterClrMapping/>
-  </p:clrMapOvr>
-</p:sld>
-</file>
-
-<file path=ppt/slides/slide2.xml><?xml version="1.0" encoding="utf-8"?>
 <p:sld xmlns:a="http://schemas.openxmlformats.org/drawingml/2006/main" xmlns:r="http://schemas.openxmlformats.org/officeDocument/2006/relationships" xmlns:p="http://schemas.openxmlformats.org/presentationml/2006/main">
   <p:cSld>
     <p:spTree>
@@ -5896,47 +3332,6 @@
           </p:txBody>
         </p:sp>
       </p:grpSp>
-      <p:sp>
-        <p:nvSpPr>
-          <p:cNvPr id="11" name="TextBox 10">
-            <a:extLst>
-              <a:ext uri="{FF2B5EF4-FFF2-40B4-BE49-F238E27FC236}">
-                <a16:creationId xmlns:a16="http://schemas.microsoft.com/office/drawing/2014/main" id="{2F80E265-3791-4345-A501-7B4BF1893D75}"/>
-              </a:ext>
-            </a:extLst>
-          </p:cNvPr>
-          <p:cNvSpPr txBox="1"/>
-          <p:nvPr/>
-        </p:nvSpPr>
-        <p:spPr>
-          <a:xfrm>
-            <a:off x="7685170" y="597483"/>
-            <a:ext cx="21270830" cy="1015663"/>
-          </a:xfrm>
-          <a:prstGeom prst="rect">
-            <a:avLst/>
-          </a:prstGeom>
-          <a:noFill/>
-        </p:spPr>
-        <p:txBody>
-          <a:bodyPr wrap="square" rtlCol="0">
-            <a:spAutoFit/>
-          </a:bodyPr>
-          <a:lstStyle/>
-          <a:p>
-            <a:pPr algn="ctr"/>
-            <a:r>
-              <a:rPr lang="en-US" sz="6000" dirty="0">
-                <a:solidFill>
-                  <a:schemeClr val="bg1"/>
-                </a:solidFill>
-                <a:latin typeface="Source Sans Pro Regular"/>
-              </a:rPr>
-              <a:t>Poster Title: Poster Subtitle</a:t>
-            </a:r>
-          </a:p>
-        </p:txBody>
-      </p:sp>
       <p:pic>
         <p:nvPicPr>
           <p:cNvPr id="29" name="Picture 28">
@@ -6007,198 +3402,6 @@
           </a:p>
         </p:txBody>
       </p:sp>
-      <p:sp>
-        <p:nvSpPr>
-          <p:cNvPr id="35" name="TextBox 34">
-            <a:extLst>
-              <a:ext uri="{FF2B5EF4-FFF2-40B4-BE49-F238E27FC236}">
-                <a16:creationId xmlns:a16="http://schemas.microsoft.com/office/drawing/2014/main" id="{79751C98-07D4-9E4F-B8EA-2EC69A53E599}"/>
-              </a:ext>
-            </a:extLst>
-          </p:cNvPr>
-          <p:cNvSpPr txBox="1"/>
-          <p:nvPr/>
-        </p:nvSpPr>
-        <p:spPr>
-          <a:xfrm>
-            <a:off x="7575442" y="1551479"/>
-            <a:ext cx="21270830" cy="707886"/>
-          </a:xfrm>
-          <a:prstGeom prst="rect">
-            <a:avLst/>
-          </a:prstGeom>
-          <a:noFill/>
-        </p:spPr>
-        <p:txBody>
-          <a:bodyPr wrap="square" rtlCol="0">
-            <a:spAutoFit/>
-          </a:bodyPr>
-          <a:lstStyle/>
-          <a:p>
-            <a:pPr algn="ctr"/>
-            <a:r>
-              <a:rPr lang="en-US" sz="4000" i="1" dirty="0">
-                <a:solidFill>
-                  <a:schemeClr val="bg1"/>
-                </a:solidFill>
-                <a:latin typeface="Source Sans Pro Italic"/>
-              </a:rPr>
-              <a:t>First1 Last1,</a:t>
-            </a:r>
-            <a:r>
-              <a:rPr lang="en-US" sz="4000" i="1" baseline="30000" dirty="0">
-                <a:solidFill>
-                  <a:schemeClr val="bg1"/>
-                </a:solidFill>
-                <a:latin typeface="Source Sans Pro Italic"/>
-              </a:rPr>
-              <a:t>1</a:t>
-            </a:r>
-            <a:r>
-              <a:rPr lang="en-US" sz="4000" i="1" dirty="0">
-                <a:solidFill>
-                  <a:schemeClr val="bg1"/>
-                </a:solidFill>
-                <a:latin typeface="Source Sans Pro Italic"/>
-              </a:rPr>
-              <a:t> First2 Last2,</a:t>
-            </a:r>
-            <a:r>
-              <a:rPr lang="en-US" sz="4000" i="1" baseline="30000" dirty="0">
-                <a:solidFill>
-                  <a:schemeClr val="bg1"/>
-                </a:solidFill>
-                <a:latin typeface="Source Sans Pro Italic"/>
-              </a:rPr>
-              <a:t>1</a:t>
-            </a:r>
-            <a:r>
-              <a:rPr lang="en-US" sz="4000" i="1" dirty="0">
-                <a:solidFill>
-                  <a:schemeClr val="bg1"/>
-                </a:solidFill>
-                <a:latin typeface="Source Sans Pro Italic"/>
-              </a:rPr>
-              <a:t> First3, Last3</a:t>
-            </a:r>
-            <a:r>
-              <a:rPr lang="en-US" sz="4000" i="1" baseline="30000" dirty="0">
-                <a:solidFill>
-                  <a:schemeClr val="bg1"/>
-                </a:solidFill>
-                <a:latin typeface="Source Sans Pro Italic"/>
-              </a:rPr>
-              <a:t>1,2</a:t>
-            </a:r>
-            <a:endParaRPr lang="en-US" sz="4000" i="1" dirty="0">
-              <a:solidFill>
-                <a:schemeClr val="bg1"/>
-              </a:solidFill>
-              <a:latin typeface="Source Sans Pro Italic"/>
-            </a:endParaRPr>
-          </a:p>
-        </p:txBody>
-      </p:sp>
-      <p:sp>
-        <p:nvSpPr>
-          <p:cNvPr id="38" name="TextBox 37">
-            <a:extLst>
-              <a:ext uri="{FF2B5EF4-FFF2-40B4-BE49-F238E27FC236}">
-                <a16:creationId xmlns:a16="http://schemas.microsoft.com/office/drawing/2014/main" id="{A62F6516-278F-9C49-A513-1A5BCF3A0D49}"/>
-              </a:ext>
-            </a:extLst>
-          </p:cNvPr>
-          <p:cNvSpPr txBox="1"/>
-          <p:nvPr/>
-        </p:nvSpPr>
-        <p:spPr>
-          <a:xfrm>
-            <a:off x="7685169" y="2357702"/>
-            <a:ext cx="21270830" cy="523220"/>
-          </a:xfrm>
-          <a:prstGeom prst="rect">
-            <a:avLst/>
-          </a:prstGeom>
-          <a:noFill/>
-        </p:spPr>
-        <p:txBody>
-          <a:bodyPr wrap="square" rtlCol="0">
-            <a:spAutoFit/>
-          </a:bodyPr>
-          <a:lstStyle/>
-          <a:p>
-            <a:pPr algn="ctr"/>
-            <a:r>
-              <a:rPr lang="en-US" sz="2800" i="1" baseline="30000" dirty="0">
-                <a:solidFill>
-                  <a:schemeClr val="bg1"/>
-                </a:solidFill>
-                <a:latin typeface="Source Sans Pro Italic"/>
-              </a:rPr>
-              <a:t>1</a:t>
-            </a:r>
-            <a:r>
-              <a:rPr lang="en-US" sz="2800" i="1" dirty="0">
-                <a:solidFill>
-                  <a:schemeClr val="bg1"/>
-                </a:solidFill>
-                <a:latin typeface="Source Sans Pro Italic"/>
-              </a:rPr>
-              <a:t>Example Lab, Department Name, Stanford University</a:t>
-            </a:r>
-          </a:p>
-        </p:txBody>
-      </p:sp>
-      <p:sp>
-        <p:nvSpPr>
-          <p:cNvPr id="39" name="TextBox 38">
-            <a:extLst>
-              <a:ext uri="{FF2B5EF4-FFF2-40B4-BE49-F238E27FC236}">
-                <a16:creationId xmlns:a16="http://schemas.microsoft.com/office/drawing/2014/main" id="{49741301-AFA9-8F45-BB67-4B379BDD3140}"/>
-              </a:ext>
-            </a:extLst>
-          </p:cNvPr>
-          <p:cNvSpPr txBox="1"/>
-          <p:nvPr/>
-        </p:nvSpPr>
-        <p:spPr>
-          <a:xfrm>
-            <a:off x="7685169" y="2762098"/>
-            <a:ext cx="21270830" cy="523220"/>
-          </a:xfrm>
-          <a:prstGeom prst="rect">
-            <a:avLst/>
-          </a:prstGeom>
-          <a:noFill/>
-        </p:spPr>
-        <p:txBody>
-          <a:bodyPr wrap="square" rtlCol="0">
-            <a:spAutoFit/>
-          </a:bodyPr>
-          <a:lstStyle/>
-          <a:p>
-            <a:pPr algn="ctr"/>
-            <a:r>
-              <a:rPr lang="en-US" sz="2800" i="1" baseline="30000" dirty="0">
-                <a:solidFill>
-                  <a:schemeClr val="bg1"/>
-                </a:solidFill>
-                <a:latin typeface="Source Sans Pro Italic"/>
-              </a:rPr>
-              <a:t>2</a:t>
-            </a:r>
-            <a:r>
-              <a:rPr lang="en-US" sz="2800" i="1" dirty="0">
-                <a:solidFill>
-                  <a:schemeClr val="bg1"/>
-                </a:solidFill>
-                <a:latin typeface="Source Sans Pro Italic"/>
-              </a:rPr>
-              <a:t>Example Lab, Department Name2, Other University</a:t>
-            </a:r>
-          </a:p>
-        </p:txBody>
-      </p:sp>
       <p:grpSp>
         <p:nvGrpSpPr>
           <p:cNvPr id="43" name="Group 42">
@@ -6213,8 +3416,8 @@
         </p:nvGrpSpPr>
         <p:grpSpPr>
           <a:xfrm>
-            <a:off x="220802" y="4119674"/>
-            <a:ext cx="7374264" cy="784322"/>
+            <a:off x="220801" y="4025971"/>
+            <a:ext cx="8607471" cy="784322"/>
             <a:chOff x="7655317" y="6043852"/>
             <a:chExt cx="11061396" cy="1176482"/>
           </a:xfrm>
@@ -6234,7 +3437,7 @@
           <p:spPr>
             <a:xfrm>
               <a:off x="7655317" y="6043852"/>
-              <a:ext cx="6047810" cy="969496"/>
+              <a:ext cx="3388428" cy="969496"/>
             </a:xfrm>
             <a:prstGeom prst="rect">
               <a:avLst/>
@@ -6254,7 +3457,7 @@
                   </a:solidFill>
                   <a:latin typeface="Source Sans Pro Regular"/>
                 </a:rPr>
-                <a:t>Example Section 1</a:t>
+                <a:t>Motivation</a:t>
               </a:r>
             </a:p>
           </p:txBody>
@@ -6333,10 +3536,10 @@
         </p:nvGrpSpPr>
         <p:grpSpPr>
           <a:xfrm>
-            <a:off x="8533581" y="4097903"/>
-            <a:ext cx="7374264" cy="784322"/>
+            <a:off x="9378463" y="4042629"/>
+            <a:ext cx="12168551" cy="784321"/>
             <a:chOff x="7655317" y="6043852"/>
-            <a:chExt cx="11061396" cy="1176482"/>
+            <a:chExt cx="11061396" cy="1176480"/>
           </a:xfrm>
         </p:grpSpPr>
         <p:sp>
@@ -6354,7 +3557,7 @@
           <p:spPr>
             <a:xfrm>
               <a:off x="7655317" y="6043852"/>
-              <a:ext cx="6047810" cy="969496"/>
+              <a:ext cx="2349681" cy="969495"/>
             </a:xfrm>
             <a:prstGeom prst="rect">
               <a:avLst/>
@@ -6374,7 +3577,7 @@
                   </a:solidFill>
                   <a:latin typeface="Source Sans Pro Regular"/>
                 </a:rPr>
-                <a:t>Example Section 2</a:t>
+                <a:t>Models</a:t>
               </a:r>
             </a:p>
           </p:txBody>
@@ -6393,127 +3596,7 @@
           </p:nvSpPr>
           <p:spPr>
             <a:xfrm>
-              <a:off x="7743913" y="7174616"/>
-              <a:ext cx="10972800" cy="45718"/>
-            </a:xfrm>
-            <a:prstGeom prst="rect">
-              <a:avLst/>
-            </a:prstGeom>
-            <a:solidFill>
-              <a:srgbClr val="D2C295"/>
-            </a:solidFill>
-            <a:ln>
-              <a:solidFill>
-                <a:srgbClr val="D2C295"/>
-              </a:solidFill>
-            </a:ln>
-          </p:spPr>
-          <p:style>
-            <a:lnRef idx="2">
-              <a:schemeClr val="accent1">
-                <a:shade val="50000"/>
-              </a:schemeClr>
-            </a:lnRef>
-            <a:fillRef idx="1">
-              <a:schemeClr val="accent1"/>
-            </a:fillRef>
-            <a:effectRef idx="0">
-              <a:schemeClr val="accent1"/>
-            </a:effectRef>
-            <a:fontRef idx="minor">
-              <a:schemeClr val="lt1"/>
-            </a:fontRef>
-          </p:style>
-          <p:txBody>
-            <a:bodyPr rot="0" spcFirstLastPara="0" vertOverflow="overflow" horzOverflow="overflow" vert="horz" wrap="square" lIns="60960" tIns="30480" rIns="60960" bIns="30480" numCol="1" spcCol="0" rtlCol="0" fromWordArt="0" anchor="ctr" anchorCtr="0" forceAA="0" compatLnSpc="1">
-              <a:prstTxWarp prst="textNoShape">
-                <a:avLst/>
-              </a:prstTxWarp>
-              <a:noAutofit/>
-            </a:bodyPr>
-            <a:lstStyle/>
-            <a:p>
-              <a:pPr algn="ctr"/>
-              <a:endParaRPr lang="en-US" sz="3456"/>
-            </a:p>
-          </p:txBody>
-        </p:sp>
-      </p:grpSp>
-      <p:grpSp>
-        <p:nvGrpSpPr>
-          <p:cNvPr id="48" name="Group 47">
-            <a:extLst>
-              <a:ext uri="{FF2B5EF4-FFF2-40B4-BE49-F238E27FC236}">
-                <a16:creationId xmlns:a16="http://schemas.microsoft.com/office/drawing/2014/main" id="{DEE10B5D-BFB4-8446-94E8-C2FA40BE02B9}"/>
-              </a:ext>
-            </a:extLst>
-          </p:cNvPr>
-          <p:cNvGrpSpPr/>
-          <p:nvPr/>
-        </p:nvGrpSpPr>
-        <p:grpSpPr>
-          <a:xfrm>
-            <a:off x="16846360" y="4097903"/>
-            <a:ext cx="7374264" cy="784322"/>
-            <a:chOff x="7655317" y="6043852"/>
-            <a:chExt cx="11061396" cy="1176482"/>
-          </a:xfrm>
-        </p:grpSpPr>
-        <p:sp>
-          <p:nvSpPr>
-            <p:cNvPr id="49" name="TextBox 48">
-              <a:extLst>
-                <a:ext uri="{FF2B5EF4-FFF2-40B4-BE49-F238E27FC236}">
-                  <a16:creationId xmlns:a16="http://schemas.microsoft.com/office/drawing/2014/main" id="{1660BD0F-9FEE-5E4D-B5A5-37BA29ED64F6}"/>
-                </a:ext>
-              </a:extLst>
-            </p:cNvPr>
-            <p:cNvSpPr txBox="1"/>
-            <p:nvPr/>
-          </p:nvSpPr>
-          <p:spPr>
-            <a:xfrm>
-              <a:off x="7655317" y="6043852"/>
-              <a:ext cx="6047810" cy="969496"/>
-            </a:xfrm>
-            <a:prstGeom prst="rect">
-              <a:avLst/>
-            </a:prstGeom>
-            <a:noFill/>
-          </p:spPr>
-          <p:txBody>
-            <a:bodyPr wrap="none" rtlCol="0">
-              <a:spAutoFit/>
-            </a:bodyPr>
-            <a:lstStyle/>
-            <a:p>
-              <a:r>
-                <a:rPr lang="en-US" sz="3600" dirty="0">
-                  <a:solidFill>
-                    <a:srgbClr val="2E2D29"/>
-                  </a:solidFill>
-                  <a:latin typeface="Source Sans Pro Regular"/>
-                </a:rPr>
-                <a:t>Example Section 3</a:t>
-              </a:r>
-            </a:p>
-          </p:txBody>
-        </p:sp>
-        <p:sp>
-          <p:nvSpPr>
-            <p:cNvPr id="50" name="Rectangle 49">
-              <a:extLst>
-                <a:ext uri="{FF2B5EF4-FFF2-40B4-BE49-F238E27FC236}">
-                  <a16:creationId xmlns:a16="http://schemas.microsoft.com/office/drawing/2014/main" id="{EFF684F2-5F40-134D-A78D-AF6B2D54AC0E}"/>
-                </a:ext>
-              </a:extLst>
-            </p:cNvPr>
-            <p:cNvSpPr/>
-            <p:nvPr/>
-          </p:nvSpPr>
-          <p:spPr>
-            <a:xfrm>
-              <a:off x="7743913" y="7174616"/>
+              <a:off x="7743913" y="7174614"/>
               <a:ext cx="10972800" cy="45718"/>
             </a:xfrm>
             <a:prstGeom prst="rect">
@@ -6573,8 +3656,8 @@
         </p:nvGrpSpPr>
         <p:grpSpPr>
           <a:xfrm>
-            <a:off x="25159140" y="4097903"/>
-            <a:ext cx="7374264" cy="784322"/>
+            <a:off x="21969676" y="4012149"/>
+            <a:ext cx="10489792" cy="784322"/>
             <a:chOff x="7655317" y="6043852"/>
             <a:chExt cx="11061396" cy="1176482"/>
           </a:xfrm>
@@ -6594,7 +3677,7 @@
           <p:spPr>
             <a:xfrm>
               <a:off x="7655317" y="6043852"/>
-              <a:ext cx="6047810" cy="969496"/>
+              <a:ext cx="3364383" cy="969496"/>
             </a:xfrm>
             <a:prstGeom prst="rect">
               <a:avLst/>
@@ -6614,7 +3697,7 @@
                   </a:solidFill>
                   <a:latin typeface="Source Sans Pro Regular"/>
                 </a:rPr>
-                <a:t>Example Section 4</a:t>
+                <a:t>Discussion</a:t>
               </a:r>
             </a:p>
           </p:txBody>
@@ -6679,6 +3762,2257 @@
           </p:txBody>
         </p:sp>
       </p:grpSp>
+      <p:sp>
+        <p:nvSpPr>
+          <p:cNvPr id="27" name="TextBox 26">
+            <a:extLst>
+              <a:ext uri="{FF2B5EF4-FFF2-40B4-BE49-F238E27FC236}">
+                <a16:creationId xmlns:a16="http://schemas.microsoft.com/office/drawing/2014/main" id="{2CE46601-B68D-426D-B6B7-F7683D4326F2}"/>
+              </a:ext>
+            </a:extLst>
+          </p:cNvPr>
+          <p:cNvSpPr txBox="1"/>
+          <p:nvPr/>
+        </p:nvSpPr>
+        <p:spPr>
+          <a:xfrm>
+            <a:off x="7826145" y="638111"/>
+            <a:ext cx="21270830" cy="1015663"/>
+          </a:xfrm>
+          <a:prstGeom prst="rect">
+            <a:avLst/>
+          </a:prstGeom>
+          <a:noFill/>
+        </p:spPr>
+        <p:txBody>
+          <a:bodyPr wrap="square" rtlCol="0">
+            <a:spAutoFit/>
+          </a:bodyPr>
+          <a:lstStyle/>
+          <a:p>
+            <a:pPr algn="ctr"/>
+            <a:r>
+              <a:rPr lang="en-US" sz="6000" dirty="0">
+                <a:solidFill>
+                  <a:schemeClr val="bg1"/>
+                </a:solidFill>
+                <a:latin typeface="Source Sans Pro Regular"/>
+              </a:rPr>
+              <a:t>Peak Baseball Career Performance from Early Career Indicators</a:t>
+            </a:r>
+          </a:p>
+        </p:txBody>
+      </p:sp>
+      <p:sp>
+        <p:nvSpPr>
+          <p:cNvPr id="28" name="TextBox 27">
+            <a:extLst>
+              <a:ext uri="{FF2B5EF4-FFF2-40B4-BE49-F238E27FC236}">
+                <a16:creationId xmlns:a16="http://schemas.microsoft.com/office/drawing/2014/main" id="{E046CC28-CFB8-4D79-9E71-59D55C8CCB38}"/>
+              </a:ext>
+            </a:extLst>
+          </p:cNvPr>
+          <p:cNvSpPr txBox="1"/>
+          <p:nvPr/>
+        </p:nvSpPr>
+        <p:spPr>
+          <a:xfrm>
+            <a:off x="7727842" y="1585644"/>
+            <a:ext cx="21270830" cy="707886"/>
+          </a:xfrm>
+          <a:prstGeom prst="rect">
+            <a:avLst/>
+          </a:prstGeom>
+          <a:noFill/>
+        </p:spPr>
+        <p:txBody>
+          <a:bodyPr wrap="square" rtlCol="0">
+            <a:spAutoFit/>
+          </a:bodyPr>
+          <a:lstStyle/>
+          <a:p>
+            <a:pPr algn="ctr"/>
+            <a:r>
+              <a:rPr lang="en-US" sz="4000" i="1" dirty="0">
+                <a:solidFill>
+                  <a:schemeClr val="bg1"/>
+                </a:solidFill>
+                <a:latin typeface="Source Sans Pro Italic"/>
+              </a:rPr>
+              <a:t>Paavani Dua</a:t>
+            </a:r>
+            <a:r>
+              <a:rPr lang="en-US" sz="4000" i="1" baseline="30000" dirty="0">
+                <a:solidFill>
+                  <a:schemeClr val="bg1"/>
+                </a:solidFill>
+                <a:latin typeface="Source Sans Pro Italic"/>
+              </a:rPr>
+              <a:t>1</a:t>
+            </a:r>
+            <a:r>
+              <a:rPr lang="en-US" sz="4000" i="1" dirty="0">
+                <a:solidFill>
+                  <a:schemeClr val="bg1"/>
+                </a:solidFill>
+                <a:latin typeface="Source Sans Pro Italic"/>
+              </a:rPr>
+              <a:t>, Liam Kelly</a:t>
+            </a:r>
+            <a:r>
+              <a:rPr lang="en-US" sz="4000" i="1" baseline="30000" dirty="0">
+                <a:solidFill>
+                  <a:schemeClr val="bg1"/>
+                </a:solidFill>
+                <a:latin typeface="Source Sans Pro Italic"/>
+              </a:rPr>
+              <a:t>2</a:t>
+            </a:r>
+            <a:r>
+              <a:rPr lang="en-US" sz="4000" i="1" dirty="0">
+                <a:solidFill>
+                  <a:schemeClr val="bg1"/>
+                </a:solidFill>
+                <a:latin typeface="Source Sans Pro Italic"/>
+              </a:rPr>
+              <a:t>, and Matthew Lee</a:t>
+            </a:r>
+            <a:r>
+              <a:rPr lang="en-US" sz="4000" i="1" baseline="30000" dirty="0">
+                <a:solidFill>
+                  <a:schemeClr val="bg1"/>
+                </a:solidFill>
+                <a:latin typeface="Source Sans Pro Italic"/>
+              </a:rPr>
+              <a:t>3</a:t>
+            </a:r>
+            <a:endParaRPr lang="en-US" sz="4000" i="1" dirty="0">
+              <a:solidFill>
+                <a:schemeClr val="bg1"/>
+              </a:solidFill>
+              <a:latin typeface="Source Sans Pro Italic"/>
+            </a:endParaRPr>
+          </a:p>
+        </p:txBody>
+      </p:sp>
+      <p:sp>
+        <p:nvSpPr>
+          <p:cNvPr id="31" name="TextBox 30">
+            <a:extLst>
+              <a:ext uri="{FF2B5EF4-FFF2-40B4-BE49-F238E27FC236}">
+                <a16:creationId xmlns:a16="http://schemas.microsoft.com/office/drawing/2014/main" id="{2CCC2042-3AEE-4BCF-B868-686E8A475E87}"/>
+              </a:ext>
+            </a:extLst>
+          </p:cNvPr>
+          <p:cNvSpPr txBox="1"/>
+          <p:nvPr/>
+        </p:nvSpPr>
+        <p:spPr>
+          <a:xfrm>
+            <a:off x="7244169" y="2649960"/>
+            <a:ext cx="21270830" cy="584775"/>
+          </a:xfrm>
+          <a:prstGeom prst="rect">
+            <a:avLst/>
+          </a:prstGeom>
+          <a:noFill/>
+        </p:spPr>
+        <p:txBody>
+          <a:bodyPr wrap="square" rtlCol="0">
+            <a:spAutoFit/>
+          </a:bodyPr>
+          <a:lstStyle/>
+          <a:p>
+            <a:pPr algn="ctr"/>
+            <a:r>
+              <a:rPr lang="en-US" sz="3200" dirty="0">
+                <a:solidFill>
+                  <a:schemeClr val="bg1"/>
+                </a:solidFill>
+                <a:latin typeface="Source Sans Pro" panose="020B0503030403020204" pitchFamily="34" charset="0"/>
+                <a:ea typeface="Source Sans Pro" panose="020B0503030403020204" pitchFamily="34" charset="0"/>
+              </a:rPr>
+              <a:t>{</a:t>
+            </a:r>
+            <a:r>
+              <a:rPr lang="en-US" sz="3200" baseline="30000" dirty="0">
+                <a:solidFill>
+                  <a:schemeClr val="bg1"/>
+                </a:solidFill>
+                <a:latin typeface="Source Sans Pro" panose="020B0503030403020204" pitchFamily="34" charset="0"/>
+                <a:ea typeface="Source Sans Pro" panose="020B0503030403020204" pitchFamily="34" charset="0"/>
+              </a:rPr>
+              <a:t>1</a:t>
+            </a:r>
+            <a:r>
+              <a:rPr lang="en-US" sz="3200" dirty="0">
+                <a:solidFill>
+                  <a:schemeClr val="bg1"/>
+                </a:solidFill>
+                <a:latin typeface="Source Sans Pro" panose="020B0503030403020204" pitchFamily="34" charset="0"/>
+                <a:ea typeface="Source Sans Pro" panose="020B0503030403020204" pitchFamily="34" charset="0"/>
+              </a:rPr>
+              <a:t>paavanid, </a:t>
+            </a:r>
+            <a:r>
+              <a:rPr lang="en-US" sz="3200" baseline="30000" dirty="0">
+                <a:solidFill>
+                  <a:schemeClr val="bg1"/>
+                </a:solidFill>
+                <a:latin typeface="Source Sans Pro" panose="020B0503030403020204" pitchFamily="34" charset="0"/>
+                <a:ea typeface="Source Sans Pro" panose="020B0503030403020204" pitchFamily="34" charset="0"/>
+              </a:rPr>
+              <a:t>2</a:t>
+            </a:r>
+            <a:r>
+              <a:rPr lang="en-US" sz="3200" dirty="0">
+                <a:solidFill>
+                  <a:schemeClr val="bg1"/>
+                </a:solidFill>
+                <a:latin typeface="Source Sans Pro" panose="020B0503030403020204" pitchFamily="34" charset="0"/>
+                <a:ea typeface="Source Sans Pro" panose="020B0503030403020204" pitchFamily="34" charset="0"/>
+              </a:rPr>
+              <a:t>kellylj, </a:t>
+            </a:r>
+            <a:r>
+              <a:rPr lang="en-US" sz="3200" baseline="30000" dirty="0">
+                <a:solidFill>
+                  <a:schemeClr val="bg1"/>
+                </a:solidFill>
+                <a:latin typeface="Source Sans Pro" panose="020B0503030403020204" pitchFamily="34" charset="0"/>
+                <a:ea typeface="Source Sans Pro" panose="020B0503030403020204" pitchFamily="34" charset="0"/>
+              </a:rPr>
+              <a:t>3</a:t>
+            </a:r>
+            <a:r>
+              <a:rPr lang="en-US" sz="3200" dirty="0">
+                <a:solidFill>
+                  <a:schemeClr val="bg1"/>
+                </a:solidFill>
+                <a:latin typeface="Source Sans Pro" panose="020B0503030403020204" pitchFamily="34" charset="0"/>
+                <a:ea typeface="Source Sans Pro" panose="020B0503030403020204" pitchFamily="34" charset="0"/>
+              </a:rPr>
+              <a:t>mattskl}@stanford.edu </a:t>
+            </a:r>
+          </a:p>
+        </p:txBody>
+      </p:sp>
+      <p:grpSp>
+        <p:nvGrpSpPr>
+          <p:cNvPr id="36" name="Group 35">
+            <a:extLst>
+              <a:ext uri="{FF2B5EF4-FFF2-40B4-BE49-F238E27FC236}">
+                <a16:creationId xmlns:a16="http://schemas.microsoft.com/office/drawing/2014/main" id="{04202724-4D64-442D-84D2-0AEF3251933F}"/>
+              </a:ext>
+            </a:extLst>
+          </p:cNvPr>
+          <p:cNvGrpSpPr/>
+          <p:nvPr/>
+        </p:nvGrpSpPr>
+        <p:grpSpPr>
+          <a:xfrm>
+            <a:off x="21879736" y="12646522"/>
+            <a:ext cx="10493854" cy="784324"/>
+            <a:chOff x="7655317" y="6043855"/>
+            <a:chExt cx="11061396" cy="1176485"/>
+          </a:xfrm>
+        </p:grpSpPr>
+        <p:sp>
+          <p:nvSpPr>
+            <p:cNvPr id="37" name="TextBox 36">
+              <a:extLst>
+                <a:ext uri="{FF2B5EF4-FFF2-40B4-BE49-F238E27FC236}">
+                  <a16:creationId xmlns:a16="http://schemas.microsoft.com/office/drawing/2014/main" id="{E809A31A-6307-459C-9244-8F64203ADAA6}"/>
+                </a:ext>
+              </a:extLst>
+            </p:cNvPr>
+            <p:cNvSpPr txBox="1"/>
+            <p:nvPr/>
+          </p:nvSpPr>
+          <p:spPr>
+            <a:xfrm>
+              <a:off x="7655317" y="6043855"/>
+              <a:ext cx="3833262" cy="969496"/>
+            </a:xfrm>
+            <a:prstGeom prst="rect">
+              <a:avLst/>
+            </a:prstGeom>
+            <a:noFill/>
+          </p:spPr>
+          <p:txBody>
+            <a:bodyPr wrap="none" rtlCol="0">
+              <a:spAutoFit/>
+            </a:bodyPr>
+            <a:lstStyle/>
+            <a:p>
+              <a:r>
+                <a:rPr lang="en-US" sz="3600" dirty="0">
+                  <a:solidFill>
+                    <a:srgbClr val="2E2D29"/>
+                  </a:solidFill>
+                  <a:latin typeface="Source Sans Pro Regular"/>
+                </a:rPr>
+                <a:t>Future Work</a:t>
+              </a:r>
+            </a:p>
+          </p:txBody>
+        </p:sp>
+        <p:sp>
+          <p:nvSpPr>
+            <p:cNvPr id="40" name="Rectangle 39">
+              <a:extLst>
+                <a:ext uri="{FF2B5EF4-FFF2-40B4-BE49-F238E27FC236}">
+                  <a16:creationId xmlns:a16="http://schemas.microsoft.com/office/drawing/2014/main" id="{11E13010-AE38-4338-BD59-7ED36A40DA2C}"/>
+                </a:ext>
+              </a:extLst>
+            </p:cNvPr>
+            <p:cNvSpPr/>
+            <p:nvPr/>
+          </p:nvSpPr>
+          <p:spPr>
+            <a:xfrm>
+              <a:off x="7743913" y="7174622"/>
+              <a:ext cx="10972800" cy="45718"/>
+            </a:xfrm>
+            <a:prstGeom prst="rect">
+              <a:avLst/>
+            </a:prstGeom>
+            <a:solidFill>
+              <a:srgbClr val="D2C295"/>
+            </a:solidFill>
+            <a:ln>
+              <a:solidFill>
+                <a:srgbClr val="D2C295"/>
+              </a:solidFill>
+            </a:ln>
+          </p:spPr>
+          <p:style>
+            <a:lnRef idx="2">
+              <a:schemeClr val="accent1">
+                <a:shade val="50000"/>
+              </a:schemeClr>
+            </a:lnRef>
+            <a:fillRef idx="1">
+              <a:schemeClr val="accent1"/>
+            </a:fillRef>
+            <a:effectRef idx="0">
+              <a:schemeClr val="accent1"/>
+            </a:effectRef>
+            <a:fontRef idx="minor">
+              <a:schemeClr val="lt1"/>
+            </a:fontRef>
+          </p:style>
+          <p:txBody>
+            <a:bodyPr rot="0" spcFirstLastPara="0" vertOverflow="overflow" horzOverflow="overflow" vert="horz" wrap="square" lIns="60960" tIns="30480" rIns="60960" bIns="30480" numCol="1" spcCol="0" rtlCol="0" fromWordArt="0" anchor="ctr" anchorCtr="0" forceAA="0" compatLnSpc="1">
+              <a:prstTxWarp prst="textNoShape">
+                <a:avLst/>
+              </a:prstTxWarp>
+              <a:noAutofit/>
+            </a:bodyPr>
+            <a:lstStyle/>
+            <a:p>
+              <a:pPr algn="ctr"/>
+              <a:endParaRPr lang="en-US" sz="3456"/>
+            </a:p>
+          </p:txBody>
+        </p:sp>
+      </p:grpSp>
+      <p:grpSp>
+        <p:nvGrpSpPr>
+          <p:cNvPr id="42" name="Group 41">
+            <a:extLst>
+              <a:ext uri="{FF2B5EF4-FFF2-40B4-BE49-F238E27FC236}">
+                <a16:creationId xmlns:a16="http://schemas.microsoft.com/office/drawing/2014/main" id="{379815E5-680E-435D-8A98-E590805CD22E}"/>
+              </a:ext>
+            </a:extLst>
+          </p:cNvPr>
+          <p:cNvGrpSpPr/>
+          <p:nvPr/>
+        </p:nvGrpSpPr>
+        <p:grpSpPr>
+          <a:xfrm>
+            <a:off x="21879736" y="18140035"/>
+            <a:ext cx="10166199" cy="784322"/>
+            <a:chOff x="7655317" y="6043852"/>
+            <a:chExt cx="11061396" cy="1176482"/>
+          </a:xfrm>
+        </p:grpSpPr>
+        <p:sp>
+          <p:nvSpPr>
+            <p:cNvPr id="44" name="TextBox 43">
+              <a:extLst>
+                <a:ext uri="{FF2B5EF4-FFF2-40B4-BE49-F238E27FC236}">
+                  <a16:creationId xmlns:a16="http://schemas.microsoft.com/office/drawing/2014/main" id="{F0B35CAB-4FF7-4995-BF7F-015CF178D79D}"/>
+                </a:ext>
+              </a:extLst>
+            </p:cNvPr>
+            <p:cNvSpPr txBox="1"/>
+            <p:nvPr/>
+          </p:nvSpPr>
+          <p:spPr>
+            <a:xfrm>
+              <a:off x="7655317" y="6043852"/>
+              <a:ext cx="3474990" cy="969496"/>
+            </a:xfrm>
+            <a:prstGeom prst="rect">
+              <a:avLst/>
+            </a:prstGeom>
+            <a:noFill/>
+          </p:spPr>
+          <p:txBody>
+            <a:bodyPr wrap="square" rtlCol="0">
+              <a:spAutoFit/>
+            </a:bodyPr>
+            <a:lstStyle/>
+            <a:p>
+              <a:r>
+                <a:rPr lang="en-US" sz="3600" dirty="0">
+                  <a:solidFill>
+                    <a:srgbClr val="2E2D29"/>
+                  </a:solidFill>
+                  <a:latin typeface="Source Sans Pro Regular"/>
+                </a:rPr>
+                <a:t>References</a:t>
+              </a:r>
+            </a:p>
+          </p:txBody>
+        </p:sp>
+        <p:sp>
+          <p:nvSpPr>
+            <p:cNvPr id="54" name="Rectangle 53">
+              <a:extLst>
+                <a:ext uri="{FF2B5EF4-FFF2-40B4-BE49-F238E27FC236}">
+                  <a16:creationId xmlns:a16="http://schemas.microsoft.com/office/drawing/2014/main" id="{C0BBE196-3369-443B-ADFE-F72087650D2E}"/>
+                </a:ext>
+              </a:extLst>
+            </p:cNvPr>
+            <p:cNvSpPr/>
+            <p:nvPr/>
+          </p:nvSpPr>
+          <p:spPr>
+            <a:xfrm>
+              <a:off x="7743913" y="7174616"/>
+              <a:ext cx="10972800" cy="45718"/>
+            </a:xfrm>
+            <a:prstGeom prst="rect">
+              <a:avLst/>
+            </a:prstGeom>
+            <a:solidFill>
+              <a:srgbClr val="D2C295"/>
+            </a:solidFill>
+            <a:ln>
+              <a:solidFill>
+                <a:srgbClr val="D2C295"/>
+              </a:solidFill>
+            </a:ln>
+          </p:spPr>
+          <p:style>
+            <a:lnRef idx="2">
+              <a:schemeClr val="accent1">
+                <a:shade val="50000"/>
+              </a:schemeClr>
+            </a:lnRef>
+            <a:fillRef idx="1">
+              <a:schemeClr val="accent1"/>
+            </a:fillRef>
+            <a:effectRef idx="0">
+              <a:schemeClr val="accent1"/>
+            </a:effectRef>
+            <a:fontRef idx="minor">
+              <a:schemeClr val="lt1"/>
+            </a:fontRef>
+          </p:style>
+          <p:txBody>
+            <a:bodyPr rot="0" spcFirstLastPara="0" vertOverflow="overflow" horzOverflow="overflow" vert="horz" wrap="square" lIns="60960" tIns="30480" rIns="60960" bIns="30480" numCol="1" spcCol="0" rtlCol="0" fromWordArt="0" anchor="ctr" anchorCtr="0" forceAA="0" compatLnSpc="1">
+              <a:prstTxWarp prst="textNoShape">
+                <a:avLst/>
+              </a:prstTxWarp>
+              <a:noAutofit/>
+            </a:bodyPr>
+            <a:lstStyle/>
+            <a:p>
+              <a:pPr algn="ctr"/>
+              <a:endParaRPr lang="en-US" sz="3456"/>
+            </a:p>
+          </p:txBody>
+        </p:sp>
+      </p:grpSp>
+      <p:grpSp>
+        <p:nvGrpSpPr>
+          <p:cNvPr id="55" name="Group 54">
+            <a:extLst>
+              <a:ext uri="{FF2B5EF4-FFF2-40B4-BE49-F238E27FC236}">
+                <a16:creationId xmlns:a16="http://schemas.microsoft.com/office/drawing/2014/main" id="{B40A7F51-8996-4C6E-8E6E-74A08AD3DE3E}"/>
+              </a:ext>
+            </a:extLst>
+          </p:cNvPr>
+          <p:cNvGrpSpPr/>
+          <p:nvPr/>
+        </p:nvGrpSpPr>
+        <p:grpSpPr>
+          <a:xfrm>
+            <a:off x="9331571" y="9616954"/>
+            <a:ext cx="12168552" cy="784322"/>
+            <a:chOff x="7655317" y="6043852"/>
+            <a:chExt cx="11061396" cy="1176482"/>
+          </a:xfrm>
+        </p:grpSpPr>
+        <p:sp>
+          <p:nvSpPr>
+            <p:cNvPr id="56" name="TextBox 55">
+              <a:extLst>
+                <a:ext uri="{FF2B5EF4-FFF2-40B4-BE49-F238E27FC236}">
+                  <a16:creationId xmlns:a16="http://schemas.microsoft.com/office/drawing/2014/main" id="{9EC65E99-7FC0-4534-966A-DAA775AD4AEB}"/>
+                </a:ext>
+              </a:extLst>
+            </p:cNvPr>
+            <p:cNvSpPr txBox="1"/>
+            <p:nvPr/>
+          </p:nvSpPr>
+          <p:spPr>
+            <a:xfrm>
+              <a:off x="7655317" y="6043852"/>
+              <a:ext cx="2383346" cy="969496"/>
+            </a:xfrm>
+            <a:prstGeom prst="rect">
+              <a:avLst/>
+            </a:prstGeom>
+            <a:noFill/>
+          </p:spPr>
+          <p:txBody>
+            <a:bodyPr wrap="none" rtlCol="0">
+              <a:spAutoFit/>
+            </a:bodyPr>
+            <a:lstStyle/>
+            <a:p>
+              <a:r>
+                <a:rPr lang="en-US" sz="3600" dirty="0">
+                  <a:solidFill>
+                    <a:srgbClr val="2E2D29"/>
+                  </a:solidFill>
+                  <a:latin typeface="Source Sans Pro Regular"/>
+                </a:rPr>
+                <a:t>Results</a:t>
+              </a:r>
+            </a:p>
+          </p:txBody>
+        </p:sp>
+        <p:sp>
+          <p:nvSpPr>
+            <p:cNvPr id="57" name="Rectangle 56">
+              <a:extLst>
+                <a:ext uri="{FF2B5EF4-FFF2-40B4-BE49-F238E27FC236}">
+                  <a16:creationId xmlns:a16="http://schemas.microsoft.com/office/drawing/2014/main" id="{C80DFB4D-2E0A-4C7E-BBA0-694C8AF915AA}"/>
+                </a:ext>
+              </a:extLst>
+            </p:cNvPr>
+            <p:cNvSpPr/>
+            <p:nvPr/>
+          </p:nvSpPr>
+          <p:spPr>
+            <a:xfrm>
+              <a:off x="7743913" y="7174616"/>
+              <a:ext cx="10972800" cy="45718"/>
+            </a:xfrm>
+            <a:prstGeom prst="rect">
+              <a:avLst/>
+            </a:prstGeom>
+            <a:solidFill>
+              <a:srgbClr val="D2C295"/>
+            </a:solidFill>
+            <a:ln>
+              <a:solidFill>
+                <a:srgbClr val="D2C295"/>
+              </a:solidFill>
+            </a:ln>
+          </p:spPr>
+          <p:style>
+            <a:lnRef idx="2">
+              <a:schemeClr val="accent1">
+                <a:shade val="50000"/>
+              </a:schemeClr>
+            </a:lnRef>
+            <a:fillRef idx="1">
+              <a:schemeClr val="accent1"/>
+            </a:fillRef>
+            <a:effectRef idx="0">
+              <a:schemeClr val="accent1"/>
+            </a:effectRef>
+            <a:fontRef idx="minor">
+              <a:schemeClr val="lt1"/>
+            </a:fontRef>
+          </p:style>
+          <p:txBody>
+            <a:bodyPr rot="0" spcFirstLastPara="0" vertOverflow="overflow" horzOverflow="overflow" vert="horz" wrap="square" lIns="60960" tIns="30480" rIns="60960" bIns="30480" numCol="1" spcCol="0" rtlCol="0" fromWordArt="0" anchor="ctr" anchorCtr="0" forceAA="0" compatLnSpc="1">
+              <a:prstTxWarp prst="textNoShape">
+                <a:avLst/>
+              </a:prstTxWarp>
+              <a:noAutofit/>
+            </a:bodyPr>
+            <a:lstStyle/>
+            <a:p>
+              <a:pPr algn="ctr"/>
+              <a:endParaRPr lang="en-US" sz="3456"/>
+            </a:p>
+          </p:txBody>
+        </p:sp>
+      </p:grpSp>
+      <p:grpSp>
+        <p:nvGrpSpPr>
+          <p:cNvPr id="58" name="Group 57">
+            <a:extLst>
+              <a:ext uri="{FF2B5EF4-FFF2-40B4-BE49-F238E27FC236}">
+                <a16:creationId xmlns:a16="http://schemas.microsoft.com/office/drawing/2014/main" id="{2DD884AF-6203-4C57-B55C-8AB83166E60B}"/>
+              </a:ext>
+            </a:extLst>
+          </p:cNvPr>
+          <p:cNvGrpSpPr/>
+          <p:nvPr/>
+        </p:nvGrpSpPr>
+        <p:grpSpPr>
+          <a:xfrm>
+            <a:off x="209124" y="11203876"/>
+            <a:ext cx="8595340" cy="726241"/>
+            <a:chOff x="7655317" y="6217295"/>
+            <a:chExt cx="11061396" cy="1003039"/>
+          </a:xfrm>
+        </p:grpSpPr>
+        <p:sp>
+          <p:nvSpPr>
+            <p:cNvPr id="59" name="TextBox 58">
+              <a:extLst>
+                <a:ext uri="{FF2B5EF4-FFF2-40B4-BE49-F238E27FC236}">
+                  <a16:creationId xmlns:a16="http://schemas.microsoft.com/office/drawing/2014/main" id="{F85A7E69-FAD0-4F42-8695-68C9FF79D22C}"/>
+                </a:ext>
+              </a:extLst>
+            </p:cNvPr>
+            <p:cNvSpPr txBox="1"/>
+            <p:nvPr/>
+          </p:nvSpPr>
+          <p:spPr>
+            <a:xfrm>
+              <a:off x="7655317" y="6217295"/>
+              <a:ext cx="4111800" cy="892672"/>
+            </a:xfrm>
+            <a:prstGeom prst="rect">
+              <a:avLst/>
+            </a:prstGeom>
+            <a:noFill/>
+          </p:spPr>
+          <p:txBody>
+            <a:bodyPr wrap="none" rtlCol="0">
+              <a:spAutoFit/>
+            </a:bodyPr>
+            <a:lstStyle/>
+            <a:p>
+              <a:r>
+                <a:rPr lang="en-US" sz="3600" dirty="0">
+                  <a:solidFill>
+                    <a:srgbClr val="2E2D29"/>
+                  </a:solidFill>
+                  <a:latin typeface="Source Sans Pro Regular"/>
+                </a:rPr>
+                <a:t>Data &amp; Features</a:t>
+              </a:r>
+            </a:p>
+          </p:txBody>
+        </p:sp>
+        <p:sp>
+          <p:nvSpPr>
+            <p:cNvPr id="60" name="Rectangle 59">
+              <a:extLst>
+                <a:ext uri="{FF2B5EF4-FFF2-40B4-BE49-F238E27FC236}">
+                  <a16:creationId xmlns:a16="http://schemas.microsoft.com/office/drawing/2014/main" id="{31BA4049-B6F2-43D2-8E8B-CA794E1FF269}"/>
+                </a:ext>
+              </a:extLst>
+            </p:cNvPr>
+            <p:cNvSpPr/>
+            <p:nvPr/>
+          </p:nvSpPr>
+          <p:spPr>
+            <a:xfrm>
+              <a:off x="7743913" y="7174616"/>
+              <a:ext cx="10972800" cy="45718"/>
+            </a:xfrm>
+            <a:prstGeom prst="rect">
+              <a:avLst/>
+            </a:prstGeom>
+            <a:solidFill>
+              <a:srgbClr val="D2C295"/>
+            </a:solidFill>
+            <a:ln>
+              <a:solidFill>
+                <a:srgbClr val="D2C295"/>
+              </a:solidFill>
+            </a:ln>
+          </p:spPr>
+          <p:style>
+            <a:lnRef idx="2">
+              <a:schemeClr val="accent1">
+                <a:shade val="50000"/>
+              </a:schemeClr>
+            </a:lnRef>
+            <a:fillRef idx="1">
+              <a:schemeClr val="accent1"/>
+            </a:fillRef>
+            <a:effectRef idx="0">
+              <a:schemeClr val="accent1"/>
+            </a:effectRef>
+            <a:fontRef idx="minor">
+              <a:schemeClr val="lt1"/>
+            </a:fontRef>
+          </p:style>
+          <p:txBody>
+            <a:bodyPr rot="0" spcFirstLastPara="0" vertOverflow="overflow" horzOverflow="overflow" vert="horz" wrap="square" lIns="60960" tIns="30480" rIns="60960" bIns="30480" numCol="1" spcCol="0" rtlCol="0" fromWordArt="0" anchor="ctr" anchorCtr="0" forceAA="0" compatLnSpc="1">
+              <a:prstTxWarp prst="textNoShape">
+                <a:avLst/>
+              </a:prstTxWarp>
+              <a:noAutofit/>
+            </a:bodyPr>
+            <a:lstStyle/>
+            <a:p>
+              <a:pPr algn="ctr"/>
+              <a:endParaRPr lang="en-US" sz="3456"/>
+            </a:p>
+          </p:txBody>
+        </p:sp>
+      </p:grpSp>
+      <p:sp>
+        <p:nvSpPr>
+          <p:cNvPr id="64" name="TextBox 63">
+            <a:extLst>
+              <a:ext uri="{FF2B5EF4-FFF2-40B4-BE49-F238E27FC236}">
+                <a16:creationId xmlns:a16="http://schemas.microsoft.com/office/drawing/2014/main" id="{EF55FB59-EDD6-4669-B839-A3E1A6B21D36}"/>
+              </a:ext>
+            </a:extLst>
+          </p:cNvPr>
+          <p:cNvSpPr txBox="1"/>
+          <p:nvPr/>
+        </p:nvSpPr>
+        <p:spPr>
+          <a:xfrm>
+            <a:off x="258855" y="4949099"/>
+            <a:ext cx="8782522" cy="6186309"/>
+          </a:xfrm>
+          <a:prstGeom prst="rect">
+            <a:avLst/>
+          </a:prstGeom>
+          <a:noFill/>
+        </p:spPr>
+        <p:txBody>
+          <a:bodyPr wrap="square" rtlCol="0">
+            <a:spAutoFit/>
+          </a:bodyPr>
+          <a:lstStyle/>
+          <a:p>
+            <a:pPr algn="just"/>
+            <a:r>
+              <a:rPr lang="en-US" sz="3600" dirty="0">
+                <a:latin typeface="Times New Roman" panose="02020603050405020304" pitchFamily="18" charset="0"/>
+                <a:cs typeface="Times New Roman" panose="02020603050405020304" pitchFamily="18" charset="0"/>
+              </a:rPr>
+              <a:t>Baseball is a multi-billion dollar industry with numerous games played per season and it would valuable for teams to know when players are at their peak performance. While previous research has only taken aging patterns and WAR statistics into consideration to predict players future performances</a:t>
+            </a:r>
+            <a:r>
+              <a:rPr lang="en-US" sz="3600" baseline="30000" dirty="0">
+                <a:latin typeface="Times New Roman" panose="02020603050405020304" pitchFamily="18" charset="0"/>
+                <a:cs typeface="Times New Roman" panose="02020603050405020304" pitchFamily="18" charset="0"/>
+              </a:rPr>
+              <a:t>[1]</a:t>
+            </a:r>
+            <a:r>
+              <a:rPr lang="en-US" sz="3600" dirty="0">
+                <a:latin typeface="Times New Roman" panose="02020603050405020304" pitchFamily="18" charset="0"/>
+                <a:cs typeface="Times New Roman" panose="02020603050405020304" pitchFamily="18" charset="0"/>
+              </a:rPr>
+              <a:t>,</a:t>
+            </a:r>
+            <a:r>
+              <a:rPr lang="en-US" sz="3600" baseline="30000" dirty="0">
+                <a:latin typeface="Times New Roman" panose="02020603050405020304" pitchFamily="18" charset="0"/>
+                <a:cs typeface="Times New Roman" panose="02020603050405020304" pitchFamily="18" charset="0"/>
+              </a:rPr>
+              <a:t> </a:t>
+            </a:r>
+            <a:r>
+              <a:rPr lang="en-US" sz="3600" dirty="0">
+                <a:latin typeface="Times New Roman" panose="02020603050405020304" pitchFamily="18" charset="0"/>
+                <a:cs typeface="Times New Roman" panose="02020603050405020304" pitchFamily="18" charset="0"/>
+              </a:rPr>
+              <a:t>our goal for this project was to use a LSTM model to predict a player’s career trajectory based on his first 3 seasons, quantified by  career length and peak performance year.</a:t>
+            </a:r>
+          </a:p>
+        </p:txBody>
+      </p:sp>
+      <p:sp>
+        <p:nvSpPr>
+          <p:cNvPr id="65" name="TextBox 64">
+            <a:extLst>
+              <a:ext uri="{FF2B5EF4-FFF2-40B4-BE49-F238E27FC236}">
+                <a16:creationId xmlns:a16="http://schemas.microsoft.com/office/drawing/2014/main" id="{90327DD1-90CC-4207-AF01-981AB1B251DC}"/>
+              </a:ext>
+            </a:extLst>
+          </p:cNvPr>
+          <p:cNvSpPr txBox="1"/>
+          <p:nvPr/>
+        </p:nvSpPr>
+        <p:spPr>
+          <a:xfrm>
+            <a:off x="23071015" y="14606954"/>
+            <a:ext cx="6534196" cy="1509934"/>
+          </a:xfrm>
+          <a:prstGeom prst="rect">
+            <a:avLst/>
+          </a:prstGeom>
+          <a:noFill/>
+        </p:spPr>
+        <p:txBody>
+          <a:bodyPr wrap="square" rtlCol="0">
+            <a:spAutoFit/>
+          </a:bodyPr>
+          <a:lstStyle/>
+          <a:p>
+            <a:endParaRPr lang="en-US" dirty="0"/>
+          </a:p>
+        </p:txBody>
+      </p:sp>
+      <p:sp>
+        <p:nvSpPr>
+          <p:cNvPr id="66" name="TextBox 65">
+            <a:extLst>
+              <a:ext uri="{FF2B5EF4-FFF2-40B4-BE49-F238E27FC236}">
+                <a16:creationId xmlns:a16="http://schemas.microsoft.com/office/drawing/2014/main" id="{BF43CDC0-2824-4558-BD00-690EB5A28BC9}"/>
+              </a:ext>
+            </a:extLst>
+          </p:cNvPr>
+          <p:cNvSpPr txBox="1"/>
+          <p:nvPr/>
+        </p:nvSpPr>
+        <p:spPr>
+          <a:xfrm>
+            <a:off x="21912404" y="4954247"/>
+            <a:ext cx="10493854" cy="7294305"/>
+          </a:xfrm>
+          <a:prstGeom prst="rect">
+            <a:avLst/>
+          </a:prstGeom>
+          <a:noFill/>
+        </p:spPr>
+        <p:txBody>
+          <a:bodyPr wrap="square" rtlCol="0">
+            <a:spAutoFit/>
+          </a:bodyPr>
+          <a:lstStyle/>
+          <a:p>
+            <a:pPr algn="just"/>
+            <a:r>
+              <a:rPr lang="en-US" sz="3600" dirty="0">
+                <a:latin typeface="Times New Roman" panose="02020603050405020304" pitchFamily="18" charset="0"/>
+                <a:cs typeface="Times New Roman" panose="02020603050405020304" pitchFamily="18" charset="0"/>
+              </a:rPr>
+              <a:t>By using LSTM, we hoped to find patterns in a player’s performance over his career, including his peak performing year. Training the model against peak year and career length simultaneously was supposed to reveal the pattern. Unfortunately, the model performance was poor. We attempted training the LSTM model against peak years and career lengths separately, but achieved even worse results. These results seem to indicate that there may be no real pattern in player performances, especially in his early years. This result was rather unexpected, as it also means that the peak year for a player has little relation to his career length.</a:t>
+            </a:r>
+          </a:p>
+        </p:txBody>
+      </p:sp>
+      <p:sp>
+        <p:nvSpPr>
+          <p:cNvPr id="8" name="TextBox 7">
+            <a:extLst>
+              <a:ext uri="{FF2B5EF4-FFF2-40B4-BE49-F238E27FC236}">
+                <a16:creationId xmlns:a16="http://schemas.microsoft.com/office/drawing/2014/main" id="{A534B1AE-0B6D-4DBB-A67F-88D6F3122AD4}"/>
+              </a:ext>
+            </a:extLst>
+          </p:cNvPr>
+          <p:cNvSpPr txBox="1"/>
+          <p:nvPr/>
+        </p:nvSpPr>
+        <p:spPr>
+          <a:xfrm>
+            <a:off x="21846152" y="13416574"/>
+            <a:ext cx="10547063" cy="4524315"/>
+          </a:xfrm>
+          <a:prstGeom prst="rect">
+            <a:avLst/>
+          </a:prstGeom>
+          <a:noFill/>
+        </p:spPr>
+        <p:txBody>
+          <a:bodyPr wrap="square" rtlCol="0">
+            <a:spAutoFit/>
+          </a:bodyPr>
+          <a:lstStyle/>
+          <a:p>
+            <a:pPr marL="571500" indent="-571500" algn="just">
+              <a:buFont typeface="Arial" panose="020B0604020202020204" pitchFamily="34" charset="0"/>
+              <a:buChar char="•"/>
+            </a:pPr>
+            <a:r>
+              <a:rPr lang="en-US" sz="3600" b="1" dirty="0">
+                <a:latin typeface="Times New Roman" panose="02020603050405020304" pitchFamily="18" charset="0"/>
+                <a:cs typeface="Times New Roman" panose="02020603050405020304" pitchFamily="18" charset="0"/>
+              </a:rPr>
+              <a:t>Better data cleaning </a:t>
+            </a:r>
+            <a:r>
+              <a:rPr lang="en-US" sz="3600" dirty="0">
+                <a:latin typeface="Times New Roman" panose="02020603050405020304" pitchFamily="18" charset="0"/>
+                <a:cs typeface="Times New Roman" panose="02020603050405020304" pitchFamily="18" charset="0"/>
+              </a:rPr>
+              <a:t>Linear regression is sensitive to anomalies. We looked into anomaly elimination but with little success. Method of elimination can be improved since there are many players with no useful stats (no runs, hits, etc.)</a:t>
+            </a:r>
+          </a:p>
+          <a:p>
+            <a:pPr marL="571500" indent="-571500" algn="just">
+              <a:buFont typeface="Arial" panose="020B0604020202020204" pitchFamily="34" charset="0"/>
+              <a:buChar char="•"/>
+            </a:pPr>
+            <a:r>
+              <a:rPr lang="en-US" sz="3600" b="1" dirty="0">
+                <a:latin typeface="Times New Roman" panose="02020603050405020304" pitchFamily="18" charset="0"/>
+                <a:cs typeface="Times New Roman" panose="02020603050405020304" pitchFamily="18" charset="0"/>
+              </a:rPr>
+              <a:t>GRU implantation </a:t>
+            </a:r>
+            <a:r>
+              <a:rPr lang="en-US" sz="3600" dirty="0">
+                <a:latin typeface="Times New Roman" panose="02020603050405020304" pitchFamily="18" charset="0"/>
+                <a:cs typeface="Times New Roman" panose="02020603050405020304" pitchFamily="18" charset="0"/>
+              </a:rPr>
+              <a:t>Consider using GRU, which has shown better performance on smaller datasets. This may be useful since time series are short</a:t>
+            </a:r>
+          </a:p>
+        </p:txBody>
+      </p:sp>
+      <p:sp>
+        <p:nvSpPr>
+          <p:cNvPr id="9" name="TextBox 8">
+            <a:extLst>
+              <a:ext uri="{FF2B5EF4-FFF2-40B4-BE49-F238E27FC236}">
+                <a16:creationId xmlns:a16="http://schemas.microsoft.com/office/drawing/2014/main" id="{E1AD5D5E-4AD4-495A-BBD6-B73C94E99EB4}"/>
+              </a:ext>
+            </a:extLst>
+          </p:cNvPr>
+          <p:cNvSpPr txBox="1"/>
+          <p:nvPr/>
+        </p:nvSpPr>
+        <p:spPr>
+          <a:xfrm>
+            <a:off x="21969676" y="19116997"/>
+            <a:ext cx="10084773" cy="2400657"/>
+          </a:xfrm>
+          <a:prstGeom prst="rect">
+            <a:avLst/>
+          </a:prstGeom>
+          <a:noFill/>
+        </p:spPr>
+        <p:txBody>
+          <a:bodyPr wrap="square" rtlCol="0">
+            <a:spAutoFit/>
+          </a:bodyPr>
+          <a:lstStyle/>
+          <a:p>
+            <a:r>
+              <a:rPr lang="en-US" sz="3000" dirty="0">
+                <a:latin typeface="Times New Roman" panose="02020603050405020304" pitchFamily="18" charset="0"/>
+                <a:cs typeface="Times New Roman" panose="02020603050405020304" pitchFamily="18" charset="0"/>
+              </a:rPr>
+              <a:t>[1] T. Tiger, “Determining aging patterns, and explaining analysis techniques,” 2007</a:t>
+            </a:r>
+          </a:p>
+          <a:p>
+            <a:r>
+              <a:rPr lang="en-US" sz="3000" dirty="0">
+                <a:latin typeface="Times New Roman" panose="02020603050405020304" pitchFamily="18" charset="0"/>
+                <a:cs typeface="Times New Roman" panose="02020603050405020304" pitchFamily="18" charset="0"/>
+              </a:rPr>
+              <a:t>[2] Mobius, “Baseball data: The sabermetrics revolution, </a:t>
+            </a:r>
+            <a:r>
+              <a:rPr lang="en-US" sz="3000" dirty="0" err="1">
+                <a:latin typeface="Times New Roman" panose="02020603050405020304" pitchFamily="18" charset="0"/>
+                <a:cs typeface="Times New Roman" panose="02020603050405020304" pitchFamily="18" charset="0"/>
+              </a:rPr>
+              <a:t>kaggle</a:t>
+            </a:r>
+            <a:r>
+              <a:rPr lang="en-US" sz="3000" dirty="0">
+                <a:latin typeface="Times New Roman" panose="02020603050405020304" pitchFamily="18" charset="0"/>
+                <a:cs typeface="Times New Roman" panose="02020603050405020304" pitchFamily="18" charset="0"/>
+              </a:rPr>
+              <a:t> baseball dataset”, 2017.</a:t>
+            </a:r>
+          </a:p>
+          <a:p>
+            <a:r>
+              <a:rPr lang="en-US" sz="3000" dirty="0">
+                <a:latin typeface="Times New Roman" panose="02020603050405020304" pitchFamily="18" charset="0"/>
+                <a:cs typeface="Times New Roman" panose="02020603050405020304" pitchFamily="18" charset="0"/>
+              </a:rPr>
+              <a:t>[3] P. Birnbaum, “A guide to sabermetric research,” 2018.</a:t>
+            </a:r>
+          </a:p>
+        </p:txBody>
+      </p:sp>
+      <p:sp>
+        <p:nvSpPr>
+          <p:cNvPr id="12" name="TextBox 11">
+            <a:extLst>
+              <a:ext uri="{FF2B5EF4-FFF2-40B4-BE49-F238E27FC236}">
+                <a16:creationId xmlns:a16="http://schemas.microsoft.com/office/drawing/2014/main" id="{BBD28339-1C72-4BE7-8F9B-532B75D9E1E9}"/>
+              </a:ext>
+            </a:extLst>
+          </p:cNvPr>
+          <p:cNvSpPr txBox="1"/>
+          <p:nvPr/>
+        </p:nvSpPr>
+        <p:spPr>
+          <a:xfrm>
+            <a:off x="176807" y="11918188"/>
+            <a:ext cx="8864570" cy="9833461"/>
+          </a:xfrm>
+          <a:prstGeom prst="rect">
+            <a:avLst/>
+          </a:prstGeom>
+          <a:noFill/>
+        </p:spPr>
+        <p:txBody>
+          <a:bodyPr wrap="square" rtlCol="0">
+            <a:spAutoFit/>
+          </a:bodyPr>
+          <a:lstStyle/>
+          <a:p>
+            <a:pPr algn="just"/>
+            <a:r>
+              <a:rPr lang="en-US" sz="3600" dirty="0">
+                <a:latin typeface="Times New Roman" panose="02020603050405020304" pitchFamily="18" charset="0"/>
+                <a:cs typeface="Times New Roman" panose="02020603050405020304" pitchFamily="18" charset="0"/>
+              </a:rPr>
+              <a:t>Kaggle Baseball Dataset</a:t>
+            </a:r>
+            <a:r>
+              <a:rPr lang="en-US" sz="3600" baseline="30000" dirty="0">
+                <a:latin typeface="Times New Roman" panose="02020603050405020304" pitchFamily="18" charset="0"/>
+                <a:cs typeface="Times New Roman" panose="02020603050405020304" pitchFamily="18" charset="0"/>
+              </a:rPr>
+              <a:t>[2] </a:t>
+            </a:r>
+            <a:r>
+              <a:rPr lang="en-US" sz="3600" dirty="0">
+                <a:latin typeface="Times New Roman" panose="02020603050405020304" pitchFamily="18" charset="0"/>
+                <a:cs typeface="Times New Roman" panose="02020603050405020304" pitchFamily="18" charset="0"/>
+              </a:rPr>
+              <a:t>is used which has Major League Baseball batting and pitching statistics from 1871-2016. Data is pruned to only include statistics from 1960-2016 and players who played at least 4 seasons.</a:t>
+            </a:r>
+          </a:p>
+          <a:p>
+            <a:pPr algn="just"/>
+            <a:r>
+              <a:rPr lang="en-US" sz="3600" dirty="0">
+                <a:latin typeface="Times New Roman" panose="02020603050405020304" pitchFamily="18" charset="0"/>
+                <a:cs typeface="Times New Roman" panose="02020603050405020304" pitchFamily="18" charset="0"/>
+              </a:rPr>
+              <a:t>12 important performance indicators</a:t>
+            </a:r>
+            <a:r>
+              <a:rPr lang="en-US" sz="3600" baseline="30000" dirty="0">
+                <a:latin typeface="Times New Roman" panose="02020603050405020304" pitchFamily="18" charset="0"/>
+                <a:cs typeface="Times New Roman" panose="02020603050405020304" pitchFamily="18" charset="0"/>
+              </a:rPr>
+              <a:t>[3]</a:t>
+            </a:r>
+            <a:r>
+              <a:rPr lang="en-US" sz="3600" dirty="0">
+                <a:latin typeface="Times New Roman" panose="02020603050405020304" pitchFamily="18" charset="0"/>
+                <a:cs typeface="Times New Roman" panose="02020603050405020304" pitchFamily="18" charset="0"/>
+              </a:rPr>
+              <a:t> were extracted. They are normalized by the number of games played. Career length is extracted from the raw data and total responsible runs are used to determine the peak year.</a:t>
+            </a:r>
+          </a:p>
+          <a:p>
+            <a:pPr algn="just"/>
+            <a:endParaRPr lang="en-US" sz="2000" dirty="0">
+              <a:latin typeface="Times New Roman" panose="02020603050405020304" pitchFamily="18" charset="0"/>
+              <a:cs typeface="Times New Roman" panose="02020603050405020304" pitchFamily="18" charset="0"/>
+            </a:endParaRPr>
+          </a:p>
+          <a:p>
+            <a:pPr algn="just"/>
+            <a:r>
+              <a:rPr lang="en-US" sz="3600" b="1" dirty="0">
+                <a:latin typeface="Times New Roman" panose="02020603050405020304" pitchFamily="18" charset="0"/>
+                <a:cs typeface="Times New Roman" panose="02020603050405020304" pitchFamily="18" charset="0"/>
+              </a:rPr>
+              <a:t>Features </a:t>
+            </a:r>
+          </a:p>
+          <a:p>
+            <a:pPr algn="just"/>
+            <a:endParaRPr lang="en-US" sz="900" dirty="0">
+              <a:latin typeface="Times New Roman" panose="02020603050405020304" pitchFamily="18" charset="0"/>
+              <a:cs typeface="Times New Roman" panose="02020603050405020304" pitchFamily="18" charset="0"/>
+            </a:endParaRPr>
+          </a:p>
+          <a:p>
+            <a:pPr algn="just"/>
+            <a:r>
+              <a:rPr lang="en-US" sz="3200" dirty="0">
+                <a:latin typeface="Times New Roman" panose="02020603050405020304" pitchFamily="18" charset="0"/>
+                <a:cs typeface="Times New Roman" panose="02020603050405020304" pitchFamily="18" charset="0"/>
+              </a:rPr>
+              <a:t>Game(G)                     Doubles (2B) </a:t>
+            </a:r>
+          </a:p>
+          <a:p>
+            <a:pPr algn="just"/>
+            <a:r>
+              <a:rPr lang="en-US" sz="3200" dirty="0">
+                <a:latin typeface="Times New Roman" panose="02020603050405020304" pitchFamily="18" charset="0"/>
+                <a:cs typeface="Times New Roman" panose="02020603050405020304" pitchFamily="18" charset="0"/>
+              </a:rPr>
+              <a:t>Triples (3B)                Bases on Balls (BB)           </a:t>
+            </a:r>
+          </a:p>
+          <a:p>
+            <a:pPr algn="just"/>
+            <a:r>
+              <a:rPr lang="en-US" sz="3200" dirty="0">
+                <a:latin typeface="Times New Roman" panose="02020603050405020304" pitchFamily="18" charset="0"/>
+                <a:cs typeface="Times New Roman" panose="02020603050405020304" pitchFamily="18" charset="0"/>
+              </a:rPr>
+              <a:t>Runs (R)                     Home Runs (HR)</a:t>
+            </a:r>
+          </a:p>
+          <a:p>
+            <a:pPr algn="just"/>
+            <a:r>
+              <a:rPr lang="en-US" sz="3200" dirty="0">
+                <a:latin typeface="Times New Roman" panose="02020603050405020304" pitchFamily="18" charset="0"/>
+                <a:cs typeface="Times New Roman" panose="02020603050405020304" pitchFamily="18" charset="0"/>
+              </a:rPr>
+              <a:t>Hits (H)                      Caught Stealing in (CS)</a:t>
+            </a:r>
+          </a:p>
+          <a:p>
+            <a:pPr algn="just"/>
+            <a:r>
+              <a:rPr lang="en-US" sz="3200" dirty="0">
+                <a:latin typeface="Times New Roman" panose="02020603050405020304" pitchFamily="18" charset="0"/>
+                <a:cs typeface="Times New Roman" panose="02020603050405020304" pitchFamily="18" charset="0"/>
+              </a:rPr>
+              <a:t>Runs Batted in (RBI)  At Bat (AB)</a:t>
+            </a:r>
+          </a:p>
+          <a:p>
+            <a:pPr algn="just"/>
+            <a:r>
+              <a:rPr lang="en-US" sz="3200" dirty="0">
+                <a:latin typeface="Times New Roman" panose="02020603050405020304" pitchFamily="18" charset="0"/>
+                <a:cs typeface="Times New Roman" panose="02020603050405020304" pitchFamily="18" charset="0"/>
+              </a:rPr>
+              <a:t>Stolen Bases(SB)        Strikeout (SO)</a:t>
+            </a:r>
+          </a:p>
+        </p:txBody>
+      </p:sp>
+      <p:sp>
+        <p:nvSpPr>
+          <p:cNvPr id="15" name="TextBox 14">
+            <a:extLst>
+              <a:ext uri="{FF2B5EF4-FFF2-40B4-BE49-F238E27FC236}">
+                <a16:creationId xmlns:a16="http://schemas.microsoft.com/office/drawing/2014/main" id="{D397E954-457D-4E71-99A0-6FB302CF0463}"/>
+              </a:ext>
+            </a:extLst>
+          </p:cNvPr>
+          <p:cNvSpPr txBox="1"/>
+          <p:nvPr/>
+        </p:nvSpPr>
+        <p:spPr>
+          <a:xfrm>
+            <a:off x="9475927" y="10100000"/>
+            <a:ext cx="10336073" cy="4360851"/>
+          </a:xfrm>
+          <a:prstGeom prst="rect">
+            <a:avLst/>
+          </a:prstGeom>
+          <a:noFill/>
+        </p:spPr>
+        <p:txBody>
+          <a:bodyPr wrap="square" rtlCol="0">
+            <a:spAutoFit/>
+          </a:bodyPr>
+          <a:lstStyle/>
+          <a:p>
+            <a:endParaRPr lang="en-US" dirty="0"/>
+          </a:p>
+        </p:txBody>
+      </p:sp>
+      <mc:AlternateContent xmlns:mc="http://schemas.openxmlformats.org/markup-compatibility/2006" xmlns:a14="http://schemas.microsoft.com/office/drawing/2010/main">
+        <mc:Choice Requires="a14">
+          <p:sp>
+            <p:nvSpPr>
+              <p:cNvPr id="16" name="TextBox 15">
+                <a:extLst>
+                  <a:ext uri="{FF2B5EF4-FFF2-40B4-BE49-F238E27FC236}">
+                    <a16:creationId xmlns:a16="http://schemas.microsoft.com/office/drawing/2014/main" id="{BD89853B-B658-4BFC-9C89-982241DBF459}"/>
+                  </a:ext>
+                </a:extLst>
+              </p:cNvPr>
+              <p:cNvSpPr txBox="1"/>
+              <p:nvPr/>
+            </p:nvSpPr>
+            <p:spPr>
+              <a:xfrm>
+                <a:off x="9378464" y="4976155"/>
+                <a:ext cx="3938952" cy="1754326"/>
+              </a:xfrm>
+              <a:prstGeom prst="rect">
+                <a:avLst/>
+              </a:prstGeom>
+              <a:noFill/>
+            </p:spPr>
+            <p:txBody>
+              <a:bodyPr wrap="square" rtlCol="0">
+                <a:spAutoFit/>
+              </a:bodyPr>
+              <a:lstStyle/>
+              <a:p>
+                <a:r>
+                  <a:rPr lang="en-US" sz="3600" b="1" dirty="0">
+                    <a:latin typeface="Times New Roman" panose="02020603050405020304" pitchFamily="18" charset="0"/>
+                    <a:cs typeface="Times New Roman" panose="02020603050405020304" pitchFamily="18" charset="0"/>
+                  </a:rPr>
+                  <a:t>Linear Regression                                       </a:t>
+                </a:r>
+              </a:p>
+              <a:p>
+                <a:pPr/>
+                <a14:m>
+                  <m:oMathPara xmlns:m="http://schemas.openxmlformats.org/officeDocument/2006/math">
+                    <m:oMathParaPr>
+                      <m:jc m:val="centerGroup"/>
+                    </m:oMathParaPr>
+                    <m:oMath xmlns:m="http://schemas.openxmlformats.org/officeDocument/2006/math">
+                      <m:r>
+                        <a:rPr lang="en-US" sz="3600" b="0" i="1" smtClean="0">
+                          <a:latin typeface="Cambria Math" panose="02040503050406030204" pitchFamily="18" charset="0"/>
+                          <a:cs typeface="Times New Roman" panose="02020603050405020304" pitchFamily="18" charset="0"/>
+                        </a:rPr>
+                        <m:t>𝑌</m:t>
+                      </m:r>
+                      <m:r>
+                        <a:rPr lang="en-US" sz="3600" b="0" i="1" smtClean="0">
+                          <a:latin typeface="Cambria Math" panose="02040503050406030204" pitchFamily="18" charset="0"/>
+                          <a:cs typeface="Times New Roman" panose="02020603050405020304" pitchFamily="18" charset="0"/>
+                        </a:rPr>
+                        <m:t>=</m:t>
+                      </m:r>
+                      <m:sSup>
+                        <m:sSupPr>
+                          <m:ctrlPr>
+                            <a:rPr lang="en-US" sz="3600" b="0" i="1" smtClean="0">
+                              <a:latin typeface="Cambria Math" panose="02040503050406030204" pitchFamily="18" charset="0"/>
+                              <a:cs typeface="Times New Roman" panose="02020603050405020304" pitchFamily="18" charset="0"/>
+                            </a:rPr>
+                          </m:ctrlPr>
+                        </m:sSupPr>
+                        <m:e>
+                          <m:r>
+                            <a:rPr lang="en-US" sz="3600" b="0" i="1" smtClean="0">
+                              <a:latin typeface="Cambria Math" panose="02040503050406030204" pitchFamily="18" charset="0"/>
+                              <a:cs typeface="Times New Roman" panose="02020603050405020304" pitchFamily="18" charset="0"/>
+                            </a:rPr>
+                            <m:t>𝑊</m:t>
+                          </m:r>
+                        </m:e>
+                        <m:sup>
+                          <m:r>
+                            <a:rPr lang="en-US" sz="3600" b="0" i="1" smtClean="0">
+                              <a:latin typeface="Cambria Math" panose="02040503050406030204" pitchFamily="18" charset="0"/>
+                              <a:cs typeface="Times New Roman" panose="02020603050405020304" pitchFamily="18" charset="0"/>
+                            </a:rPr>
+                            <m:t>𝑇</m:t>
+                          </m:r>
+                        </m:sup>
+                      </m:sSup>
+                      <m:r>
+                        <a:rPr lang="en-US" sz="3600" b="0" i="1" smtClean="0">
+                          <a:latin typeface="Cambria Math" panose="02040503050406030204" pitchFamily="18" charset="0"/>
+                          <a:cs typeface="Times New Roman" panose="02020603050405020304" pitchFamily="18" charset="0"/>
+                        </a:rPr>
+                        <m:t>𝑋</m:t>
+                      </m:r>
+                      <m:r>
+                        <a:rPr lang="en-US" sz="3600" b="0" i="1" smtClean="0">
+                          <a:latin typeface="Cambria Math" panose="02040503050406030204" pitchFamily="18" charset="0"/>
+                          <a:cs typeface="Times New Roman" panose="02020603050405020304" pitchFamily="18" charset="0"/>
+                        </a:rPr>
+                        <m:t>+</m:t>
+                      </m:r>
+                      <m:r>
+                        <a:rPr lang="en-US" sz="3600" b="0" i="1" smtClean="0">
+                          <a:latin typeface="Cambria Math" panose="02040503050406030204" pitchFamily="18" charset="0"/>
+                          <a:cs typeface="Times New Roman" panose="02020603050405020304" pitchFamily="18" charset="0"/>
+                        </a:rPr>
+                        <m:t>𝑏</m:t>
+                      </m:r>
+                    </m:oMath>
+                  </m:oMathPara>
+                </a14:m>
+                <a:endParaRPr lang="en-US" sz="3600" dirty="0">
+                  <a:latin typeface="Times New Roman" panose="02020603050405020304" pitchFamily="18" charset="0"/>
+                  <a:cs typeface="Times New Roman" panose="02020603050405020304" pitchFamily="18" charset="0"/>
+                </a:endParaRPr>
+              </a:p>
+              <a:p>
+                <a:endParaRPr lang="en-US" sz="3600" b="1" dirty="0">
+                  <a:latin typeface="Times New Roman" panose="02020603050405020304" pitchFamily="18" charset="0"/>
+                  <a:cs typeface="Times New Roman" panose="02020603050405020304" pitchFamily="18" charset="0"/>
+                </a:endParaRPr>
+              </a:p>
+            </p:txBody>
+          </p:sp>
+        </mc:Choice>
+        <mc:Fallback xmlns="">
+          <p:sp>
+            <p:nvSpPr>
+              <p:cNvPr id="16" name="TextBox 15">
+                <a:extLst>
+                  <a:ext uri="{FF2B5EF4-FFF2-40B4-BE49-F238E27FC236}">
+                    <a16:creationId xmlns:a16="http://schemas.microsoft.com/office/drawing/2014/main" id="{BD89853B-B658-4BFC-9C89-982241DBF459}"/>
+                  </a:ext>
+                </a:extLst>
+              </p:cNvPr>
+              <p:cNvSpPr txBox="1">
+                <a:spLocks noRot="1" noChangeAspect="1" noMove="1" noResize="1" noEditPoints="1" noAdjustHandles="1" noChangeArrowheads="1" noChangeShapeType="1" noTextEdit="1"/>
+              </p:cNvSpPr>
+              <p:nvPr/>
+            </p:nvSpPr>
+            <p:spPr>
+              <a:xfrm>
+                <a:off x="9378464" y="4976155"/>
+                <a:ext cx="3938952" cy="1754326"/>
+              </a:xfrm>
+              <a:prstGeom prst="rect">
+                <a:avLst/>
+              </a:prstGeom>
+              <a:blipFill>
+                <a:blip r:embed="rId4"/>
+                <a:stretch>
+                  <a:fillRect l="-4637" t="-5556" r="-112519"/>
+                </a:stretch>
+              </a:blipFill>
+            </p:spPr>
+            <p:txBody>
+              <a:bodyPr/>
+              <a:lstStyle/>
+              <a:p>
+                <a:r>
+                  <a:rPr lang="en-US">
+                    <a:noFill/>
+                  </a:rPr>
+                  <a:t> </a:t>
+                </a:r>
+              </a:p>
+            </p:txBody>
+          </p:sp>
+        </mc:Fallback>
+      </mc:AlternateContent>
+      <p:pic>
+        <p:nvPicPr>
+          <p:cNvPr id="19" name="Picture 18">
+            <a:extLst>
+              <a:ext uri="{FF2B5EF4-FFF2-40B4-BE49-F238E27FC236}">
+                <a16:creationId xmlns:a16="http://schemas.microsoft.com/office/drawing/2014/main" id="{FB98BDCE-715A-40D1-9D12-ABFCF037589D}"/>
+              </a:ext>
+            </a:extLst>
+          </p:cNvPr>
+          <p:cNvPicPr>
+            <a:picLocks noChangeAspect="1"/>
+          </p:cNvPicPr>
+          <p:nvPr/>
+        </p:nvPicPr>
+        <p:blipFill>
+          <a:blip r:embed="rId5"/>
+          <a:stretch>
+            <a:fillRect/>
+          </a:stretch>
+        </p:blipFill>
+        <p:spPr>
+          <a:xfrm>
+            <a:off x="15856935" y="10386036"/>
+            <a:ext cx="6092443" cy="4700637"/>
+          </a:xfrm>
+          <a:prstGeom prst="rect">
+            <a:avLst/>
+          </a:prstGeom>
+        </p:spPr>
+      </p:pic>
+      <p:pic>
+        <p:nvPicPr>
+          <p:cNvPr id="67" name="Picture 66">
+            <a:extLst>
+              <a:ext uri="{FF2B5EF4-FFF2-40B4-BE49-F238E27FC236}">
+                <a16:creationId xmlns:a16="http://schemas.microsoft.com/office/drawing/2014/main" id="{65E1AFDD-BF66-4A97-9A72-7084E4E6117B}"/>
+              </a:ext>
+            </a:extLst>
+          </p:cNvPr>
+          <p:cNvPicPr/>
+          <p:nvPr/>
+        </p:nvPicPr>
+        <p:blipFill>
+          <a:blip r:embed="rId6"/>
+          <a:stretch>
+            <a:fillRect/>
+          </a:stretch>
+        </p:blipFill>
+        <p:spPr>
+          <a:xfrm>
+            <a:off x="9475926" y="10562359"/>
+            <a:ext cx="6179957" cy="4524314"/>
+          </a:xfrm>
+          <a:prstGeom prst="rect">
+            <a:avLst/>
+          </a:prstGeom>
+        </p:spPr>
+      </p:pic>
+      <p:graphicFrame>
+        <p:nvGraphicFramePr>
+          <p:cNvPr id="22" name="Table 21">
+            <a:extLst>
+              <a:ext uri="{FF2B5EF4-FFF2-40B4-BE49-F238E27FC236}">
+                <a16:creationId xmlns:a16="http://schemas.microsoft.com/office/drawing/2014/main" id="{9E9C848E-8A3C-413B-A7BB-A3B656035812}"/>
+              </a:ext>
+            </a:extLst>
+          </p:cNvPr>
+          <p:cNvGraphicFramePr>
+            <a:graphicFrameLocks noGrp="1"/>
+          </p:cNvGraphicFramePr>
+          <p:nvPr>
+            <p:extLst>
+              <p:ext uri="{D42A27DB-BD31-4B8C-83A1-F6EECF244321}">
+                <p14:modId xmlns:p14="http://schemas.microsoft.com/office/powerpoint/2010/main" val="415269319"/>
+              </p:ext>
+            </p:extLst>
+          </p:nvPr>
+        </p:nvGraphicFramePr>
+        <p:xfrm>
+          <a:off x="10549576" y="15458149"/>
+          <a:ext cx="10336074" cy="1877349"/>
+        </p:xfrm>
+        <a:graphic>
+          <a:graphicData uri="http://schemas.openxmlformats.org/drawingml/2006/table">
+            <a:tbl>
+              <a:tblPr firstRow="1" bandRow="1">
+                <a:tableStyleId>{7DF18680-E054-41AD-8BC1-D1AEF772440D}</a:tableStyleId>
+              </a:tblPr>
+              <a:tblGrid>
+                <a:gridCol w="3445358">
+                  <a:extLst>
+                    <a:ext uri="{9D8B030D-6E8A-4147-A177-3AD203B41FA5}">
+                      <a16:colId xmlns:a16="http://schemas.microsoft.com/office/drawing/2014/main" val="1585996106"/>
+                    </a:ext>
+                  </a:extLst>
+                </a:gridCol>
+                <a:gridCol w="3445358">
+                  <a:extLst>
+                    <a:ext uri="{9D8B030D-6E8A-4147-A177-3AD203B41FA5}">
+                      <a16:colId xmlns:a16="http://schemas.microsoft.com/office/drawing/2014/main" val="1401367856"/>
+                    </a:ext>
+                  </a:extLst>
+                </a:gridCol>
+                <a:gridCol w="3445358">
+                  <a:extLst>
+                    <a:ext uri="{9D8B030D-6E8A-4147-A177-3AD203B41FA5}">
+                      <a16:colId xmlns:a16="http://schemas.microsoft.com/office/drawing/2014/main" val="4194721662"/>
+                    </a:ext>
+                  </a:extLst>
+                </a:gridCol>
+              </a:tblGrid>
+              <a:tr h="956984">
+                <a:tc>
+                  <a:txBody>
+                    <a:bodyPr/>
+                    <a:lstStyle/>
+                    <a:p>
+                      <a:pPr algn="ctr"/>
+                      <a:r>
+                        <a:rPr lang="en-US" sz="2400" dirty="0">
+                          <a:latin typeface="Times New Roman" panose="02020603050405020304" pitchFamily="18" charset="0"/>
+                          <a:cs typeface="Times New Roman" panose="02020603050405020304" pitchFamily="18" charset="0"/>
+                        </a:rPr>
+                        <a:t>Model</a:t>
+                      </a:r>
+                    </a:p>
+                  </a:txBody>
+                  <a:tcPr/>
+                </a:tc>
+                <a:tc>
+                  <a:txBody>
+                    <a:bodyPr/>
+                    <a:lstStyle/>
+                    <a:p>
+                      <a:pPr algn="ctr"/>
+                      <a:r>
+                        <a:rPr lang="en-US" sz="2400" dirty="0">
+                          <a:latin typeface="Times New Roman" panose="02020603050405020304" pitchFamily="18" charset="0"/>
+                          <a:cs typeface="Times New Roman" panose="02020603050405020304" pitchFamily="18" charset="0"/>
+                        </a:rPr>
+                        <a:t>Average career length training error (in years)</a:t>
+                      </a:r>
+                    </a:p>
+                  </a:txBody>
+                  <a:tcPr/>
+                </a:tc>
+                <a:tc>
+                  <a:txBody>
+                    <a:bodyPr/>
+                    <a:lstStyle/>
+                    <a:p>
+                      <a:pPr algn="ctr"/>
+                      <a:r>
+                        <a:rPr lang="en-US" sz="2400" dirty="0">
+                          <a:latin typeface="Times New Roman" panose="02020603050405020304" pitchFamily="18" charset="0"/>
+                          <a:cs typeface="Times New Roman" panose="02020603050405020304" pitchFamily="18" charset="0"/>
+                        </a:rPr>
+                        <a:t>Average career length test error (in years)</a:t>
+                      </a:r>
+                    </a:p>
+                  </a:txBody>
+                  <a:tcPr/>
+                </a:tc>
+                <a:extLst>
+                  <a:ext uri="{0D108BD9-81ED-4DB2-BD59-A6C34878D82A}">
+                    <a16:rowId xmlns:a16="http://schemas.microsoft.com/office/drawing/2014/main" val="3304515495"/>
+                  </a:ext>
+                </a:extLst>
+              </a:tr>
+              <a:tr h="463165">
+                <a:tc>
+                  <a:txBody>
+                    <a:bodyPr/>
+                    <a:lstStyle/>
+                    <a:p>
+                      <a:pPr algn="ctr"/>
+                      <a:r>
+                        <a:rPr lang="en-US" sz="2400" dirty="0">
+                          <a:latin typeface="Times New Roman" panose="02020603050405020304" pitchFamily="18" charset="0"/>
+                          <a:cs typeface="Times New Roman" panose="02020603050405020304" pitchFamily="18" charset="0"/>
+                        </a:rPr>
+                        <a:t>Linear Regression</a:t>
+                      </a:r>
+                    </a:p>
+                  </a:txBody>
+                  <a:tcPr/>
+                </a:tc>
+                <a:tc>
+                  <a:txBody>
+                    <a:bodyPr/>
+                    <a:lstStyle/>
+                    <a:p>
+                      <a:pPr algn="ctr"/>
+                      <a:r>
+                        <a:rPr lang="en-US" sz="2400" dirty="0">
+                          <a:latin typeface="Times New Roman" panose="02020603050405020304" pitchFamily="18" charset="0"/>
+                          <a:cs typeface="Times New Roman" panose="02020603050405020304" pitchFamily="18" charset="0"/>
+                        </a:rPr>
+                        <a:t>3.1417</a:t>
+                      </a:r>
+                    </a:p>
+                  </a:txBody>
+                  <a:tcPr/>
+                </a:tc>
+                <a:tc>
+                  <a:txBody>
+                    <a:bodyPr/>
+                    <a:lstStyle/>
+                    <a:p>
+                      <a:pPr algn="ctr"/>
+                      <a:r>
+                        <a:rPr lang="en-US" sz="2400" dirty="0">
+                          <a:latin typeface="Times New Roman" panose="02020603050405020304" pitchFamily="18" charset="0"/>
+                          <a:cs typeface="Times New Roman" panose="02020603050405020304" pitchFamily="18" charset="0"/>
+                        </a:rPr>
+                        <a:t>3.0246</a:t>
+                      </a:r>
+                    </a:p>
+                  </a:txBody>
+                  <a:tcPr/>
+                </a:tc>
+                <a:extLst>
+                  <a:ext uri="{0D108BD9-81ED-4DB2-BD59-A6C34878D82A}">
+                    <a16:rowId xmlns:a16="http://schemas.microsoft.com/office/drawing/2014/main" val="1258937070"/>
+                  </a:ext>
+                </a:extLst>
+              </a:tr>
+              <a:tr h="380253">
+                <a:tc>
+                  <a:txBody>
+                    <a:bodyPr/>
+                    <a:lstStyle/>
+                    <a:p>
+                      <a:pPr algn="ctr"/>
+                      <a:r>
+                        <a:rPr lang="en-US" sz="2400" dirty="0">
+                          <a:latin typeface="Times New Roman" panose="02020603050405020304" pitchFamily="18" charset="0"/>
+                          <a:cs typeface="Times New Roman" panose="02020603050405020304" pitchFamily="18" charset="0"/>
+                        </a:rPr>
+                        <a:t>LSTM</a:t>
+                      </a:r>
+                    </a:p>
+                  </a:txBody>
+                  <a:tcPr/>
+                </a:tc>
+                <a:tc>
+                  <a:txBody>
+                    <a:bodyPr/>
+                    <a:lstStyle/>
+                    <a:p>
+                      <a:pPr algn="ctr"/>
+                      <a:r>
+                        <a:rPr lang="en-US" sz="2400" dirty="0">
+                          <a:latin typeface="Times New Roman" panose="02020603050405020304" pitchFamily="18" charset="0"/>
+                          <a:cs typeface="Times New Roman" panose="02020603050405020304" pitchFamily="18" charset="0"/>
+                        </a:rPr>
+                        <a:t>2.9873</a:t>
+                      </a:r>
+                    </a:p>
+                  </a:txBody>
+                  <a:tcPr/>
+                </a:tc>
+                <a:tc>
+                  <a:txBody>
+                    <a:bodyPr/>
+                    <a:lstStyle/>
+                    <a:p>
+                      <a:pPr algn="ctr"/>
+                      <a:r>
+                        <a:rPr lang="en-US" sz="2400" dirty="0">
+                          <a:latin typeface="Times New Roman" panose="02020603050405020304" pitchFamily="18" charset="0"/>
+                          <a:cs typeface="Times New Roman" panose="02020603050405020304" pitchFamily="18" charset="0"/>
+                        </a:rPr>
+                        <a:t>3.0744</a:t>
+                      </a:r>
+                    </a:p>
+                  </a:txBody>
+                  <a:tcPr/>
+                </a:tc>
+                <a:extLst>
+                  <a:ext uri="{0D108BD9-81ED-4DB2-BD59-A6C34878D82A}">
+                    <a16:rowId xmlns:a16="http://schemas.microsoft.com/office/drawing/2014/main" val="315392398"/>
+                  </a:ext>
+                </a:extLst>
+              </a:tr>
+            </a:tbl>
+          </a:graphicData>
+        </a:graphic>
+      </p:graphicFrame>
+      <p:pic>
+        <p:nvPicPr>
+          <p:cNvPr id="24" name="Picture 23">
+            <a:extLst>
+              <a:ext uri="{FF2B5EF4-FFF2-40B4-BE49-F238E27FC236}">
+                <a16:creationId xmlns:a16="http://schemas.microsoft.com/office/drawing/2014/main" id="{7CC285A8-D6C5-40BD-825F-AF577E8AFD18}"/>
+              </a:ext>
+            </a:extLst>
+          </p:cNvPr>
+          <p:cNvPicPr>
+            <a:picLocks noChangeAspect="1"/>
+          </p:cNvPicPr>
+          <p:nvPr/>
+        </p:nvPicPr>
+        <p:blipFill>
+          <a:blip r:embed="rId7"/>
+          <a:stretch>
+            <a:fillRect/>
+          </a:stretch>
+        </p:blipFill>
+        <p:spPr>
+          <a:xfrm>
+            <a:off x="9448802" y="6922974"/>
+            <a:ext cx="6846711" cy="2439808"/>
+          </a:xfrm>
+          <a:prstGeom prst="rect">
+            <a:avLst/>
+          </a:prstGeom>
+        </p:spPr>
+      </p:pic>
+      <p:sp>
+        <p:nvSpPr>
+          <p:cNvPr id="68" name="TextBox 67">
+            <a:extLst>
+              <a:ext uri="{FF2B5EF4-FFF2-40B4-BE49-F238E27FC236}">
+                <a16:creationId xmlns:a16="http://schemas.microsoft.com/office/drawing/2014/main" id="{3AD90118-1B56-4296-959A-4D9CDEF1E8EB}"/>
+              </a:ext>
+            </a:extLst>
+          </p:cNvPr>
+          <p:cNvSpPr txBox="1"/>
+          <p:nvPr/>
+        </p:nvSpPr>
+        <p:spPr>
+          <a:xfrm>
+            <a:off x="14887859" y="6036841"/>
+            <a:ext cx="7073303" cy="2308324"/>
+          </a:xfrm>
+          <a:prstGeom prst="rect">
+            <a:avLst/>
+          </a:prstGeom>
+          <a:noFill/>
+        </p:spPr>
+        <p:txBody>
+          <a:bodyPr wrap="square" rtlCol="0">
+            <a:spAutoFit/>
+          </a:bodyPr>
+          <a:lstStyle/>
+          <a:p>
+            <a:pPr algn="just"/>
+            <a:r>
+              <a:rPr lang="en-US" sz="3600" dirty="0">
+                <a:latin typeface="Times New Roman" panose="02020603050405020304" pitchFamily="18" charset="0"/>
+                <a:cs typeface="Times New Roman" panose="02020603050405020304" pitchFamily="18" charset="0"/>
+              </a:rPr>
+              <a:t>One LSTM layer; one FC layer</a:t>
+            </a:r>
+          </a:p>
+          <a:p>
+            <a:pPr algn="just"/>
+            <a:r>
+              <a:rPr lang="en-US" sz="3600" dirty="0">
+                <a:latin typeface="Times New Roman" panose="02020603050405020304" pitchFamily="18" charset="0"/>
+                <a:cs typeface="Times New Roman" panose="02020603050405020304" pitchFamily="18" charset="0"/>
+              </a:rPr>
+              <a:t>64 hidden states, 2 outputs</a:t>
+            </a:r>
+          </a:p>
+          <a:p>
+            <a:pPr algn="just"/>
+            <a:r>
+              <a:rPr lang="en-US" sz="3500" b="1" dirty="0">
+                <a:latin typeface="Times New Roman" panose="02020603050405020304" pitchFamily="18" charset="0"/>
+                <a:cs typeface="Times New Roman" panose="02020603050405020304" pitchFamily="18" charset="0"/>
+              </a:rPr>
+              <a:t>Outputs: </a:t>
+            </a:r>
+            <a:r>
+              <a:rPr lang="en-US" sz="3600" dirty="0">
+                <a:latin typeface="Times New Roman" panose="02020603050405020304" pitchFamily="18" charset="0"/>
+                <a:cs typeface="Times New Roman" panose="02020603050405020304" pitchFamily="18" charset="0"/>
+              </a:rPr>
+              <a:t>1. Peak performance year</a:t>
+            </a:r>
+          </a:p>
+          <a:p>
+            <a:pPr algn="just"/>
+            <a:r>
+              <a:rPr lang="en-US" sz="3600" dirty="0">
+                <a:latin typeface="Times New Roman" panose="02020603050405020304" pitchFamily="18" charset="0"/>
+                <a:cs typeface="Times New Roman" panose="02020603050405020304" pitchFamily="18" charset="0"/>
+              </a:rPr>
+              <a:t>               2. Career length</a:t>
+            </a:r>
+          </a:p>
+        </p:txBody>
+      </p:sp>
+      <p:graphicFrame>
+        <p:nvGraphicFramePr>
+          <p:cNvPr id="69" name="Table 68">
+            <a:extLst>
+              <a:ext uri="{FF2B5EF4-FFF2-40B4-BE49-F238E27FC236}">
+                <a16:creationId xmlns:a16="http://schemas.microsoft.com/office/drawing/2014/main" id="{2CC85C41-C3F3-413B-B9D6-7901A55E5BB8}"/>
+              </a:ext>
+            </a:extLst>
+          </p:cNvPr>
+          <p:cNvGraphicFramePr>
+            <a:graphicFrameLocks noGrp="1"/>
+          </p:cNvGraphicFramePr>
+          <p:nvPr>
+            <p:extLst>
+              <p:ext uri="{D42A27DB-BD31-4B8C-83A1-F6EECF244321}">
+                <p14:modId xmlns:p14="http://schemas.microsoft.com/office/powerpoint/2010/main" val="2793232438"/>
+              </p:ext>
+            </p:extLst>
+          </p:nvPr>
+        </p:nvGraphicFramePr>
+        <p:xfrm>
+          <a:off x="10549576" y="17753558"/>
+          <a:ext cx="10336074" cy="1883913"/>
+        </p:xfrm>
+        <a:graphic>
+          <a:graphicData uri="http://schemas.openxmlformats.org/drawingml/2006/table">
+            <a:tbl>
+              <a:tblPr firstRow="1" bandRow="1">
+                <a:tableStyleId>{7DF18680-E054-41AD-8BC1-D1AEF772440D}</a:tableStyleId>
+              </a:tblPr>
+              <a:tblGrid>
+                <a:gridCol w="3445358">
+                  <a:extLst>
+                    <a:ext uri="{9D8B030D-6E8A-4147-A177-3AD203B41FA5}">
+                      <a16:colId xmlns:a16="http://schemas.microsoft.com/office/drawing/2014/main" val="1585996106"/>
+                    </a:ext>
+                  </a:extLst>
+                </a:gridCol>
+                <a:gridCol w="3445358">
+                  <a:extLst>
+                    <a:ext uri="{9D8B030D-6E8A-4147-A177-3AD203B41FA5}">
+                      <a16:colId xmlns:a16="http://schemas.microsoft.com/office/drawing/2014/main" val="1401367856"/>
+                    </a:ext>
+                  </a:extLst>
+                </a:gridCol>
+                <a:gridCol w="3445358">
+                  <a:extLst>
+                    <a:ext uri="{9D8B030D-6E8A-4147-A177-3AD203B41FA5}">
+                      <a16:colId xmlns:a16="http://schemas.microsoft.com/office/drawing/2014/main" val="4194721662"/>
+                    </a:ext>
+                  </a:extLst>
+                </a:gridCol>
+              </a:tblGrid>
+              <a:tr h="957870">
+                <a:tc>
+                  <a:txBody>
+                    <a:bodyPr/>
+                    <a:lstStyle/>
+                    <a:p>
+                      <a:pPr algn="ctr"/>
+                      <a:r>
+                        <a:rPr lang="en-US" sz="2400" dirty="0">
+                          <a:latin typeface="Times New Roman" panose="02020603050405020304" pitchFamily="18" charset="0"/>
+                          <a:cs typeface="Times New Roman" panose="02020603050405020304" pitchFamily="18" charset="0"/>
+                        </a:rPr>
+                        <a:t>Model</a:t>
+                      </a:r>
+                    </a:p>
+                  </a:txBody>
+                  <a:tcPr/>
+                </a:tc>
+                <a:tc>
+                  <a:txBody>
+                    <a:bodyPr/>
+                    <a:lstStyle/>
+                    <a:p>
+                      <a:pPr algn="ctr"/>
+                      <a:r>
+                        <a:rPr lang="en-US" sz="2400" dirty="0">
+                          <a:latin typeface="Times New Roman" panose="02020603050405020304" pitchFamily="18" charset="0"/>
+                          <a:cs typeface="Times New Roman" panose="02020603050405020304" pitchFamily="18" charset="0"/>
+                        </a:rPr>
+                        <a:t>Average peak year training error (in years)</a:t>
+                      </a:r>
+                    </a:p>
+                  </a:txBody>
+                  <a:tcPr/>
+                </a:tc>
+                <a:tc>
+                  <a:txBody>
+                    <a:bodyPr/>
+                    <a:lstStyle/>
+                    <a:p>
+                      <a:pPr algn="ctr"/>
+                      <a:r>
+                        <a:rPr lang="en-US" sz="2400" dirty="0">
+                          <a:latin typeface="Times New Roman" panose="02020603050405020304" pitchFamily="18" charset="0"/>
+                          <a:cs typeface="Times New Roman" panose="02020603050405020304" pitchFamily="18" charset="0"/>
+                        </a:rPr>
+                        <a:t>Average peak year test error (in years)</a:t>
+                      </a:r>
+                    </a:p>
+                  </a:txBody>
+                  <a:tcPr/>
+                </a:tc>
+                <a:extLst>
+                  <a:ext uri="{0D108BD9-81ED-4DB2-BD59-A6C34878D82A}">
+                    <a16:rowId xmlns:a16="http://schemas.microsoft.com/office/drawing/2014/main" val="3304515495"/>
+                  </a:ext>
+                </a:extLst>
+              </a:tr>
+              <a:tr h="468843">
+                <a:tc>
+                  <a:txBody>
+                    <a:bodyPr/>
+                    <a:lstStyle/>
+                    <a:p>
+                      <a:pPr algn="ctr"/>
+                      <a:r>
+                        <a:rPr lang="en-US" sz="2400" dirty="0">
+                          <a:latin typeface="Times New Roman" panose="02020603050405020304" pitchFamily="18" charset="0"/>
+                          <a:cs typeface="Times New Roman" panose="02020603050405020304" pitchFamily="18" charset="0"/>
+                        </a:rPr>
+                        <a:t>Linear Regression</a:t>
+                      </a:r>
+                    </a:p>
+                  </a:txBody>
+                  <a:tcPr/>
+                </a:tc>
+                <a:tc>
+                  <a:txBody>
+                    <a:bodyPr/>
+                    <a:lstStyle/>
+                    <a:p>
+                      <a:pPr algn="ctr"/>
+                      <a:r>
+                        <a:rPr lang="en-US" sz="2400" dirty="0">
+                          <a:latin typeface="Times New Roman" panose="02020603050405020304" pitchFamily="18" charset="0"/>
+                          <a:cs typeface="Times New Roman" panose="02020603050405020304" pitchFamily="18" charset="0"/>
+                        </a:rPr>
+                        <a:t>2.2185</a:t>
+                      </a:r>
+                    </a:p>
+                  </a:txBody>
+                  <a:tcPr/>
+                </a:tc>
+                <a:tc>
+                  <a:txBody>
+                    <a:bodyPr/>
+                    <a:lstStyle/>
+                    <a:p>
+                      <a:pPr algn="ctr"/>
+                      <a:r>
+                        <a:rPr lang="en-US" sz="2400" dirty="0">
+                          <a:latin typeface="Times New Roman" panose="02020603050405020304" pitchFamily="18" charset="0"/>
+                          <a:cs typeface="Times New Roman" panose="02020603050405020304" pitchFamily="18" charset="0"/>
+                        </a:rPr>
+                        <a:t>2.1728</a:t>
+                      </a:r>
+                    </a:p>
+                  </a:txBody>
+                  <a:tcPr/>
+                </a:tc>
+                <a:extLst>
+                  <a:ext uri="{0D108BD9-81ED-4DB2-BD59-A6C34878D82A}">
+                    <a16:rowId xmlns:a16="http://schemas.microsoft.com/office/drawing/2014/main" val="1258937070"/>
+                  </a:ext>
+                </a:extLst>
+              </a:tr>
+              <a:tr h="359201">
+                <a:tc>
+                  <a:txBody>
+                    <a:bodyPr/>
+                    <a:lstStyle/>
+                    <a:p>
+                      <a:pPr algn="ctr"/>
+                      <a:r>
+                        <a:rPr lang="en-US" sz="2400" dirty="0">
+                          <a:latin typeface="Times New Roman" panose="02020603050405020304" pitchFamily="18" charset="0"/>
+                          <a:cs typeface="Times New Roman" panose="02020603050405020304" pitchFamily="18" charset="0"/>
+                        </a:rPr>
+                        <a:t>LSTM</a:t>
+                      </a:r>
+                    </a:p>
+                  </a:txBody>
+                  <a:tcPr/>
+                </a:tc>
+                <a:tc>
+                  <a:txBody>
+                    <a:bodyPr/>
+                    <a:lstStyle/>
+                    <a:p>
+                      <a:pPr algn="ctr"/>
+                      <a:r>
+                        <a:rPr lang="en-US" sz="2400" dirty="0">
+                          <a:latin typeface="Times New Roman" panose="02020603050405020304" pitchFamily="18" charset="0"/>
+                          <a:cs typeface="Times New Roman" panose="02020603050405020304" pitchFamily="18" charset="0"/>
+                        </a:rPr>
+                        <a:t>2.2539</a:t>
+                      </a:r>
+                    </a:p>
+                  </a:txBody>
+                  <a:tcPr/>
+                </a:tc>
+                <a:tc>
+                  <a:txBody>
+                    <a:bodyPr/>
+                    <a:lstStyle/>
+                    <a:p>
+                      <a:pPr algn="ctr"/>
+                      <a:r>
+                        <a:rPr lang="en-US" sz="2400" dirty="0">
+                          <a:latin typeface="Times New Roman" panose="02020603050405020304" pitchFamily="18" charset="0"/>
+                          <a:cs typeface="Times New Roman" panose="02020603050405020304" pitchFamily="18" charset="0"/>
+                        </a:rPr>
+                        <a:t>2.2919</a:t>
+                      </a:r>
+                    </a:p>
+                  </a:txBody>
+                  <a:tcPr/>
+                </a:tc>
+                <a:extLst>
+                  <a:ext uri="{0D108BD9-81ED-4DB2-BD59-A6C34878D82A}">
+                    <a16:rowId xmlns:a16="http://schemas.microsoft.com/office/drawing/2014/main" val="315392398"/>
+                  </a:ext>
+                </a:extLst>
+              </a:tr>
+            </a:tbl>
+          </a:graphicData>
+        </a:graphic>
+      </p:graphicFrame>
+      <p:sp>
+        <p:nvSpPr>
+          <p:cNvPr id="71" name="TextBox 70">
+            <a:extLst>
+              <a:ext uri="{FF2B5EF4-FFF2-40B4-BE49-F238E27FC236}">
+                <a16:creationId xmlns:a16="http://schemas.microsoft.com/office/drawing/2014/main" id="{0C468617-7AF6-4CC4-A45C-68B7FEBC2E22}"/>
+              </a:ext>
+            </a:extLst>
+          </p:cNvPr>
+          <p:cNvSpPr txBox="1"/>
+          <p:nvPr/>
+        </p:nvSpPr>
+        <p:spPr>
+          <a:xfrm>
+            <a:off x="9378463" y="6113288"/>
+            <a:ext cx="8257902" cy="646331"/>
+          </a:xfrm>
+          <a:prstGeom prst="rect">
+            <a:avLst/>
+          </a:prstGeom>
+          <a:noFill/>
+        </p:spPr>
+        <p:txBody>
+          <a:bodyPr wrap="square" rtlCol="0">
+            <a:spAutoFit/>
+          </a:bodyPr>
+          <a:lstStyle/>
+          <a:p>
+            <a:r>
+              <a:rPr lang="en-US" sz="3600" b="1" dirty="0">
+                <a:latin typeface="Times New Roman" panose="02020603050405020304" pitchFamily="18" charset="0"/>
+                <a:cs typeface="Times New Roman" panose="02020603050405020304" pitchFamily="18" charset="0"/>
+              </a:rPr>
+              <a:t>Long Short-term Memory</a:t>
+            </a:r>
+          </a:p>
+        </p:txBody>
+      </p:sp>
+      <p:graphicFrame>
+        <p:nvGraphicFramePr>
+          <p:cNvPr id="74" name="Table 73">
+            <a:extLst>
+              <a:ext uri="{FF2B5EF4-FFF2-40B4-BE49-F238E27FC236}">
+                <a16:creationId xmlns:a16="http://schemas.microsoft.com/office/drawing/2014/main" id="{FBAF9243-1362-4E5F-83CE-C5FFE93FC4EE}"/>
+              </a:ext>
+            </a:extLst>
+          </p:cNvPr>
+          <p:cNvGraphicFramePr>
+            <a:graphicFrameLocks noGrp="1"/>
+          </p:cNvGraphicFramePr>
+          <p:nvPr>
+            <p:extLst>
+              <p:ext uri="{D42A27DB-BD31-4B8C-83A1-F6EECF244321}">
+                <p14:modId xmlns:p14="http://schemas.microsoft.com/office/powerpoint/2010/main" val="4185545421"/>
+              </p:ext>
+            </p:extLst>
+          </p:nvPr>
+        </p:nvGraphicFramePr>
+        <p:xfrm>
+          <a:off x="10549576" y="20137526"/>
+          <a:ext cx="10336074" cy="1613184"/>
+        </p:xfrm>
+        <a:graphic>
+          <a:graphicData uri="http://schemas.openxmlformats.org/drawingml/2006/table">
+            <a:tbl>
+              <a:tblPr firstRow="1" bandRow="1">
+                <a:tableStyleId>{7DF18680-E054-41AD-8BC1-D1AEF772440D}</a:tableStyleId>
+              </a:tblPr>
+              <a:tblGrid>
+                <a:gridCol w="3445358">
+                  <a:extLst>
+                    <a:ext uri="{9D8B030D-6E8A-4147-A177-3AD203B41FA5}">
+                      <a16:colId xmlns:a16="http://schemas.microsoft.com/office/drawing/2014/main" val="1585996106"/>
+                    </a:ext>
+                  </a:extLst>
+                </a:gridCol>
+                <a:gridCol w="3445358">
+                  <a:extLst>
+                    <a:ext uri="{9D8B030D-6E8A-4147-A177-3AD203B41FA5}">
+                      <a16:colId xmlns:a16="http://schemas.microsoft.com/office/drawing/2014/main" val="1401367856"/>
+                    </a:ext>
+                  </a:extLst>
+                </a:gridCol>
+                <a:gridCol w="3445358">
+                  <a:extLst>
+                    <a:ext uri="{9D8B030D-6E8A-4147-A177-3AD203B41FA5}">
+                      <a16:colId xmlns:a16="http://schemas.microsoft.com/office/drawing/2014/main" val="4194721662"/>
+                    </a:ext>
+                  </a:extLst>
+                </a:gridCol>
+              </a:tblGrid>
+              <a:tr h="698784">
+                <a:tc>
+                  <a:txBody>
+                    <a:bodyPr/>
+                    <a:lstStyle/>
+                    <a:p>
+                      <a:pPr algn="ctr"/>
+                      <a:r>
+                        <a:rPr lang="en-US" sz="2400" dirty="0">
+                          <a:latin typeface="Times New Roman" panose="02020603050405020304" pitchFamily="18" charset="0"/>
+                          <a:cs typeface="Times New Roman" panose="02020603050405020304" pitchFamily="18" charset="0"/>
+                        </a:rPr>
+                        <a:t>Model</a:t>
+                      </a:r>
+                    </a:p>
+                  </a:txBody>
+                  <a:tcPr/>
+                </a:tc>
+                <a:tc>
+                  <a:txBody>
+                    <a:bodyPr/>
+                    <a:lstStyle/>
+                    <a:p>
+                      <a:pPr algn="ctr"/>
+                      <a:r>
+                        <a:rPr lang="en-US" sz="2400" dirty="0">
+                          <a:latin typeface="Times New Roman" panose="02020603050405020304" pitchFamily="18" charset="0"/>
+                          <a:cs typeface="Times New Roman" panose="02020603050405020304" pitchFamily="18" charset="0"/>
+                        </a:rPr>
+                        <a:t>Training set size</a:t>
+                      </a:r>
+                    </a:p>
+                  </a:txBody>
+                  <a:tcPr/>
+                </a:tc>
+                <a:tc>
+                  <a:txBody>
+                    <a:bodyPr/>
+                    <a:lstStyle/>
+                    <a:p>
+                      <a:pPr algn="ctr"/>
+                      <a:r>
+                        <a:rPr lang="en-US" sz="2400" dirty="0">
+                          <a:latin typeface="Times New Roman" panose="02020603050405020304" pitchFamily="18" charset="0"/>
+                          <a:cs typeface="Times New Roman" panose="02020603050405020304" pitchFamily="18" charset="0"/>
+                        </a:rPr>
+                        <a:t>Test set size</a:t>
+                      </a:r>
+                    </a:p>
+                  </a:txBody>
+                  <a:tcPr/>
+                </a:tc>
+                <a:extLst>
+                  <a:ext uri="{0D108BD9-81ED-4DB2-BD59-A6C34878D82A}">
+                    <a16:rowId xmlns:a16="http://schemas.microsoft.com/office/drawing/2014/main" val="3304515495"/>
+                  </a:ext>
+                </a:extLst>
+              </a:tr>
+              <a:tr h="408449">
+                <a:tc>
+                  <a:txBody>
+                    <a:bodyPr/>
+                    <a:lstStyle/>
+                    <a:p>
+                      <a:pPr algn="ctr"/>
+                      <a:r>
+                        <a:rPr lang="en-US" sz="2400" dirty="0">
+                          <a:latin typeface="Times New Roman" panose="02020603050405020304" pitchFamily="18" charset="0"/>
+                          <a:cs typeface="Times New Roman" panose="02020603050405020304" pitchFamily="18" charset="0"/>
+                        </a:rPr>
+                        <a:t>Linear Regression</a:t>
+                      </a:r>
+                    </a:p>
+                  </a:txBody>
+                  <a:tcPr/>
+                </a:tc>
+                <a:tc>
+                  <a:txBody>
+                    <a:bodyPr/>
+                    <a:lstStyle/>
+                    <a:p>
+                      <a:pPr algn="ctr"/>
+                      <a:r>
+                        <a:rPr lang="en-US" sz="2400" dirty="0">
+                          <a:latin typeface="Times New Roman" panose="02020603050405020304" pitchFamily="18" charset="0"/>
+                          <a:cs typeface="Times New Roman" panose="02020603050405020304" pitchFamily="18" charset="0"/>
+                        </a:rPr>
+                        <a:t>15228</a:t>
+                      </a:r>
+                    </a:p>
+                  </a:txBody>
+                  <a:tcPr/>
+                </a:tc>
+                <a:tc>
+                  <a:txBody>
+                    <a:bodyPr/>
+                    <a:lstStyle/>
+                    <a:p>
+                      <a:pPr algn="ctr"/>
+                      <a:r>
+                        <a:rPr lang="en-US" sz="2400" dirty="0">
+                          <a:latin typeface="Times New Roman" panose="02020603050405020304" pitchFamily="18" charset="0"/>
+                          <a:cs typeface="Times New Roman" panose="02020603050405020304" pitchFamily="18" charset="0"/>
+                        </a:rPr>
+                        <a:t>1692</a:t>
+                      </a:r>
+                    </a:p>
+                  </a:txBody>
+                  <a:tcPr/>
+                </a:tc>
+                <a:extLst>
+                  <a:ext uri="{0D108BD9-81ED-4DB2-BD59-A6C34878D82A}">
+                    <a16:rowId xmlns:a16="http://schemas.microsoft.com/office/drawing/2014/main" val="1258937070"/>
+                  </a:ext>
+                </a:extLst>
+              </a:tr>
+              <a:tr h="312931">
+                <a:tc>
+                  <a:txBody>
+                    <a:bodyPr/>
+                    <a:lstStyle/>
+                    <a:p>
+                      <a:pPr algn="ctr"/>
+                      <a:r>
+                        <a:rPr lang="en-US" sz="2400" dirty="0">
+                          <a:latin typeface="Times New Roman" panose="02020603050405020304" pitchFamily="18" charset="0"/>
+                          <a:cs typeface="Times New Roman" panose="02020603050405020304" pitchFamily="18" charset="0"/>
+                        </a:rPr>
+                        <a:t>LSTM</a:t>
+                      </a:r>
+                    </a:p>
+                  </a:txBody>
+                  <a:tcPr/>
+                </a:tc>
+                <a:tc>
+                  <a:txBody>
+                    <a:bodyPr/>
+                    <a:lstStyle/>
+                    <a:p>
+                      <a:pPr algn="ctr"/>
+                      <a:r>
+                        <a:rPr lang="en-US" sz="2400" dirty="0">
+                          <a:latin typeface="Times New Roman" panose="02020603050405020304" pitchFamily="18" charset="0"/>
+                          <a:cs typeface="Times New Roman" panose="02020603050405020304" pitchFamily="18" charset="0"/>
+                        </a:rPr>
+                        <a:t>5076</a:t>
+                      </a:r>
+                    </a:p>
+                  </a:txBody>
+                  <a:tcPr/>
+                </a:tc>
+                <a:tc>
+                  <a:txBody>
+                    <a:bodyPr/>
+                    <a:lstStyle/>
+                    <a:p>
+                      <a:pPr algn="ctr"/>
+                      <a:r>
+                        <a:rPr lang="en-US" sz="2400" dirty="0">
+                          <a:latin typeface="Times New Roman" panose="02020603050405020304" pitchFamily="18" charset="0"/>
+                          <a:cs typeface="Times New Roman" panose="02020603050405020304" pitchFamily="18" charset="0"/>
+                        </a:rPr>
+                        <a:t>564</a:t>
+                      </a:r>
+                    </a:p>
+                  </a:txBody>
+                  <a:tcPr/>
+                </a:tc>
+                <a:extLst>
+                  <a:ext uri="{0D108BD9-81ED-4DB2-BD59-A6C34878D82A}">
+                    <a16:rowId xmlns:a16="http://schemas.microsoft.com/office/drawing/2014/main" val="315392398"/>
+                  </a:ext>
+                </a:extLst>
+              </a:tr>
+            </a:tbl>
+          </a:graphicData>
+        </a:graphic>
+      </p:graphicFrame>
     </p:spTree>
     <p:extLst>
       <p:ext uri="{BB962C8B-B14F-4D97-AF65-F5344CB8AC3E}">
